--- a/LinearGrouping/Presentation1.pptx
+++ b/LinearGrouping/Presentation1.pptx
@@ -7,6 +7,8 @@
   <p:sldIdLst>
     <p:sldId id="256" r:id="rId2"/>
     <p:sldId id="257" r:id="rId3"/>
+    <p:sldId id="258" r:id="rId4"/>
+    <p:sldId id="259" r:id="rId5"/>
   </p:sldIdLst>
   <p:sldSz cx="12192000" cy="6858000"/>
   <p:notesSz cx="6858000" cy="9144000"/>
@@ -260,7 +262,7 @@
           <a:p>
             <a:fld id="{5FF72FE2-A721-4784-9C04-A71618F523A5}" type="datetimeFigureOut">
               <a:rPr lang="en-US" smtClean="0"/>
-              <a:t>2/6/2019</a:t>
+              <a:t>2/11/2019</a:t>
             </a:fld>
             <a:endParaRPr lang="en-US"/>
           </a:p>
@@ -458,7 +460,7 @@
           <a:p>
             <a:fld id="{5FF72FE2-A721-4784-9C04-A71618F523A5}" type="datetimeFigureOut">
               <a:rPr lang="en-US" smtClean="0"/>
-              <a:t>2/6/2019</a:t>
+              <a:t>2/11/2019</a:t>
             </a:fld>
             <a:endParaRPr lang="en-US"/>
           </a:p>
@@ -666,7 +668,7 @@
           <a:p>
             <a:fld id="{5FF72FE2-A721-4784-9C04-A71618F523A5}" type="datetimeFigureOut">
               <a:rPr lang="en-US" smtClean="0"/>
-              <a:t>2/6/2019</a:t>
+              <a:t>2/11/2019</a:t>
             </a:fld>
             <a:endParaRPr lang="en-US"/>
           </a:p>
@@ -864,7 +866,7 @@
           <a:p>
             <a:fld id="{5FF72FE2-A721-4784-9C04-A71618F523A5}" type="datetimeFigureOut">
               <a:rPr lang="en-US" smtClean="0"/>
-              <a:t>2/6/2019</a:t>
+              <a:t>2/11/2019</a:t>
             </a:fld>
             <a:endParaRPr lang="en-US"/>
           </a:p>
@@ -1139,7 +1141,7 @@
           <a:p>
             <a:fld id="{5FF72FE2-A721-4784-9C04-A71618F523A5}" type="datetimeFigureOut">
               <a:rPr lang="en-US" smtClean="0"/>
-              <a:t>2/6/2019</a:t>
+              <a:t>2/11/2019</a:t>
             </a:fld>
             <a:endParaRPr lang="en-US"/>
           </a:p>
@@ -1404,7 +1406,7 @@
           <a:p>
             <a:fld id="{5FF72FE2-A721-4784-9C04-A71618F523A5}" type="datetimeFigureOut">
               <a:rPr lang="en-US" smtClean="0"/>
-              <a:t>2/6/2019</a:t>
+              <a:t>2/11/2019</a:t>
             </a:fld>
             <a:endParaRPr lang="en-US"/>
           </a:p>
@@ -1816,7 +1818,7 @@
           <a:p>
             <a:fld id="{5FF72FE2-A721-4784-9C04-A71618F523A5}" type="datetimeFigureOut">
               <a:rPr lang="en-US" smtClean="0"/>
-              <a:t>2/6/2019</a:t>
+              <a:t>2/11/2019</a:t>
             </a:fld>
             <a:endParaRPr lang="en-US"/>
           </a:p>
@@ -1957,7 +1959,7 @@
           <a:p>
             <a:fld id="{5FF72FE2-A721-4784-9C04-A71618F523A5}" type="datetimeFigureOut">
               <a:rPr lang="en-US" smtClean="0"/>
-              <a:t>2/6/2019</a:t>
+              <a:t>2/11/2019</a:t>
             </a:fld>
             <a:endParaRPr lang="en-US"/>
           </a:p>
@@ -2070,7 +2072,7 @@
           <a:p>
             <a:fld id="{5FF72FE2-A721-4784-9C04-A71618F523A5}" type="datetimeFigureOut">
               <a:rPr lang="en-US" smtClean="0"/>
-              <a:t>2/6/2019</a:t>
+              <a:t>2/11/2019</a:t>
             </a:fld>
             <a:endParaRPr lang="en-US"/>
           </a:p>
@@ -2381,7 +2383,7 @@
           <a:p>
             <a:fld id="{5FF72FE2-A721-4784-9C04-A71618F523A5}" type="datetimeFigureOut">
               <a:rPr lang="en-US" smtClean="0"/>
-              <a:t>2/6/2019</a:t>
+              <a:t>2/11/2019</a:t>
             </a:fld>
             <a:endParaRPr lang="en-US"/>
           </a:p>
@@ -2669,7 +2671,7 @@
           <a:p>
             <a:fld id="{5FF72FE2-A721-4784-9C04-A71618F523A5}" type="datetimeFigureOut">
               <a:rPr lang="en-US" smtClean="0"/>
-              <a:t>2/6/2019</a:t>
+              <a:t>2/11/2019</a:t>
             </a:fld>
             <a:endParaRPr lang="en-US"/>
           </a:p>
@@ -2910,7 +2912,7 @@
           <a:p>
             <a:fld id="{5FF72FE2-A721-4784-9C04-A71618F523A5}" type="datetimeFigureOut">
               <a:rPr lang="en-US" smtClean="0"/>
-              <a:t>2/6/2019</a:t>
+              <a:t>2/11/2019</a:t>
             </a:fld>
             <a:endParaRPr lang="en-US"/>
           </a:p>
@@ -14611,8 +14613,8 @@
           <a:chExt cx="0" cy="0"/>
         </a:xfrm>
       </p:grpSpPr>
-      <mc:AlternateContent xmlns:mc="http://schemas.openxmlformats.org/markup-compatibility/2006">
-        <mc:Choice xmlns:a14="http://schemas.microsoft.com/office/drawing/2010/main" Requires="a14">
+      <mc:AlternateContent xmlns:mc="http://schemas.openxmlformats.org/markup-compatibility/2006" xmlns:a14="http://schemas.microsoft.com/office/drawing/2010/main">
+        <mc:Choice Requires="a14">
           <p:graphicFrame>
             <p:nvGraphicFramePr>
               <p:cNvPr id="4" name="Table 3">
@@ -15574,7 +15576,7 @@
             </a:graphic>
           </p:graphicFrame>
         </mc:Choice>
-        <mc:Fallback>
+        <mc:Fallback xmlns="">
           <p:graphicFrame>
             <p:nvGraphicFramePr>
               <p:cNvPr id="4" name="Table 3">
@@ -16132,8 +16134,8 @@
           </p:graphicFrame>
         </mc:Fallback>
       </mc:AlternateContent>
-      <mc:AlternateContent xmlns:mc="http://schemas.openxmlformats.org/markup-compatibility/2006">
-        <mc:Choice xmlns:a14="http://schemas.microsoft.com/office/drawing/2010/main" Requires="a14">
+      <mc:AlternateContent xmlns:mc="http://schemas.openxmlformats.org/markup-compatibility/2006" xmlns:a14="http://schemas.microsoft.com/office/drawing/2010/main">
+        <mc:Choice Requires="a14">
           <p:graphicFrame>
             <p:nvGraphicFramePr>
               <p:cNvPr id="6" name="Table 5">
@@ -17111,7 +17113,7 @@
             </a:graphic>
           </p:graphicFrame>
         </mc:Choice>
-        <mc:Fallback>
+        <mc:Fallback xmlns="">
           <p:graphicFrame>
             <p:nvGraphicFramePr>
               <p:cNvPr id="6" name="Table 5">
@@ -17669,8 +17671,8 @@
           </p:graphicFrame>
         </mc:Fallback>
       </mc:AlternateContent>
-      <mc:AlternateContent xmlns:mc="http://schemas.openxmlformats.org/markup-compatibility/2006">
-        <mc:Choice xmlns:a14="http://schemas.microsoft.com/office/drawing/2010/main" Requires="a14">
+      <mc:AlternateContent xmlns:mc="http://schemas.openxmlformats.org/markup-compatibility/2006" xmlns:a14="http://schemas.microsoft.com/office/drawing/2010/main">
+        <mc:Choice Requires="a14">
           <p:graphicFrame>
             <p:nvGraphicFramePr>
               <p:cNvPr id="7" name="Table 6">
@@ -18666,7 +18668,7 @@
             </a:graphic>
           </p:graphicFrame>
         </mc:Choice>
-        <mc:Fallback>
+        <mc:Fallback xmlns="">
           <p:graphicFrame>
             <p:nvGraphicFramePr>
               <p:cNvPr id="7" name="Table 6">
@@ -19224,8 +19226,8 @@
           </p:graphicFrame>
         </mc:Fallback>
       </mc:AlternateContent>
-      <mc:AlternateContent xmlns:mc="http://schemas.openxmlformats.org/markup-compatibility/2006">
-        <mc:Choice xmlns:a14="http://schemas.microsoft.com/office/drawing/2010/main" Requires="a14">
+      <mc:AlternateContent xmlns:mc="http://schemas.openxmlformats.org/markup-compatibility/2006" xmlns:a14="http://schemas.microsoft.com/office/drawing/2010/main">
+        <mc:Choice Requires="a14">
           <p:graphicFrame>
             <p:nvGraphicFramePr>
               <p:cNvPr id="8" name="Table 7">
@@ -20203,7 +20205,7 @@
             </a:graphic>
           </p:graphicFrame>
         </mc:Choice>
-        <mc:Fallback>
+        <mc:Fallback xmlns="">
           <p:graphicFrame>
             <p:nvGraphicFramePr>
               <p:cNvPr id="8" name="Table 7">
@@ -20761,8 +20763,8 @@
           </p:graphicFrame>
         </mc:Fallback>
       </mc:AlternateContent>
-      <mc:AlternateContent xmlns:mc="http://schemas.openxmlformats.org/markup-compatibility/2006">
-        <mc:Choice xmlns:a14="http://schemas.microsoft.com/office/drawing/2010/main" Requires="a14">
+      <mc:AlternateContent xmlns:mc="http://schemas.openxmlformats.org/markup-compatibility/2006" xmlns:a14="http://schemas.microsoft.com/office/drawing/2010/main">
+        <mc:Choice Requires="a14">
           <p:graphicFrame>
             <p:nvGraphicFramePr>
               <p:cNvPr id="9" name="Table 8">
@@ -21740,7 +21742,7 @@
             </a:graphic>
           </p:graphicFrame>
         </mc:Choice>
-        <mc:Fallback>
+        <mc:Fallback xmlns="">
           <p:graphicFrame>
             <p:nvGraphicFramePr>
               <p:cNvPr id="9" name="Table 8">
@@ -22298,8 +22300,8 @@
           </p:graphicFrame>
         </mc:Fallback>
       </mc:AlternateContent>
-      <mc:AlternateContent xmlns:mc="http://schemas.openxmlformats.org/markup-compatibility/2006">
-        <mc:Choice xmlns:a14="http://schemas.microsoft.com/office/drawing/2010/main" Requires="a14">
+      <mc:AlternateContent xmlns:mc="http://schemas.openxmlformats.org/markup-compatibility/2006" xmlns:a14="http://schemas.microsoft.com/office/drawing/2010/main">
+        <mc:Choice Requires="a14">
           <p:graphicFrame>
             <p:nvGraphicFramePr>
               <p:cNvPr id="10" name="Table 9">
@@ -23277,7 +23279,7 @@
             </a:graphic>
           </p:graphicFrame>
         </mc:Choice>
-        <mc:Fallback>
+        <mc:Fallback xmlns="">
           <p:graphicFrame>
             <p:nvGraphicFramePr>
               <p:cNvPr id="10" name="Table 9">
@@ -24472,6 +24474,9272 @@
 </p:sld>
 </file>
 
+<file path=ppt/slides/slide3.xml><?xml version="1.0" encoding="utf-8"?>
+<p:sld xmlns:a="http://schemas.openxmlformats.org/drawingml/2006/main" xmlns:r="http://schemas.openxmlformats.org/officeDocument/2006/relationships" xmlns:p="http://schemas.openxmlformats.org/presentationml/2006/main">
+  <p:cSld>
+    <p:spTree>
+      <p:nvGrpSpPr>
+        <p:cNvPr id="1" name=""/>
+        <p:cNvGrpSpPr/>
+        <p:nvPr/>
+      </p:nvGrpSpPr>
+      <p:grpSpPr>
+        <a:xfrm>
+          <a:off x="0" y="0"/>
+          <a:ext cx="0" cy="0"/>
+          <a:chOff x="0" y="0"/>
+          <a:chExt cx="0" cy="0"/>
+        </a:xfrm>
+      </p:grpSpPr>
+      <p:graphicFrame>
+        <p:nvGraphicFramePr>
+          <p:cNvPr id="4" name="Table 3">
+            <a:extLst>
+              <a:ext uri="{FF2B5EF4-FFF2-40B4-BE49-F238E27FC236}">
+                <a16:creationId xmlns:a16="http://schemas.microsoft.com/office/drawing/2014/main" id="{B2457809-78AC-4EB5-A0E3-39BA091FF256}"/>
+              </a:ext>
+            </a:extLst>
+          </p:cNvPr>
+          <p:cNvGraphicFramePr>
+            <a:graphicFrameLocks noGrp="1"/>
+          </p:cNvGraphicFramePr>
+          <p:nvPr>
+            <p:extLst>
+              <p:ext uri="{D42A27DB-BD31-4B8C-83A1-F6EECF244321}">
+                <p14:modId xmlns:p14="http://schemas.microsoft.com/office/powerpoint/2010/main" val="3740643725"/>
+              </p:ext>
+            </p:extLst>
+          </p:nvPr>
+        </p:nvGraphicFramePr>
+        <p:xfrm>
+          <a:off x="3342441" y="2412592"/>
+          <a:ext cx="1294297" cy="1112520"/>
+        </p:xfrm>
+        <a:graphic>
+          <a:graphicData uri="http://schemas.openxmlformats.org/drawingml/2006/table">
+            <a:tbl>
+              <a:tblPr firstRow="1" bandRow="1">
+                <a:tableStyleId>{D113A9D2-9D6B-4929-AA2D-F23B5EE8CBE7}</a:tableStyleId>
+              </a:tblPr>
+              <a:tblGrid>
+                <a:gridCol w="463423">
+                  <a:extLst>
+                    <a:ext uri="{9D8B030D-6E8A-4147-A177-3AD203B41FA5}">
+                      <a16:colId xmlns:a16="http://schemas.microsoft.com/office/drawing/2014/main" val="1038572778"/>
+                    </a:ext>
+                  </a:extLst>
+                </a:gridCol>
+                <a:gridCol w="415437">
+                  <a:extLst>
+                    <a:ext uri="{9D8B030D-6E8A-4147-A177-3AD203B41FA5}">
+                      <a16:colId xmlns:a16="http://schemas.microsoft.com/office/drawing/2014/main" val="2574731819"/>
+                    </a:ext>
+                  </a:extLst>
+                </a:gridCol>
+                <a:gridCol w="415437">
+                  <a:extLst>
+                    <a:ext uri="{9D8B030D-6E8A-4147-A177-3AD203B41FA5}">
+                      <a16:colId xmlns:a16="http://schemas.microsoft.com/office/drawing/2014/main" val="3702273779"/>
+                    </a:ext>
+                  </a:extLst>
+                </a:gridCol>
+              </a:tblGrid>
+              <a:tr h="370840">
+                <a:tc>
+                  <a:txBody>
+                    <a:bodyPr/>
+                    <a:lstStyle/>
+                    <a:p>
+                      <a:pPr algn="ctr"/>
+                      <a:r>
+                        <a:rPr lang="en-US" b="0" dirty="0">
+                          <a:solidFill>
+                            <a:schemeClr val="bg1"/>
+                          </a:solidFill>
+                          <a:latin typeface="+mn-lt"/>
+                          <a:cs typeface="Courier New" panose="02070309020205020404" pitchFamily="49" charset="0"/>
+                        </a:rPr>
+                        <a:t>9</a:t>
+                      </a:r>
+                    </a:p>
+                  </a:txBody>
+                  <a:tcPr>
+                    <a:lnL w="12700" cap="flat" cmpd="sng" algn="ctr">
+                      <a:solidFill>
+                        <a:schemeClr val="tx1"/>
+                      </a:solidFill>
+                      <a:prstDash val="solid"/>
+                      <a:round/>
+                      <a:headEnd type="none" w="med" len="med"/>
+                      <a:tailEnd type="none" w="med" len="med"/>
+                    </a:lnL>
+                    <a:lnR w="12700" cap="flat" cmpd="sng" algn="ctr">
+                      <a:solidFill>
+                        <a:schemeClr val="tx1"/>
+                      </a:solidFill>
+                      <a:prstDash val="solid"/>
+                      <a:round/>
+                      <a:headEnd type="none" w="med" len="med"/>
+                      <a:tailEnd type="none" w="med" len="med"/>
+                    </a:lnR>
+                    <a:lnT w="12700" cap="flat" cmpd="sng" algn="ctr">
+                      <a:solidFill>
+                        <a:schemeClr val="tx1"/>
+                      </a:solidFill>
+                      <a:prstDash val="solid"/>
+                      <a:round/>
+                      <a:headEnd type="none" w="med" len="med"/>
+                      <a:tailEnd type="none" w="med" len="med"/>
+                    </a:lnT>
+                    <a:lnB w="12700" cap="flat" cmpd="sng" algn="ctr">
+                      <a:solidFill>
+                        <a:schemeClr val="tx1"/>
+                      </a:solidFill>
+                      <a:prstDash val="solid"/>
+                      <a:round/>
+                      <a:headEnd type="none" w="med" len="med"/>
+                      <a:tailEnd type="none" w="med" len="med"/>
+                    </a:lnB>
+                    <a:solidFill>
+                      <a:schemeClr val="accent1"/>
+                    </a:solidFill>
+                  </a:tcPr>
+                </a:tc>
+                <a:tc>
+                  <a:txBody>
+                    <a:bodyPr/>
+                    <a:lstStyle/>
+                    <a:p>
+                      <a:pPr algn="ctr"/>
+                      <a:r>
+                        <a:rPr lang="en-US" b="0" dirty="0">
+                          <a:solidFill>
+                            <a:schemeClr val="bg1"/>
+                          </a:solidFill>
+                          <a:latin typeface="+mn-lt"/>
+                        </a:rPr>
+                        <a:t>10</a:t>
+                      </a:r>
+                    </a:p>
+                  </a:txBody>
+                  <a:tcPr>
+                    <a:lnL w="12700" cap="flat" cmpd="sng" algn="ctr">
+                      <a:solidFill>
+                        <a:schemeClr val="tx1"/>
+                      </a:solidFill>
+                      <a:prstDash val="solid"/>
+                      <a:round/>
+                      <a:headEnd type="none" w="med" len="med"/>
+                      <a:tailEnd type="none" w="med" len="med"/>
+                    </a:lnL>
+                    <a:lnR w="12700" cap="flat" cmpd="sng" algn="ctr">
+                      <a:solidFill>
+                        <a:schemeClr val="tx1"/>
+                      </a:solidFill>
+                      <a:prstDash val="solid"/>
+                      <a:round/>
+                      <a:headEnd type="none" w="med" len="med"/>
+                      <a:tailEnd type="none" w="med" len="med"/>
+                    </a:lnR>
+                    <a:lnT w="12700" cap="flat" cmpd="sng" algn="ctr">
+                      <a:solidFill>
+                        <a:schemeClr val="tx1"/>
+                      </a:solidFill>
+                      <a:prstDash val="solid"/>
+                      <a:round/>
+                      <a:headEnd type="none" w="med" len="med"/>
+                      <a:tailEnd type="none" w="med" len="med"/>
+                    </a:lnT>
+                    <a:lnB w="12700" cap="flat" cmpd="sng" algn="ctr">
+                      <a:solidFill>
+                        <a:schemeClr val="tx1"/>
+                      </a:solidFill>
+                      <a:prstDash val="solid"/>
+                      <a:round/>
+                      <a:headEnd type="none" w="med" len="med"/>
+                      <a:tailEnd type="none" w="med" len="med"/>
+                    </a:lnB>
+                    <a:solidFill>
+                      <a:schemeClr val="accent1"/>
+                    </a:solidFill>
+                  </a:tcPr>
+                </a:tc>
+                <a:tc>
+                  <a:txBody>
+                    <a:bodyPr/>
+                    <a:lstStyle/>
+                    <a:p>
+                      <a:pPr algn="ctr"/>
+                      <a:r>
+                        <a:rPr lang="en-US" b="0" dirty="0">
+                          <a:solidFill>
+                            <a:schemeClr val="bg1"/>
+                          </a:solidFill>
+                          <a:latin typeface="+mn-lt"/>
+                        </a:rPr>
+                        <a:t>11</a:t>
+                      </a:r>
+                    </a:p>
+                  </a:txBody>
+                  <a:tcPr>
+                    <a:lnL w="12700" cap="flat" cmpd="sng" algn="ctr">
+                      <a:solidFill>
+                        <a:schemeClr val="tx1"/>
+                      </a:solidFill>
+                      <a:prstDash val="solid"/>
+                      <a:round/>
+                      <a:headEnd type="none" w="med" len="med"/>
+                      <a:tailEnd type="none" w="med" len="med"/>
+                    </a:lnL>
+                    <a:lnR w="12700" cap="flat" cmpd="sng" algn="ctr">
+                      <a:solidFill>
+                        <a:schemeClr val="tx1"/>
+                      </a:solidFill>
+                      <a:prstDash val="solid"/>
+                      <a:round/>
+                      <a:headEnd type="none" w="med" len="med"/>
+                      <a:tailEnd type="none" w="med" len="med"/>
+                    </a:lnR>
+                    <a:lnT w="12700" cap="flat" cmpd="sng" algn="ctr">
+                      <a:solidFill>
+                        <a:schemeClr val="tx1"/>
+                      </a:solidFill>
+                      <a:prstDash val="solid"/>
+                      <a:round/>
+                      <a:headEnd type="none" w="med" len="med"/>
+                      <a:tailEnd type="none" w="med" len="med"/>
+                    </a:lnT>
+                    <a:lnB w="12700" cap="flat" cmpd="sng" algn="ctr">
+                      <a:solidFill>
+                        <a:schemeClr val="tx1"/>
+                      </a:solidFill>
+                      <a:prstDash val="solid"/>
+                      <a:round/>
+                      <a:headEnd type="none" w="med" len="med"/>
+                      <a:tailEnd type="none" w="med" len="med"/>
+                    </a:lnB>
+                    <a:solidFill>
+                      <a:schemeClr val="accent1"/>
+                    </a:solidFill>
+                  </a:tcPr>
+                </a:tc>
+                <a:extLst>
+                  <a:ext uri="{0D108BD9-81ED-4DB2-BD59-A6C34878D82A}">
+                    <a16:rowId xmlns:a16="http://schemas.microsoft.com/office/drawing/2014/main" val="750636996"/>
+                  </a:ext>
+                </a:extLst>
+              </a:tr>
+              <a:tr h="370840">
+                <a:tc>
+                  <a:txBody>
+                    <a:bodyPr/>
+                    <a:lstStyle/>
+                    <a:p>
+                      <a:pPr/>
+                      <a:r>
+                        <a:rPr lang="en-US" dirty="0">
+                          <a:solidFill>
+                            <a:schemeClr val="bg1"/>
+                          </a:solidFill>
+                        </a:rPr>
+                        <a:t>21</a:t>
+                      </a:r>
+                    </a:p>
+                  </a:txBody>
+                  <a:tcPr>
+                    <a:lnL w="12700" cap="flat" cmpd="sng" algn="ctr">
+                      <a:solidFill>
+                        <a:schemeClr val="tx1"/>
+                      </a:solidFill>
+                      <a:prstDash val="solid"/>
+                      <a:round/>
+                      <a:headEnd type="none" w="med" len="med"/>
+                      <a:tailEnd type="none" w="med" len="med"/>
+                    </a:lnL>
+                    <a:lnR w="12700" cap="flat" cmpd="sng" algn="ctr">
+                      <a:solidFill>
+                        <a:schemeClr val="tx1"/>
+                      </a:solidFill>
+                      <a:prstDash val="solid"/>
+                      <a:round/>
+                      <a:headEnd type="none" w="med" len="med"/>
+                      <a:tailEnd type="none" w="med" len="med"/>
+                    </a:lnR>
+                    <a:lnT w="12700" cap="flat" cmpd="sng" algn="ctr">
+                      <a:solidFill>
+                        <a:schemeClr val="tx1"/>
+                      </a:solidFill>
+                      <a:prstDash val="solid"/>
+                      <a:round/>
+                      <a:headEnd type="none" w="med" len="med"/>
+                      <a:tailEnd type="none" w="med" len="med"/>
+                    </a:lnT>
+                    <a:lnB w="12700" cap="flat" cmpd="sng" algn="ctr">
+                      <a:solidFill>
+                        <a:schemeClr val="tx1"/>
+                      </a:solidFill>
+                      <a:prstDash val="solid"/>
+                      <a:round/>
+                      <a:headEnd type="none" w="med" len="med"/>
+                      <a:tailEnd type="none" w="med" len="med"/>
+                    </a:lnB>
+                    <a:solidFill>
+                      <a:schemeClr val="accent1"/>
+                    </a:solidFill>
+                  </a:tcPr>
+                </a:tc>
+                <a:tc>
+                  <a:txBody>
+                    <a:bodyPr/>
+                    <a:lstStyle/>
+                    <a:p>
+                      <a:pPr/>
+                      <a:r>
+                        <a:rPr lang="en-US" dirty="0">
+                          <a:solidFill>
+                            <a:schemeClr val="bg1"/>
+                          </a:solidFill>
+                        </a:rPr>
+                        <a:t>22</a:t>
+                      </a:r>
+                    </a:p>
+                  </a:txBody>
+                  <a:tcPr>
+                    <a:lnL w="12700" cap="flat" cmpd="sng" algn="ctr">
+                      <a:solidFill>
+                        <a:schemeClr val="tx1"/>
+                      </a:solidFill>
+                      <a:prstDash val="solid"/>
+                      <a:round/>
+                      <a:headEnd type="none" w="med" len="med"/>
+                      <a:tailEnd type="none" w="med" len="med"/>
+                    </a:lnL>
+                    <a:lnR w="12700" cap="flat" cmpd="sng" algn="ctr">
+                      <a:solidFill>
+                        <a:schemeClr val="tx1"/>
+                      </a:solidFill>
+                      <a:prstDash val="solid"/>
+                      <a:round/>
+                      <a:headEnd type="none" w="med" len="med"/>
+                      <a:tailEnd type="none" w="med" len="med"/>
+                    </a:lnR>
+                    <a:lnT w="12700" cap="flat" cmpd="sng" algn="ctr">
+                      <a:solidFill>
+                        <a:schemeClr val="tx1"/>
+                      </a:solidFill>
+                      <a:prstDash val="solid"/>
+                      <a:round/>
+                      <a:headEnd type="none" w="med" len="med"/>
+                      <a:tailEnd type="none" w="med" len="med"/>
+                    </a:lnT>
+                    <a:lnB w="12700" cap="flat" cmpd="sng" algn="ctr">
+                      <a:solidFill>
+                        <a:schemeClr val="tx1"/>
+                      </a:solidFill>
+                      <a:prstDash val="solid"/>
+                      <a:round/>
+                      <a:headEnd type="none" w="med" len="med"/>
+                      <a:tailEnd type="none" w="med" len="med"/>
+                    </a:lnB>
+                    <a:solidFill>
+                      <a:schemeClr val="accent1"/>
+                    </a:solidFill>
+                  </a:tcPr>
+                </a:tc>
+                <a:tc>
+                  <a:txBody>
+                    <a:bodyPr/>
+                    <a:lstStyle/>
+                    <a:p>
+                      <a:pPr/>
+                      <a:r>
+                        <a:rPr lang="en-US" dirty="0">
+                          <a:solidFill>
+                            <a:schemeClr val="bg1"/>
+                          </a:solidFill>
+                        </a:rPr>
+                        <a:t>23</a:t>
+                      </a:r>
+                    </a:p>
+                  </a:txBody>
+                  <a:tcPr>
+                    <a:lnL w="12700" cap="flat" cmpd="sng" algn="ctr">
+                      <a:solidFill>
+                        <a:schemeClr val="tx1"/>
+                      </a:solidFill>
+                      <a:prstDash val="solid"/>
+                      <a:round/>
+                      <a:headEnd type="none" w="med" len="med"/>
+                      <a:tailEnd type="none" w="med" len="med"/>
+                    </a:lnL>
+                    <a:lnR w="12700" cap="flat" cmpd="sng" algn="ctr">
+                      <a:solidFill>
+                        <a:schemeClr val="tx1"/>
+                      </a:solidFill>
+                      <a:prstDash val="solid"/>
+                      <a:round/>
+                      <a:headEnd type="none" w="med" len="med"/>
+                      <a:tailEnd type="none" w="med" len="med"/>
+                    </a:lnR>
+                    <a:lnT w="12700" cap="flat" cmpd="sng" algn="ctr">
+                      <a:solidFill>
+                        <a:schemeClr val="tx1"/>
+                      </a:solidFill>
+                      <a:prstDash val="solid"/>
+                      <a:round/>
+                      <a:headEnd type="none" w="med" len="med"/>
+                      <a:tailEnd type="none" w="med" len="med"/>
+                    </a:lnT>
+                    <a:lnB w="12700" cap="flat" cmpd="sng" algn="ctr">
+                      <a:solidFill>
+                        <a:schemeClr val="tx1"/>
+                      </a:solidFill>
+                      <a:prstDash val="solid"/>
+                      <a:round/>
+                      <a:headEnd type="none" w="med" len="med"/>
+                      <a:tailEnd type="none" w="med" len="med"/>
+                    </a:lnB>
+                    <a:solidFill>
+                      <a:schemeClr val="accent1"/>
+                    </a:solidFill>
+                  </a:tcPr>
+                </a:tc>
+                <a:extLst>
+                  <a:ext uri="{0D108BD9-81ED-4DB2-BD59-A6C34878D82A}">
+                    <a16:rowId xmlns:a16="http://schemas.microsoft.com/office/drawing/2014/main" val="3792294900"/>
+                  </a:ext>
+                </a:extLst>
+              </a:tr>
+              <a:tr h="370840">
+                <a:tc>
+                  <a:txBody>
+                    <a:bodyPr/>
+                    <a:lstStyle/>
+                    <a:p>
+                      <a:pPr/>
+                      <a:r>
+                        <a:rPr lang="en-US" dirty="0">
+                          <a:solidFill>
+                            <a:schemeClr val="bg1"/>
+                          </a:solidFill>
+                        </a:rPr>
+                        <a:t>33</a:t>
+                      </a:r>
+                    </a:p>
+                  </a:txBody>
+                  <a:tcPr>
+                    <a:lnL w="12700" cap="flat" cmpd="sng" algn="ctr">
+                      <a:solidFill>
+                        <a:schemeClr val="tx1"/>
+                      </a:solidFill>
+                      <a:prstDash val="solid"/>
+                      <a:round/>
+                      <a:headEnd type="none" w="med" len="med"/>
+                      <a:tailEnd type="none" w="med" len="med"/>
+                    </a:lnL>
+                    <a:lnR w="12700" cap="flat" cmpd="sng" algn="ctr">
+                      <a:solidFill>
+                        <a:schemeClr val="tx1"/>
+                      </a:solidFill>
+                      <a:prstDash val="solid"/>
+                      <a:round/>
+                      <a:headEnd type="none" w="med" len="med"/>
+                      <a:tailEnd type="none" w="med" len="med"/>
+                    </a:lnR>
+                    <a:lnT w="12700" cap="flat" cmpd="sng" algn="ctr">
+                      <a:solidFill>
+                        <a:schemeClr val="tx1"/>
+                      </a:solidFill>
+                      <a:prstDash val="solid"/>
+                      <a:round/>
+                      <a:headEnd type="none" w="med" len="med"/>
+                      <a:tailEnd type="none" w="med" len="med"/>
+                    </a:lnT>
+                    <a:lnB w="12700" cap="flat" cmpd="sng" algn="ctr">
+                      <a:solidFill>
+                        <a:schemeClr val="tx1"/>
+                      </a:solidFill>
+                      <a:prstDash val="solid"/>
+                      <a:round/>
+                      <a:headEnd type="none" w="med" len="med"/>
+                      <a:tailEnd type="none" w="med" len="med"/>
+                    </a:lnB>
+                    <a:solidFill>
+                      <a:schemeClr val="accent1"/>
+                    </a:solidFill>
+                  </a:tcPr>
+                </a:tc>
+                <a:tc>
+                  <a:txBody>
+                    <a:bodyPr/>
+                    <a:lstStyle/>
+                    <a:p>
+                      <a:pPr/>
+                      <a:r>
+                        <a:rPr lang="en-US" dirty="0">
+                          <a:solidFill>
+                            <a:schemeClr val="bg1"/>
+                          </a:solidFill>
+                        </a:rPr>
+                        <a:t>34</a:t>
+                      </a:r>
+                    </a:p>
+                  </a:txBody>
+                  <a:tcPr>
+                    <a:lnL w="12700" cap="flat" cmpd="sng" algn="ctr">
+                      <a:solidFill>
+                        <a:schemeClr val="tx1"/>
+                      </a:solidFill>
+                      <a:prstDash val="solid"/>
+                      <a:round/>
+                      <a:headEnd type="none" w="med" len="med"/>
+                      <a:tailEnd type="none" w="med" len="med"/>
+                    </a:lnL>
+                    <a:lnR w="12700" cap="flat" cmpd="sng" algn="ctr">
+                      <a:solidFill>
+                        <a:schemeClr val="tx1"/>
+                      </a:solidFill>
+                      <a:prstDash val="solid"/>
+                      <a:round/>
+                      <a:headEnd type="none" w="med" len="med"/>
+                      <a:tailEnd type="none" w="med" len="med"/>
+                    </a:lnR>
+                    <a:lnT w="12700" cap="flat" cmpd="sng" algn="ctr">
+                      <a:solidFill>
+                        <a:schemeClr val="tx1"/>
+                      </a:solidFill>
+                      <a:prstDash val="solid"/>
+                      <a:round/>
+                      <a:headEnd type="none" w="med" len="med"/>
+                      <a:tailEnd type="none" w="med" len="med"/>
+                    </a:lnT>
+                    <a:lnB w="12700" cap="flat" cmpd="sng" algn="ctr">
+                      <a:solidFill>
+                        <a:schemeClr val="tx1"/>
+                      </a:solidFill>
+                      <a:prstDash val="solid"/>
+                      <a:round/>
+                      <a:headEnd type="none" w="med" len="med"/>
+                      <a:tailEnd type="none" w="med" len="med"/>
+                    </a:lnB>
+                    <a:solidFill>
+                      <a:schemeClr val="accent1"/>
+                    </a:solidFill>
+                  </a:tcPr>
+                </a:tc>
+                <a:tc>
+                  <a:txBody>
+                    <a:bodyPr/>
+                    <a:lstStyle/>
+                    <a:p>
+                      <a:pPr/>
+                      <a:r>
+                        <a:rPr lang="en-US" dirty="0">
+                          <a:solidFill>
+                            <a:schemeClr val="bg1"/>
+                          </a:solidFill>
+                        </a:rPr>
+                        <a:t>35</a:t>
+                      </a:r>
+                    </a:p>
+                  </a:txBody>
+                  <a:tcPr>
+                    <a:lnL w="12700" cap="flat" cmpd="sng" algn="ctr">
+                      <a:solidFill>
+                        <a:schemeClr val="tx1"/>
+                      </a:solidFill>
+                      <a:prstDash val="solid"/>
+                      <a:round/>
+                      <a:headEnd type="none" w="med" len="med"/>
+                      <a:tailEnd type="none" w="med" len="med"/>
+                    </a:lnL>
+                    <a:lnR w="12700" cap="flat" cmpd="sng" algn="ctr">
+                      <a:solidFill>
+                        <a:schemeClr val="tx1"/>
+                      </a:solidFill>
+                      <a:prstDash val="solid"/>
+                      <a:round/>
+                      <a:headEnd type="none" w="med" len="med"/>
+                      <a:tailEnd type="none" w="med" len="med"/>
+                    </a:lnR>
+                    <a:lnT w="12700" cap="flat" cmpd="sng" algn="ctr">
+                      <a:solidFill>
+                        <a:schemeClr val="tx1"/>
+                      </a:solidFill>
+                      <a:prstDash val="solid"/>
+                      <a:round/>
+                      <a:headEnd type="none" w="med" len="med"/>
+                      <a:tailEnd type="none" w="med" len="med"/>
+                    </a:lnT>
+                    <a:lnB w="12700" cap="flat" cmpd="sng" algn="ctr">
+                      <a:solidFill>
+                        <a:schemeClr val="tx1"/>
+                      </a:solidFill>
+                      <a:prstDash val="solid"/>
+                      <a:round/>
+                      <a:headEnd type="none" w="med" len="med"/>
+                      <a:tailEnd type="none" w="med" len="med"/>
+                    </a:lnB>
+                    <a:solidFill>
+                      <a:schemeClr val="accent1"/>
+                    </a:solidFill>
+                  </a:tcPr>
+                </a:tc>
+                <a:extLst>
+                  <a:ext uri="{0D108BD9-81ED-4DB2-BD59-A6C34878D82A}">
+                    <a16:rowId xmlns:a16="http://schemas.microsoft.com/office/drawing/2014/main" val="4103855044"/>
+                  </a:ext>
+                </a:extLst>
+              </a:tr>
+            </a:tbl>
+          </a:graphicData>
+        </a:graphic>
+      </p:graphicFrame>
+      <p:graphicFrame>
+        <p:nvGraphicFramePr>
+          <p:cNvPr id="6" name="Table 5">
+            <a:extLst>
+              <a:ext uri="{FF2B5EF4-FFF2-40B4-BE49-F238E27FC236}">
+                <a16:creationId xmlns:a16="http://schemas.microsoft.com/office/drawing/2014/main" id="{9A25A75E-BE7E-41F5-AF3A-D767E7C9014C}"/>
+              </a:ext>
+            </a:extLst>
+          </p:cNvPr>
+          <p:cNvGraphicFramePr>
+            <a:graphicFrameLocks noGrp="1"/>
+          </p:cNvGraphicFramePr>
+          <p:nvPr>
+            <p:extLst>
+              <p:ext uri="{D42A27DB-BD31-4B8C-83A1-F6EECF244321}">
+                <p14:modId xmlns:p14="http://schemas.microsoft.com/office/powerpoint/2010/main" val="1656707002"/>
+              </p:ext>
+            </p:extLst>
+          </p:nvPr>
+        </p:nvGraphicFramePr>
+        <p:xfrm>
+          <a:off x="4721441" y="2412592"/>
+          <a:ext cx="1294296" cy="1112520"/>
+        </p:xfrm>
+        <a:graphic>
+          <a:graphicData uri="http://schemas.openxmlformats.org/drawingml/2006/table">
+            <a:tbl>
+              <a:tblPr firstRow="1" bandRow="1">
+                <a:tableStyleId>{D113A9D2-9D6B-4929-AA2D-F23B5EE8CBE7}</a:tableStyleId>
+              </a:tblPr>
+              <a:tblGrid>
+                <a:gridCol w="431432">
+                  <a:extLst>
+                    <a:ext uri="{9D8B030D-6E8A-4147-A177-3AD203B41FA5}">
+                      <a16:colId xmlns:a16="http://schemas.microsoft.com/office/drawing/2014/main" val="1038572778"/>
+                    </a:ext>
+                  </a:extLst>
+                </a:gridCol>
+                <a:gridCol w="431432">
+                  <a:extLst>
+                    <a:ext uri="{9D8B030D-6E8A-4147-A177-3AD203B41FA5}">
+                      <a16:colId xmlns:a16="http://schemas.microsoft.com/office/drawing/2014/main" val="2574731819"/>
+                    </a:ext>
+                  </a:extLst>
+                </a:gridCol>
+                <a:gridCol w="431432">
+                  <a:extLst>
+                    <a:ext uri="{9D8B030D-6E8A-4147-A177-3AD203B41FA5}">
+                      <a16:colId xmlns:a16="http://schemas.microsoft.com/office/drawing/2014/main" val="3702273779"/>
+                    </a:ext>
+                  </a:extLst>
+                </a:gridCol>
+              </a:tblGrid>
+              <a:tr h="370840">
+                <a:tc>
+                  <a:txBody>
+                    <a:bodyPr/>
+                    <a:lstStyle/>
+                    <a:p>
+                      <a:pPr/>
+                      <a:r>
+                        <a:rPr lang="en-US" b="0" dirty="0">
+                          <a:solidFill>
+                            <a:schemeClr val="bg1"/>
+                          </a:solidFill>
+                        </a:rPr>
+                        <a:t>12</a:t>
+                      </a:r>
+                    </a:p>
+                  </a:txBody>
+                  <a:tcPr>
+                    <a:lnL w="12700" cap="flat" cmpd="sng" algn="ctr">
+                      <a:solidFill>
+                        <a:schemeClr val="tx1"/>
+                      </a:solidFill>
+                      <a:prstDash val="solid"/>
+                      <a:round/>
+                      <a:headEnd type="none" w="med" len="med"/>
+                      <a:tailEnd type="none" w="med" len="med"/>
+                    </a:lnL>
+                    <a:lnR w="12700" cap="flat" cmpd="sng" algn="ctr">
+                      <a:solidFill>
+                        <a:schemeClr val="tx1"/>
+                      </a:solidFill>
+                      <a:prstDash val="solid"/>
+                      <a:round/>
+                      <a:headEnd type="none" w="med" len="med"/>
+                      <a:tailEnd type="none" w="med" len="med"/>
+                    </a:lnR>
+                    <a:lnT w="12700" cap="flat" cmpd="sng" algn="ctr">
+                      <a:solidFill>
+                        <a:schemeClr val="tx1"/>
+                      </a:solidFill>
+                      <a:prstDash val="solid"/>
+                      <a:round/>
+                      <a:headEnd type="none" w="med" len="med"/>
+                      <a:tailEnd type="none" w="med" len="med"/>
+                    </a:lnT>
+                    <a:lnB w="12700" cap="flat" cmpd="sng" algn="ctr">
+                      <a:solidFill>
+                        <a:schemeClr val="tx1"/>
+                      </a:solidFill>
+                      <a:prstDash val="solid"/>
+                      <a:round/>
+                      <a:headEnd type="none" w="med" len="med"/>
+                      <a:tailEnd type="none" w="med" len="med"/>
+                    </a:lnB>
+                    <a:solidFill>
+                      <a:schemeClr val="accent6"/>
+                    </a:solidFill>
+                  </a:tcPr>
+                </a:tc>
+                <a:tc>
+                  <a:txBody>
+                    <a:bodyPr/>
+                    <a:lstStyle/>
+                    <a:p>
+                      <a:pPr marL="0" marR="0" lvl="0" indent="0" algn="l" defTabSz="914400" rtl="0" eaLnBrk="1" fontAlgn="auto" latinLnBrk="0" hangingPunct="1">
+                        <a:lnSpc>
+                          <a:spcPct val="100000"/>
+                        </a:lnSpc>
+                        <a:spcBef>
+                          <a:spcPts val="0"/>
+                        </a:spcBef>
+                        <a:spcAft>
+                          <a:spcPts val="0"/>
+                        </a:spcAft>
+                        <a:buClrTx/>
+                        <a:buSzTx/>
+                        <a:buFontTx/>
+                        <a:buNone/>
+                        <a:tabLst/>
+                        <a:defRPr/>
+                      </a:pPr>
+                      <a:r>
+                        <a:rPr lang="en-US" b="0" dirty="0">
+                          <a:solidFill>
+                            <a:schemeClr val="bg1"/>
+                          </a:solidFill>
+                        </a:rPr>
+                        <a:t>13</a:t>
+                      </a:r>
+                    </a:p>
+                  </a:txBody>
+                  <a:tcPr>
+                    <a:lnL w="12700" cap="flat" cmpd="sng" algn="ctr">
+                      <a:solidFill>
+                        <a:schemeClr val="tx1"/>
+                      </a:solidFill>
+                      <a:prstDash val="solid"/>
+                      <a:round/>
+                      <a:headEnd type="none" w="med" len="med"/>
+                      <a:tailEnd type="none" w="med" len="med"/>
+                    </a:lnL>
+                    <a:lnR w="12700" cap="flat" cmpd="sng" algn="ctr">
+                      <a:solidFill>
+                        <a:schemeClr val="tx1"/>
+                      </a:solidFill>
+                      <a:prstDash val="solid"/>
+                      <a:round/>
+                      <a:headEnd type="none" w="med" len="med"/>
+                      <a:tailEnd type="none" w="med" len="med"/>
+                    </a:lnR>
+                    <a:lnT w="12700" cap="flat" cmpd="sng" algn="ctr">
+                      <a:solidFill>
+                        <a:schemeClr val="tx1"/>
+                      </a:solidFill>
+                      <a:prstDash val="solid"/>
+                      <a:round/>
+                      <a:headEnd type="none" w="med" len="med"/>
+                      <a:tailEnd type="none" w="med" len="med"/>
+                    </a:lnT>
+                    <a:lnB w="12700" cap="flat" cmpd="sng" algn="ctr">
+                      <a:solidFill>
+                        <a:schemeClr val="tx1"/>
+                      </a:solidFill>
+                      <a:prstDash val="solid"/>
+                      <a:round/>
+                      <a:headEnd type="none" w="med" len="med"/>
+                      <a:tailEnd type="none" w="med" len="med"/>
+                    </a:lnB>
+                    <a:solidFill>
+                      <a:schemeClr val="accent6"/>
+                    </a:solidFill>
+                  </a:tcPr>
+                </a:tc>
+                <a:tc>
+                  <a:txBody>
+                    <a:bodyPr/>
+                    <a:lstStyle/>
+                    <a:p>
+                      <a:pPr/>
+                      <a:r>
+                        <a:rPr lang="en-US" b="0" dirty="0">
+                          <a:solidFill>
+                            <a:schemeClr val="bg1"/>
+                          </a:solidFill>
+                        </a:rPr>
+                        <a:t>14</a:t>
+                      </a:r>
+                    </a:p>
+                  </a:txBody>
+                  <a:tcPr>
+                    <a:lnL w="12700" cap="flat" cmpd="sng" algn="ctr">
+                      <a:solidFill>
+                        <a:schemeClr val="tx1"/>
+                      </a:solidFill>
+                      <a:prstDash val="solid"/>
+                      <a:round/>
+                      <a:headEnd type="none" w="med" len="med"/>
+                      <a:tailEnd type="none" w="med" len="med"/>
+                    </a:lnL>
+                    <a:lnR w="12700" cap="flat" cmpd="sng" algn="ctr">
+                      <a:solidFill>
+                        <a:schemeClr val="tx1"/>
+                      </a:solidFill>
+                      <a:prstDash val="solid"/>
+                      <a:round/>
+                      <a:headEnd type="none" w="med" len="med"/>
+                      <a:tailEnd type="none" w="med" len="med"/>
+                    </a:lnR>
+                    <a:lnT w="12700" cap="flat" cmpd="sng" algn="ctr">
+                      <a:solidFill>
+                        <a:schemeClr val="tx1"/>
+                      </a:solidFill>
+                      <a:prstDash val="solid"/>
+                      <a:round/>
+                      <a:headEnd type="none" w="med" len="med"/>
+                      <a:tailEnd type="none" w="med" len="med"/>
+                    </a:lnT>
+                    <a:lnB w="12700" cap="flat" cmpd="sng" algn="ctr">
+                      <a:solidFill>
+                        <a:schemeClr val="tx1"/>
+                      </a:solidFill>
+                      <a:prstDash val="solid"/>
+                      <a:round/>
+                      <a:headEnd type="none" w="med" len="med"/>
+                      <a:tailEnd type="none" w="med" len="med"/>
+                    </a:lnB>
+                    <a:solidFill>
+                      <a:schemeClr val="accent6"/>
+                    </a:solidFill>
+                  </a:tcPr>
+                </a:tc>
+                <a:extLst>
+                  <a:ext uri="{0D108BD9-81ED-4DB2-BD59-A6C34878D82A}">
+                    <a16:rowId xmlns:a16="http://schemas.microsoft.com/office/drawing/2014/main" val="750636996"/>
+                  </a:ext>
+                </a:extLst>
+              </a:tr>
+              <a:tr h="370840">
+                <a:tc>
+                  <a:txBody>
+                    <a:bodyPr/>
+                    <a:lstStyle/>
+                    <a:p>
+                      <a:pPr/>
+                      <a:r>
+                        <a:rPr lang="en-US" dirty="0">
+                          <a:solidFill>
+                            <a:schemeClr val="bg1"/>
+                          </a:solidFill>
+                        </a:rPr>
+                        <a:t>24</a:t>
+                      </a:r>
+                    </a:p>
+                  </a:txBody>
+                  <a:tcPr>
+                    <a:lnL w="12700" cap="flat" cmpd="sng" algn="ctr">
+                      <a:solidFill>
+                        <a:schemeClr val="tx1"/>
+                      </a:solidFill>
+                      <a:prstDash val="solid"/>
+                      <a:round/>
+                      <a:headEnd type="none" w="med" len="med"/>
+                      <a:tailEnd type="none" w="med" len="med"/>
+                    </a:lnL>
+                    <a:lnR w="12700" cap="flat" cmpd="sng" algn="ctr">
+                      <a:solidFill>
+                        <a:schemeClr val="tx1"/>
+                      </a:solidFill>
+                      <a:prstDash val="solid"/>
+                      <a:round/>
+                      <a:headEnd type="none" w="med" len="med"/>
+                      <a:tailEnd type="none" w="med" len="med"/>
+                    </a:lnR>
+                    <a:lnT w="12700" cap="flat" cmpd="sng" algn="ctr">
+                      <a:solidFill>
+                        <a:schemeClr val="tx1"/>
+                      </a:solidFill>
+                      <a:prstDash val="solid"/>
+                      <a:round/>
+                      <a:headEnd type="none" w="med" len="med"/>
+                      <a:tailEnd type="none" w="med" len="med"/>
+                    </a:lnT>
+                    <a:lnB w="12700" cap="flat" cmpd="sng" algn="ctr">
+                      <a:solidFill>
+                        <a:schemeClr val="tx1"/>
+                      </a:solidFill>
+                      <a:prstDash val="solid"/>
+                      <a:round/>
+                      <a:headEnd type="none" w="med" len="med"/>
+                      <a:tailEnd type="none" w="med" len="med"/>
+                    </a:lnB>
+                    <a:solidFill>
+                      <a:schemeClr val="accent6"/>
+                    </a:solidFill>
+                  </a:tcPr>
+                </a:tc>
+                <a:tc>
+                  <a:txBody>
+                    <a:bodyPr/>
+                    <a:lstStyle/>
+                    <a:p>
+                      <a:pPr/>
+                      <a:r>
+                        <a:rPr lang="en-US" dirty="0">
+                          <a:solidFill>
+                            <a:schemeClr val="bg1"/>
+                          </a:solidFill>
+                        </a:rPr>
+                        <a:t>25</a:t>
+                      </a:r>
+                    </a:p>
+                  </a:txBody>
+                  <a:tcPr>
+                    <a:lnL w="12700" cap="flat" cmpd="sng" algn="ctr">
+                      <a:solidFill>
+                        <a:schemeClr val="tx1"/>
+                      </a:solidFill>
+                      <a:prstDash val="solid"/>
+                      <a:round/>
+                      <a:headEnd type="none" w="med" len="med"/>
+                      <a:tailEnd type="none" w="med" len="med"/>
+                    </a:lnL>
+                    <a:lnR w="12700" cap="flat" cmpd="sng" algn="ctr">
+                      <a:solidFill>
+                        <a:schemeClr val="tx1"/>
+                      </a:solidFill>
+                      <a:prstDash val="solid"/>
+                      <a:round/>
+                      <a:headEnd type="none" w="med" len="med"/>
+                      <a:tailEnd type="none" w="med" len="med"/>
+                    </a:lnR>
+                    <a:lnT w="12700" cap="flat" cmpd="sng" algn="ctr">
+                      <a:solidFill>
+                        <a:schemeClr val="tx1"/>
+                      </a:solidFill>
+                      <a:prstDash val="solid"/>
+                      <a:round/>
+                      <a:headEnd type="none" w="med" len="med"/>
+                      <a:tailEnd type="none" w="med" len="med"/>
+                    </a:lnT>
+                    <a:lnB w="12700" cap="flat" cmpd="sng" algn="ctr">
+                      <a:solidFill>
+                        <a:schemeClr val="tx1"/>
+                      </a:solidFill>
+                      <a:prstDash val="solid"/>
+                      <a:round/>
+                      <a:headEnd type="none" w="med" len="med"/>
+                      <a:tailEnd type="none" w="med" len="med"/>
+                    </a:lnB>
+                    <a:solidFill>
+                      <a:schemeClr val="accent6"/>
+                    </a:solidFill>
+                  </a:tcPr>
+                </a:tc>
+                <a:tc>
+                  <a:txBody>
+                    <a:bodyPr/>
+                    <a:lstStyle/>
+                    <a:p>
+                      <a:pPr/>
+                      <a:r>
+                        <a:rPr lang="en-US" dirty="0">
+                          <a:solidFill>
+                            <a:schemeClr val="bg1"/>
+                          </a:solidFill>
+                        </a:rPr>
+                        <a:t>26</a:t>
+                      </a:r>
+                    </a:p>
+                  </a:txBody>
+                  <a:tcPr>
+                    <a:lnL w="12700" cap="flat" cmpd="sng" algn="ctr">
+                      <a:solidFill>
+                        <a:schemeClr val="tx1"/>
+                      </a:solidFill>
+                      <a:prstDash val="solid"/>
+                      <a:round/>
+                      <a:headEnd type="none" w="med" len="med"/>
+                      <a:tailEnd type="none" w="med" len="med"/>
+                    </a:lnL>
+                    <a:lnR w="12700" cap="flat" cmpd="sng" algn="ctr">
+                      <a:solidFill>
+                        <a:schemeClr val="tx1"/>
+                      </a:solidFill>
+                      <a:prstDash val="solid"/>
+                      <a:round/>
+                      <a:headEnd type="none" w="med" len="med"/>
+                      <a:tailEnd type="none" w="med" len="med"/>
+                    </a:lnR>
+                    <a:lnT w="12700" cap="flat" cmpd="sng" algn="ctr">
+                      <a:solidFill>
+                        <a:schemeClr val="tx1"/>
+                      </a:solidFill>
+                      <a:prstDash val="solid"/>
+                      <a:round/>
+                      <a:headEnd type="none" w="med" len="med"/>
+                      <a:tailEnd type="none" w="med" len="med"/>
+                    </a:lnT>
+                    <a:lnB w="12700" cap="flat" cmpd="sng" algn="ctr">
+                      <a:solidFill>
+                        <a:schemeClr val="tx1"/>
+                      </a:solidFill>
+                      <a:prstDash val="solid"/>
+                      <a:round/>
+                      <a:headEnd type="none" w="med" len="med"/>
+                      <a:tailEnd type="none" w="med" len="med"/>
+                    </a:lnB>
+                    <a:solidFill>
+                      <a:schemeClr val="accent6"/>
+                    </a:solidFill>
+                  </a:tcPr>
+                </a:tc>
+                <a:extLst>
+                  <a:ext uri="{0D108BD9-81ED-4DB2-BD59-A6C34878D82A}">
+                    <a16:rowId xmlns:a16="http://schemas.microsoft.com/office/drawing/2014/main" val="3792294900"/>
+                  </a:ext>
+                </a:extLst>
+              </a:tr>
+              <a:tr h="370840">
+                <a:tc>
+                  <a:txBody>
+                    <a:bodyPr/>
+                    <a:lstStyle/>
+                    <a:p>
+                      <a:pPr/>
+                      <a:r>
+                        <a:rPr lang="en-US" dirty="0">
+                          <a:solidFill>
+                            <a:schemeClr val="bg1"/>
+                          </a:solidFill>
+                        </a:rPr>
+                        <a:t>36</a:t>
+                      </a:r>
+                    </a:p>
+                  </a:txBody>
+                  <a:tcPr>
+                    <a:lnL w="12700" cap="flat" cmpd="sng" algn="ctr">
+                      <a:solidFill>
+                        <a:schemeClr val="tx1"/>
+                      </a:solidFill>
+                      <a:prstDash val="solid"/>
+                      <a:round/>
+                      <a:headEnd type="none" w="med" len="med"/>
+                      <a:tailEnd type="none" w="med" len="med"/>
+                    </a:lnL>
+                    <a:lnR w="12700" cap="flat" cmpd="sng" algn="ctr">
+                      <a:solidFill>
+                        <a:schemeClr val="tx1"/>
+                      </a:solidFill>
+                      <a:prstDash val="solid"/>
+                      <a:round/>
+                      <a:headEnd type="none" w="med" len="med"/>
+                      <a:tailEnd type="none" w="med" len="med"/>
+                    </a:lnR>
+                    <a:lnT w="12700" cap="flat" cmpd="sng" algn="ctr">
+                      <a:solidFill>
+                        <a:schemeClr val="tx1"/>
+                      </a:solidFill>
+                      <a:prstDash val="solid"/>
+                      <a:round/>
+                      <a:headEnd type="none" w="med" len="med"/>
+                      <a:tailEnd type="none" w="med" len="med"/>
+                    </a:lnT>
+                    <a:lnB w="12700" cap="flat" cmpd="sng" algn="ctr">
+                      <a:solidFill>
+                        <a:schemeClr val="tx1"/>
+                      </a:solidFill>
+                      <a:prstDash val="solid"/>
+                      <a:round/>
+                      <a:headEnd type="none" w="med" len="med"/>
+                      <a:tailEnd type="none" w="med" len="med"/>
+                    </a:lnB>
+                    <a:solidFill>
+                      <a:schemeClr val="accent6"/>
+                    </a:solidFill>
+                  </a:tcPr>
+                </a:tc>
+                <a:tc>
+                  <a:txBody>
+                    <a:bodyPr/>
+                    <a:lstStyle/>
+                    <a:p>
+                      <a:pPr/>
+                      <a:r>
+                        <a:rPr lang="en-US" dirty="0">
+                          <a:solidFill>
+                            <a:schemeClr val="bg1"/>
+                          </a:solidFill>
+                        </a:rPr>
+                        <a:t>37</a:t>
+                      </a:r>
+                    </a:p>
+                  </a:txBody>
+                  <a:tcPr>
+                    <a:lnL w="12700" cap="flat" cmpd="sng" algn="ctr">
+                      <a:solidFill>
+                        <a:schemeClr val="tx1"/>
+                      </a:solidFill>
+                      <a:prstDash val="solid"/>
+                      <a:round/>
+                      <a:headEnd type="none" w="med" len="med"/>
+                      <a:tailEnd type="none" w="med" len="med"/>
+                    </a:lnL>
+                    <a:lnR w="12700" cap="flat" cmpd="sng" algn="ctr">
+                      <a:solidFill>
+                        <a:schemeClr val="tx1"/>
+                      </a:solidFill>
+                      <a:prstDash val="solid"/>
+                      <a:round/>
+                      <a:headEnd type="none" w="med" len="med"/>
+                      <a:tailEnd type="none" w="med" len="med"/>
+                    </a:lnR>
+                    <a:lnT w="12700" cap="flat" cmpd="sng" algn="ctr">
+                      <a:solidFill>
+                        <a:schemeClr val="tx1"/>
+                      </a:solidFill>
+                      <a:prstDash val="solid"/>
+                      <a:round/>
+                      <a:headEnd type="none" w="med" len="med"/>
+                      <a:tailEnd type="none" w="med" len="med"/>
+                    </a:lnT>
+                    <a:lnB w="12700" cap="flat" cmpd="sng" algn="ctr">
+                      <a:solidFill>
+                        <a:schemeClr val="tx1"/>
+                      </a:solidFill>
+                      <a:prstDash val="solid"/>
+                      <a:round/>
+                      <a:headEnd type="none" w="med" len="med"/>
+                      <a:tailEnd type="none" w="med" len="med"/>
+                    </a:lnB>
+                    <a:solidFill>
+                      <a:schemeClr val="accent6"/>
+                    </a:solidFill>
+                  </a:tcPr>
+                </a:tc>
+                <a:tc>
+                  <a:txBody>
+                    <a:bodyPr/>
+                    <a:lstStyle/>
+                    <a:p>
+                      <a:pPr/>
+                      <a:r>
+                        <a:rPr lang="en-US" dirty="0">
+                          <a:solidFill>
+                            <a:schemeClr val="bg1"/>
+                          </a:solidFill>
+                        </a:rPr>
+                        <a:t>38</a:t>
+                      </a:r>
+                    </a:p>
+                  </a:txBody>
+                  <a:tcPr>
+                    <a:lnL w="12700" cap="flat" cmpd="sng" algn="ctr">
+                      <a:solidFill>
+                        <a:schemeClr val="tx1"/>
+                      </a:solidFill>
+                      <a:prstDash val="solid"/>
+                      <a:round/>
+                      <a:headEnd type="none" w="med" len="med"/>
+                      <a:tailEnd type="none" w="med" len="med"/>
+                    </a:lnL>
+                    <a:lnR w="12700" cap="flat" cmpd="sng" algn="ctr">
+                      <a:solidFill>
+                        <a:schemeClr val="tx1"/>
+                      </a:solidFill>
+                      <a:prstDash val="solid"/>
+                      <a:round/>
+                      <a:headEnd type="none" w="med" len="med"/>
+                      <a:tailEnd type="none" w="med" len="med"/>
+                    </a:lnR>
+                    <a:lnT w="12700" cap="flat" cmpd="sng" algn="ctr">
+                      <a:solidFill>
+                        <a:schemeClr val="tx1"/>
+                      </a:solidFill>
+                      <a:prstDash val="solid"/>
+                      <a:round/>
+                      <a:headEnd type="none" w="med" len="med"/>
+                      <a:tailEnd type="none" w="med" len="med"/>
+                    </a:lnT>
+                    <a:lnB w="12700" cap="flat" cmpd="sng" algn="ctr">
+                      <a:solidFill>
+                        <a:schemeClr val="tx1"/>
+                      </a:solidFill>
+                      <a:prstDash val="solid"/>
+                      <a:round/>
+                      <a:headEnd type="none" w="med" len="med"/>
+                      <a:tailEnd type="none" w="med" len="med"/>
+                    </a:lnB>
+                    <a:solidFill>
+                      <a:schemeClr val="accent6"/>
+                    </a:solidFill>
+                  </a:tcPr>
+                </a:tc>
+                <a:extLst>
+                  <a:ext uri="{0D108BD9-81ED-4DB2-BD59-A6C34878D82A}">
+                    <a16:rowId xmlns:a16="http://schemas.microsoft.com/office/drawing/2014/main" val="4103855044"/>
+                  </a:ext>
+                </a:extLst>
+              </a:tr>
+            </a:tbl>
+          </a:graphicData>
+        </a:graphic>
+      </p:graphicFrame>
+      <p:graphicFrame>
+        <p:nvGraphicFramePr>
+          <p:cNvPr id="7" name="Table 6">
+            <a:extLst>
+              <a:ext uri="{FF2B5EF4-FFF2-40B4-BE49-F238E27FC236}">
+                <a16:creationId xmlns:a16="http://schemas.microsoft.com/office/drawing/2014/main" id="{1119876E-DAF7-4EBB-B2A3-DD5DCB25ACEA}"/>
+              </a:ext>
+            </a:extLst>
+          </p:cNvPr>
+          <p:cNvGraphicFramePr>
+            <a:graphicFrameLocks noGrp="1"/>
+          </p:cNvGraphicFramePr>
+          <p:nvPr>
+            <p:extLst>
+              <p:ext uri="{D42A27DB-BD31-4B8C-83A1-F6EECF244321}">
+                <p14:modId xmlns:p14="http://schemas.microsoft.com/office/powerpoint/2010/main" val="1599329628"/>
+              </p:ext>
+            </p:extLst>
+          </p:nvPr>
+        </p:nvGraphicFramePr>
+        <p:xfrm>
+          <a:off x="4721441" y="1185275"/>
+          <a:ext cx="1294296" cy="1112520"/>
+        </p:xfrm>
+        <a:graphic>
+          <a:graphicData uri="http://schemas.openxmlformats.org/drawingml/2006/table">
+            <a:tbl>
+              <a:tblPr firstRow="1" bandRow="1">
+                <a:tableStyleId>{D113A9D2-9D6B-4929-AA2D-F23B5EE8CBE7}</a:tableStyleId>
+              </a:tblPr>
+              <a:tblGrid>
+                <a:gridCol w="431432">
+                  <a:extLst>
+                    <a:ext uri="{9D8B030D-6E8A-4147-A177-3AD203B41FA5}">
+                      <a16:colId xmlns:a16="http://schemas.microsoft.com/office/drawing/2014/main" val="1038572778"/>
+                    </a:ext>
+                  </a:extLst>
+                </a:gridCol>
+                <a:gridCol w="431432">
+                  <a:extLst>
+                    <a:ext uri="{9D8B030D-6E8A-4147-A177-3AD203B41FA5}">
+                      <a16:colId xmlns:a16="http://schemas.microsoft.com/office/drawing/2014/main" val="2574731819"/>
+                    </a:ext>
+                  </a:extLst>
+                </a:gridCol>
+                <a:gridCol w="431432">
+                  <a:extLst>
+                    <a:ext uri="{9D8B030D-6E8A-4147-A177-3AD203B41FA5}">
+                      <a16:colId xmlns:a16="http://schemas.microsoft.com/office/drawing/2014/main" val="3702273779"/>
+                    </a:ext>
+                  </a:extLst>
+                </a:gridCol>
+              </a:tblGrid>
+              <a:tr h="370840">
+                <a:tc>
+                  <a:txBody>
+                    <a:bodyPr/>
+                    <a:lstStyle/>
+                    <a:p>
+                      <a:pPr algn="ctr"/>
+                      <a:r>
+                        <a:rPr lang="en-US" sz="1800" b="0" dirty="0">
+                          <a:solidFill>
+                            <a:schemeClr val="bg1"/>
+                          </a:solidFill>
+                          <a:latin typeface="+mn-lt"/>
+                          <a:ea typeface="Cambria Math" panose="02040503050406030204" pitchFamily="18" charset="0"/>
+                          <a:cs typeface="Courier New" panose="02070309020205020404" pitchFamily="49" charset="0"/>
+                        </a:rPr>
+                        <a:t>0</a:t>
+                      </a:r>
+                    </a:p>
+                  </a:txBody>
+                  <a:tcPr>
+                    <a:lnL w="12700" cap="flat" cmpd="sng" algn="ctr">
+                      <a:solidFill>
+                        <a:schemeClr val="tx1"/>
+                      </a:solidFill>
+                      <a:prstDash val="solid"/>
+                      <a:round/>
+                      <a:headEnd type="none" w="med" len="med"/>
+                      <a:tailEnd type="none" w="med" len="med"/>
+                    </a:lnL>
+                    <a:lnR w="12700" cap="flat" cmpd="sng" algn="ctr">
+                      <a:solidFill>
+                        <a:schemeClr val="tx1"/>
+                      </a:solidFill>
+                      <a:prstDash val="solid"/>
+                      <a:round/>
+                      <a:headEnd type="none" w="med" len="med"/>
+                      <a:tailEnd type="none" w="med" len="med"/>
+                    </a:lnR>
+                    <a:lnT w="12700" cap="flat" cmpd="sng" algn="ctr">
+                      <a:solidFill>
+                        <a:schemeClr val="tx1"/>
+                      </a:solidFill>
+                      <a:prstDash val="solid"/>
+                      <a:round/>
+                      <a:headEnd type="none" w="med" len="med"/>
+                      <a:tailEnd type="none" w="med" len="med"/>
+                    </a:lnT>
+                    <a:lnB w="12700" cap="flat" cmpd="sng" algn="ctr">
+                      <a:solidFill>
+                        <a:schemeClr val="tx1"/>
+                      </a:solidFill>
+                      <a:prstDash val="solid"/>
+                      <a:round/>
+                      <a:headEnd type="none" w="med" len="med"/>
+                      <a:tailEnd type="none" w="med" len="med"/>
+                    </a:lnB>
+                    <a:solidFill>
+                      <a:schemeClr val="bg1">
+                        <a:lumMod val="50000"/>
+                      </a:schemeClr>
+                    </a:solidFill>
+                  </a:tcPr>
+                </a:tc>
+                <a:tc>
+                  <a:txBody>
+                    <a:bodyPr/>
+                    <a:lstStyle/>
+                    <a:p>
+                      <a:pPr algn="ctr"/>
+                      <a:r>
+                        <a:rPr lang="en-US" sz="1800" b="0" dirty="0">
+                          <a:solidFill>
+                            <a:schemeClr val="bg1"/>
+                          </a:solidFill>
+                          <a:latin typeface="+mn-lt"/>
+                          <a:cs typeface="Courier New" panose="02070309020205020404" pitchFamily="49" charset="0"/>
+                        </a:rPr>
+                        <a:t>1</a:t>
+                      </a:r>
+                    </a:p>
+                  </a:txBody>
+                  <a:tcPr>
+                    <a:lnL w="12700" cap="flat" cmpd="sng" algn="ctr">
+                      <a:solidFill>
+                        <a:schemeClr val="tx1"/>
+                      </a:solidFill>
+                      <a:prstDash val="solid"/>
+                      <a:round/>
+                      <a:headEnd type="none" w="med" len="med"/>
+                      <a:tailEnd type="none" w="med" len="med"/>
+                    </a:lnL>
+                    <a:lnR w="12700" cap="flat" cmpd="sng" algn="ctr">
+                      <a:solidFill>
+                        <a:schemeClr val="tx1"/>
+                      </a:solidFill>
+                      <a:prstDash val="solid"/>
+                      <a:round/>
+                      <a:headEnd type="none" w="med" len="med"/>
+                      <a:tailEnd type="none" w="med" len="med"/>
+                    </a:lnR>
+                    <a:lnT w="12700" cap="flat" cmpd="sng" algn="ctr">
+                      <a:solidFill>
+                        <a:schemeClr val="tx1"/>
+                      </a:solidFill>
+                      <a:prstDash val="solid"/>
+                      <a:round/>
+                      <a:headEnd type="none" w="med" len="med"/>
+                      <a:tailEnd type="none" w="med" len="med"/>
+                    </a:lnT>
+                    <a:lnB w="12700" cap="flat" cmpd="sng" algn="ctr">
+                      <a:solidFill>
+                        <a:schemeClr val="tx1"/>
+                      </a:solidFill>
+                      <a:prstDash val="solid"/>
+                      <a:round/>
+                      <a:headEnd type="none" w="med" len="med"/>
+                      <a:tailEnd type="none" w="med" len="med"/>
+                    </a:lnB>
+                    <a:solidFill>
+                      <a:schemeClr val="bg1">
+                        <a:lumMod val="50000"/>
+                      </a:schemeClr>
+                    </a:solidFill>
+                  </a:tcPr>
+                </a:tc>
+                <a:tc>
+                  <a:txBody>
+                    <a:bodyPr/>
+                    <a:lstStyle/>
+                    <a:p>
+                      <a:pPr algn="ctr"/>
+                      <a:r>
+                        <a:rPr lang="en-US" sz="1800" b="0" dirty="0">
+                          <a:solidFill>
+                            <a:schemeClr val="bg1"/>
+                          </a:solidFill>
+                          <a:latin typeface="+mn-lt"/>
+                          <a:cs typeface="Courier New" panose="02070309020205020404" pitchFamily="49" charset="0"/>
+                        </a:rPr>
+                        <a:t>2</a:t>
+                      </a:r>
+                    </a:p>
+                  </a:txBody>
+                  <a:tcPr>
+                    <a:lnL w="12700" cap="flat" cmpd="sng" algn="ctr">
+                      <a:solidFill>
+                        <a:schemeClr val="tx1"/>
+                      </a:solidFill>
+                      <a:prstDash val="solid"/>
+                      <a:round/>
+                      <a:headEnd type="none" w="med" len="med"/>
+                      <a:tailEnd type="none" w="med" len="med"/>
+                    </a:lnL>
+                    <a:lnR w="12700" cap="flat" cmpd="sng" algn="ctr">
+                      <a:solidFill>
+                        <a:schemeClr val="tx1"/>
+                      </a:solidFill>
+                      <a:prstDash val="solid"/>
+                      <a:round/>
+                      <a:headEnd type="none" w="med" len="med"/>
+                      <a:tailEnd type="none" w="med" len="med"/>
+                    </a:lnR>
+                    <a:lnT w="12700" cap="flat" cmpd="sng" algn="ctr">
+                      <a:solidFill>
+                        <a:schemeClr val="tx1"/>
+                      </a:solidFill>
+                      <a:prstDash val="solid"/>
+                      <a:round/>
+                      <a:headEnd type="none" w="med" len="med"/>
+                      <a:tailEnd type="none" w="med" len="med"/>
+                    </a:lnT>
+                    <a:lnB w="12700" cap="flat" cmpd="sng" algn="ctr">
+                      <a:solidFill>
+                        <a:schemeClr val="tx1"/>
+                      </a:solidFill>
+                      <a:prstDash val="solid"/>
+                      <a:round/>
+                      <a:headEnd type="none" w="med" len="med"/>
+                      <a:tailEnd type="none" w="med" len="med"/>
+                    </a:lnB>
+                    <a:solidFill>
+                      <a:schemeClr val="bg1">
+                        <a:lumMod val="50000"/>
+                      </a:schemeClr>
+                    </a:solidFill>
+                  </a:tcPr>
+                </a:tc>
+                <a:extLst>
+                  <a:ext uri="{0D108BD9-81ED-4DB2-BD59-A6C34878D82A}">
+                    <a16:rowId xmlns:a16="http://schemas.microsoft.com/office/drawing/2014/main" val="750636996"/>
+                  </a:ext>
+                </a:extLst>
+              </a:tr>
+              <a:tr h="370840">
+                <a:tc>
+                  <a:txBody>
+                    <a:bodyPr/>
+                    <a:lstStyle/>
+                    <a:p>
+                      <a:pPr algn="ctr"/>
+                      <a:r>
+                        <a:rPr lang="en-US" sz="1800" b="0" dirty="0">
+                          <a:solidFill>
+                            <a:schemeClr val="bg1"/>
+                          </a:solidFill>
+                          <a:latin typeface="+mn-lt"/>
+                          <a:cs typeface="Courier New" panose="02070309020205020404" pitchFamily="49" charset="0"/>
+                        </a:rPr>
+                        <a:t>3</a:t>
+                      </a:r>
+                    </a:p>
+                  </a:txBody>
+                  <a:tcPr>
+                    <a:lnL w="12700" cap="flat" cmpd="sng" algn="ctr">
+                      <a:solidFill>
+                        <a:schemeClr val="tx1"/>
+                      </a:solidFill>
+                      <a:prstDash val="solid"/>
+                      <a:round/>
+                      <a:headEnd type="none" w="med" len="med"/>
+                      <a:tailEnd type="none" w="med" len="med"/>
+                    </a:lnL>
+                    <a:lnR w="12700" cap="flat" cmpd="sng" algn="ctr">
+                      <a:solidFill>
+                        <a:schemeClr val="tx1"/>
+                      </a:solidFill>
+                      <a:prstDash val="solid"/>
+                      <a:round/>
+                      <a:headEnd type="none" w="med" len="med"/>
+                      <a:tailEnd type="none" w="med" len="med"/>
+                    </a:lnR>
+                    <a:lnT w="12700" cap="flat" cmpd="sng" algn="ctr">
+                      <a:solidFill>
+                        <a:schemeClr val="tx1"/>
+                      </a:solidFill>
+                      <a:prstDash val="solid"/>
+                      <a:round/>
+                      <a:headEnd type="none" w="med" len="med"/>
+                      <a:tailEnd type="none" w="med" len="med"/>
+                    </a:lnT>
+                    <a:lnB w="12700" cap="flat" cmpd="sng" algn="ctr">
+                      <a:solidFill>
+                        <a:schemeClr val="tx1"/>
+                      </a:solidFill>
+                      <a:prstDash val="solid"/>
+                      <a:round/>
+                      <a:headEnd type="none" w="med" len="med"/>
+                      <a:tailEnd type="none" w="med" len="med"/>
+                    </a:lnB>
+                    <a:solidFill>
+                      <a:schemeClr val="bg1">
+                        <a:lumMod val="50000"/>
+                      </a:schemeClr>
+                    </a:solidFill>
+                  </a:tcPr>
+                </a:tc>
+                <a:tc>
+                  <a:txBody>
+                    <a:bodyPr/>
+                    <a:lstStyle/>
+                    <a:p>
+                      <a:pPr algn="ctr"/>
+                      <a:r>
+                        <a:rPr lang="en-US" sz="1800" b="0" dirty="0">
+                          <a:solidFill>
+                            <a:schemeClr val="bg1"/>
+                          </a:solidFill>
+                          <a:latin typeface="+mn-lt"/>
+                          <a:cs typeface="Courier New" panose="02070309020205020404" pitchFamily="49" charset="0"/>
+                        </a:rPr>
+                        <a:t>4</a:t>
+                      </a:r>
+                    </a:p>
+                  </a:txBody>
+                  <a:tcPr>
+                    <a:lnL w="12700" cap="flat" cmpd="sng" algn="ctr">
+                      <a:solidFill>
+                        <a:schemeClr val="tx1"/>
+                      </a:solidFill>
+                      <a:prstDash val="solid"/>
+                      <a:round/>
+                      <a:headEnd type="none" w="med" len="med"/>
+                      <a:tailEnd type="none" w="med" len="med"/>
+                    </a:lnL>
+                    <a:lnR w="12700" cap="flat" cmpd="sng" algn="ctr">
+                      <a:solidFill>
+                        <a:schemeClr val="tx1"/>
+                      </a:solidFill>
+                      <a:prstDash val="solid"/>
+                      <a:round/>
+                      <a:headEnd type="none" w="med" len="med"/>
+                      <a:tailEnd type="none" w="med" len="med"/>
+                    </a:lnR>
+                    <a:lnT w="12700" cap="flat" cmpd="sng" algn="ctr">
+                      <a:solidFill>
+                        <a:schemeClr val="tx1"/>
+                      </a:solidFill>
+                      <a:prstDash val="solid"/>
+                      <a:round/>
+                      <a:headEnd type="none" w="med" len="med"/>
+                      <a:tailEnd type="none" w="med" len="med"/>
+                    </a:lnT>
+                    <a:lnB w="12700" cap="flat" cmpd="sng" algn="ctr">
+                      <a:solidFill>
+                        <a:schemeClr val="tx1"/>
+                      </a:solidFill>
+                      <a:prstDash val="solid"/>
+                      <a:round/>
+                      <a:headEnd type="none" w="med" len="med"/>
+                      <a:tailEnd type="none" w="med" len="med"/>
+                    </a:lnB>
+                    <a:solidFill>
+                      <a:schemeClr val="bg1">
+                        <a:lumMod val="50000"/>
+                      </a:schemeClr>
+                    </a:solidFill>
+                  </a:tcPr>
+                </a:tc>
+                <a:tc>
+                  <a:txBody>
+                    <a:bodyPr/>
+                    <a:lstStyle/>
+                    <a:p>
+                      <a:pPr algn="ctr"/>
+                      <a:r>
+                        <a:rPr lang="en-US" sz="1800" b="0" dirty="0">
+                          <a:solidFill>
+                            <a:schemeClr val="bg1"/>
+                          </a:solidFill>
+                          <a:latin typeface="+mn-lt"/>
+                          <a:cs typeface="Courier New" panose="02070309020205020404" pitchFamily="49" charset="0"/>
+                        </a:rPr>
+                        <a:t>5</a:t>
+                      </a:r>
+                    </a:p>
+                  </a:txBody>
+                  <a:tcPr>
+                    <a:lnL w="12700" cap="flat" cmpd="sng" algn="ctr">
+                      <a:solidFill>
+                        <a:schemeClr val="tx1"/>
+                      </a:solidFill>
+                      <a:prstDash val="solid"/>
+                      <a:round/>
+                      <a:headEnd type="none" w="med" len="med"/>
+                      <a:tailEnd type="none" w="med" len="med"/>
+                    </a:lnL>
+                    <a:lnR w="12700" cap="flat" cmpd="sng" algn="ctr">
+                      <a:solidFill>
+                        <a:schemeClr val="tx1"/>
+                      </a:solidFill>
+                      <a:prstDash val="solid"/>
+                      <a:round/>
+                      <a:headEnd type="none" w="med" len="med"/>
+                      <a:tailEnd type="none" w="med" len="med"/>
+                    </a:lnR>
+                    <a:lnT w="12700" cap="flat" cmpd="sng" algn="ctr">
+                      <a:solidFill>
+                        <a:schemeClr val="tx1"/>
+                      </a:solidFill>
+                      <a:prstDash val="solid"/>
+                      <a:round/>
+                      <a:headEnd type="none" w="med" len="med"/>
+                      <a:tailEnd type="none" w="med" len="med"/>
+                    </a:lnT>
+                    <a:lnB w="12700" cap="flat" cmpd="sng" algn="ctr">
+                      <a:solidFill>
+                        <a:schemeClr val="tx1"/>
+                      </a:solidFill>
+                      <a:prstDash val="solid"/>
+                      <a:round/>
+                      <a:headEnd type="none" w="med" len="med"/>
+                      <a:tailEnd type="none" w="med" len="med"/>
+                    </a:lnB>
+                    <a:solidFill>
+                      <a:schemeClr val="bg1">
+                        <a:lumMod val="50000"/>
+                      </a:schemeClr>
+                    </a:solidFill>
+                  </a:tcPr>
+                </a:tc>
+                <a:extLst>
+                  <a:ext uri="{0D108BD9-81ED-4DB2-BD59-A6C34878D82A}">
+                    <a16:rowId xmlns:a16="http://schemas.microsoft.com/office/drawing/2014/main" val="3792294900"/>
+                  </a:ext>
+                </a:extLst>
+              </a:tr>
+              <a:tr h="370840">
+                <a:tc>
+                  <a:txBody>
+                    <a:bodyPr/>
+                    <a:lstStyle/>
+                    <a:p>
+                      <a:pPr algn="ctr"/>
+                      <a:r>
+                        <a:rPr lang="en-US" sz="1800" b="0" dirty="0">
+                          <a:solidFill>
+                            <a:schemeClr val="bg1"/>
+                          </a:solidFill>
+                          <a:latin typeface="+mn-lt"/>
+                          <a:cs typeface="Courier New" panose="02070309020205020404" pitchFamily="49" charset="0"/>
+                        </a:rPr>
+                        <a:t>6</a:t>
+                      </a:r>
+                    </a:p>
+                  </a:txBody>
+                  <a:tcPr>
+                    <a:lnL w="12700" cap="flat" cmpd="sng" algn="ctr">
+                      <a:solidFill>
+                        <a:schemeClr val="tx1"/>
+                      </a:solidFill>
+                      <a:prstDash val="solid"/>
+                      <a:round/>
+                      <a:headEnd type="none" w="med" len="med"/>
+                      <a:tailEnd type="none" w="med" len="med"/>
+                    </a:lnL>
+                    <a:lnR w="12700" cap="flat" cmpd="sng" algn="ctr">
+                      <a:solidFill>
+                        <a:schemeClr val="tx1"/>
+                      </a:solidFill>
+                      <a:prstDash val="solid"/>
+                      <a:round/>
+                      <a:headEnd type="none" w="med" len="med"/>
+                      <a:tailEnd type="none" w="med" len="med"/>
+                    </a:lnR>
+                    <a:lnT w="12700" cap="flat" cmpd="sng" algn="ctr">
+                      <a:solidFill>
+                        <a:schemeClr val="tx1"/>
+                      </a:solidFill>
+                      <a:prstDash val="solid"/>
+                      <a:round/>
+                      <a:headEnd type="none" w="med" len="med"/>
+                      <a:tailEnd type="none" w="med" len="med"/>
+                    </a:lnT>
+                    <a:lnB w="12700" cap="flat" cmpd="sng" algn="ctr">
+                      <a:solidFill>
+                        <a:schemeClr val="tx1"/>
+                      </a:solidFill>
+                      <a:prstDash val="solid"/>
+                      <a:round/>
+                      <a:headEnd type="none" w="med" len="med"/>
+                      <a:tailEnd type="none" w="med" len="med"/>
+                    </a:lnB>
+                    <a:solidFill>
+                      <a:schemeClr val="bg1">
+                        <a:lumMod val="50000"/>
+                      </a:schemeClr>
+                    </a:solidFill>
+                  </a:tcPr>
+                </a:tc>
+                <a:tc>
+                  <a:txBody>
+                    <a:bodyPr/>
+                    <a:lstStyle/>
+                    <a:p>
+                      <a:pPr algn="ctr"/>
+                      <a:r>
+                        <a:rPr lang="en-US" sz="1800" b="0" dirty="0">
+                          <a:solidFill>
+                            <a:schemeClr val="bg1"/>
+                          </a:solidFill>
+                          <a:latin typeface="+mn-lt"/>
+                          <a:cs typeface="Courier New" panose="02070309020205020404" pitchFamily="49" charset="0"/>
+                        </a:rPr>
+                        <a:t>7</a:t>
+                      </a:r>
+                    </a:p>
+                  </a:txBody>
+                  <a:tcPr>
+                    <a:lnL w="12700" cap="flat" cmpd="sng" algn="ctr">
+                      <a:solidFill>
+                        <a:schemeClr val="tx1"/>
+                      </a:solidFill>
+                      <a:prstDash val="solid"/>
+                      <a:round/>
+                      <a:headEnd type="none" w="med" len="med"/>
+                      <a:tailEnd type="none" w="med" len="med"/>
+                    </a:lnL>
+                    <a:lnR w="12700" cap="flat" cmpd="sng" algn="ctr">
+                      <a:solidFill>
+                        <a:schemeClr val="tx1"/>
+                      </a:solidFill>
+                      <a:prstDash val="solid"/>
+                      <a:round/>
+                      <a:headEnd type="none" w="med" len="med"/>
+                      <a:tailEnd type="none" w="med" len="med"/>
+                    </a:lnR>
+                    <a:lnT w="12700" cap="flat" cmpd="sng" algn="ctr">
+                      <a:solidFill>
+                        <a:schemeClr val="tx1"/>
+                      </a:solidFill>
+                      <a:prstDash val="solid"/>
+                      <a:round/>
+                      <a:headEnd type="none" w="med" len="med"/>
+                      <a:tailEnd type="none" w="med" len="med"/>
+                    </a:lnT>
+                    <a:lnB w="12700" cap="flat" cmpd="sng" algn="ctr">
+                      <a:solidFill>
+                        <a:schemeClr val="tx1"/>
+                      </a:solidFill>
+                      <a:prstDash val="solid"/>
+                      <a:round/>
+                      <a:headEnd type="none" w="med" len="med"/>
+                      <a:tailEnd type="none" w="med" len="med"/>
+                    </a:lnB>
+                    <a:solidFill>
+                      <a:schemeClr val="bg1">
+                        <a:lumMod val="50000"/>
+                      </a:schemeClr>
+                    </a:solidFill>
+                  </a:tcPr>
+                </a:tc>
+                <a:tc>
+                  <a:txBody>
+                    <a:bodyPr/>
+                    <a:lstStyle/>
+                    <a:p>
+                      <a:pPr marL="0" marR="0" lvl="0" indent="0" algn="ctr" defTabSz="914400" rtl="0" eaLnBrk="1" fontAlgn="auto" latinLnBrk="0" hangingPunct="1">
+                        <a:lnSpc>
+                          <a:spcPct val="100000"/>
+                        </a:lnSpc>
+                        <a:spcBef>
+                          <a:spcPts val="0"/>
+                        </a:spcBef>
+                        <a:spcAft>
+                          <a:spcPts val="0"/>
+                        </a:spcAft>
+                        <a:buClrTx/>
+                        <a:buSzTx/>
+                        <a:buFontTx/>
+                        <a:buNone/>
+                        <a:tabLst/>
+                        <a:defRPr/>
+                      </a:pPr>
+                      <a:r>
+                        <a:rPr lang="en-US" sz="1800" b="0" dirty="0">
+                          <a:solidFill>
+                            <a:schemeClr val="bg1"/>
+                          </a:solidFill>
+                          <a:latin typeface="+mn-lt"/>
+                          <a:cs typeface="Courier New" panose="02070309020205020404" pitchFamily="49" charset="0"/>
+                        </a:rPr>
+                        <a:t>8</a:t>
+                      </a:r>
+                    </a:p>
+                  </a:txBody>
+                  <a:tcPr>
+                    <a:lnL w="12700" cap="flat" cmpd="sng" algn="ctr">
+                      <a:solidFill>
+                        <a:schemeClr val="tx1"/>
+                      </a:solidFill>
+                      <a:prstDash val="solid"/>
+                      <a:round/>
+                      <a:headEnd type="none" w="med" len="med"/>
+                      <a:tailEnd type="none" w="med" len="med"/>
+                    </a:lnL>
+                    <a:lnR w="12700" cap="flat" cmpd="sng" algn="ctr">
+                      <a:solidFill>
+                        <a:schemeClr val="tx1"/>
+                      </a:solidFill>
+                      <a:prstDash val="solid"/>
+                      <a:round/>
+                      <a:headEnd type="none" w="med" len="med"/>
+                      <a:tailEnd type="none" w="med" len="med"/>
+                    </a:lnR>
+                    <a:lnT w="12700" cap="flat" cmpd="sng" algn="ctr">
+                      <a:solidFill>
+                        <a:schemeClr val="tx1"/>
+                      </a:solidFill>
+                      <a:prstDash val="solid"/>
+                      <a:round/>
+                      <a:headEnd type="none" w="med" len="med"/>
+                      <a:tailEnd type="none" w="med" len="med"/>
+                    </a:lnT>
+                    <a:lnB w="12700" cap="flat" cmpd="sng" algn="ctr">
+                      <a:solidFill>
+                        <a:schemeClr val="tx1"/>
+                      </a:solidFill>
+                      <a:prstDash val="solid"/>
+                      <a:round/>
+                      <a:headEnd type="none" w="med" len="med"/>
+                      <a:tailEnd type="none" w="med" len="med"/>
+                    </a:lnB>
+                    <a:solidFill>
+                      <a:schemeClr val="bg1">
+                        <a:lumMod val="50000"/>
+                      </a:schemeClr>
+                    </a:solidFill>
+                  </a:tcPr>
+                </a:tc>
+                <a:extLst>
+                  <a:ext uri="{0D108BD9-81ED-4DB2-BD59-A6C34878D82A}">
+                    <a16:rowId xmlns:a16="http://schemas.microsoft.com/office/drawing/2014/main" val="4103855044"/>
+                  </a:ext>
+                </a:extLst>
+              </a:tr>
+            </a:tbl>
+          </a:graphicData>
+        </a:graphic>
+      </p:graphicFrame>
+      <p:graphicFrame>
+        <p:nvGraphicFramePr>
+          <p:cNvPr id="8" name="Table 7">
+            <a:extLst>
+              <a:ext uri="{FF2B5EF4-FFF2-40B4-BE49-F238E27FC236}">
+                <a16:creationId xmlns:a16="http://schemas.microsoft.com/office/drawing/2014/main" id="{BC77AA3B-A0F4-4F1D-8EA4-0F9AF1F2B26F}"/>
+              </a:ext>
+            </a:extLst>
+          </p:cNvPr>
+          <p:cNvGraphicFramePr>
+            <a:graphicFrameLocks noGrp="1"/>
+          </p:cNvGraphicFramePr>
+          <p:nvPr>
+            <p:extLst>
+              <p:ext uri="{D42A27DB-BD31-4B8C-83A1-F6EECF244321}">
+                <p14:modId xmlns:p14="http://schemas.microsoft.com/office/powerpoint/2010/main" val="1048511222"/>
+              </p:ext>
+            </p:extLst>
+          </p:nvPr>
+        </p:nvGraphicFramePr>
+        <p:xfrm>
+          <a:off x="4721441" y="3636464"/>
+          <a:ext cx="1294296" cy="1112520"/>
+        </p:xfrm>
+        <a:graphic>
+          <a:graphicData uri="http://schemas.openxmlformats.org/drawingml/2006/table">
+            <a:tbl>
+              <a:tblPr firstRow="1" bandRow="1">
+                <a:tableStyleId>{D113A9D2-9D6B-4929-AA2D-F23B5EE8CBE7}</a:tableStyleId>
+              </a:tblPr>
+              <a:tblGrid>
+                <a:gridCol w="431432">
+                  <a:extLst>
+                    <a:ext uri="{9D8B030D-6E8A-4147-A177-3AD203B41FA5}">
+                      <a16:colId xmlns:a16="http://schemas.microsoft.com/office/drawing/2014/main" val="1038572778"/>
+                    </a:ext>
+                  </a:extLst>
+                </a:gridCol>
+                <a:gridCol w="431432">
+                  <a:extLst>
+                    <a:ext uri="{9D8B030D-6E8A-4147-A177-3AD203B41FA5}">
+                      <a16:colId xmlns:a16="http://schemas.microsoft.com/office/drawing/2014/main" val="2574731819"/>
+                    </a:ext>
+                  </a:extLst>
+                </a:gridCol>
+                <a:gridCol w="431432">
+                  <a:extLst>
+                    <a:ext uri="{9D8B030D-6E8A-4147-A177-3AD203B41FA5}">
+                      <a16:colId xmlns:a16="http://schemas.microsoft.com/office/drawing/2014/main" val="3702273779"/>
+                    </a:ext>
+                  </a:extLst>
+                </a:gridCol>
+              </a:tblGrid>
+              <a:tr h="370840">
+                <a:tc>
+                  <a:txBody>
+                    <a:bodyPr/>
+                    <a:lstStyle/>
+                    <a:p>
+                      <a:pPr/>
+                      <a:r>
+                        <a:rPr lang="en-US" b="0" dirty="0">
+                          <a:solidFill>
+                            <a:schemeClr val="bg1"/>
+                          </a:solidFill>
+                        </a:rPr>
+                        <a:t>45</a:t>
+                      </a:r>
+                    </a:p>
+                  </a:txBody>
+                  <a:tcPr>
+                    <a:lnL w="12700" cap="flat" cmpd="sng" algn="ctr">
+                      <a:solidFill>
+                        <a:schemeClr val="tx1"/>
+                      </a:solidFill>
+                      <a:prstDash val="solid"/>
+                      <a:round/>
+                      <a:headEnd type="none" w="med" len="med"/>
+                      <a:tailEnd type="none" w="med" len="med"/>
+                    </a:lnL>
+                    <a:lnR w="12700" cap="flat" cmpd="sng" algn="ctr">
+                      <a:solidFill>
+                        <a:schemeClr val="tx1"/>
+                      </a:solidFill>
+                      <a:prstDash val="solid"/>
+                      <a:round/>
+                      <a:headEnd type="none" w="med" len="med"/>
+                      <a:tailEnd type="none" w="med" len="med"/>
+                    </a:lnR>
+                    <a:lnT w="12700" cap="flat" cmpd="sng" algn="ctr">
+                      <a:solidFill>
+                        <a:schemeClr val="tx1"/>
+                      </a:solidFill>
+                      <a:prstDash val="solid"/>
+                      <a:round/>
+                      <a:headEnd type="none" w="med" len="med"/>
+                      <a:tailEnd type="none" w="med" len="med"/>
+                    </a:lnT>
+                    <a:lnB w="12700" cap="flat" cmpd="sng" algn="ctr">
+                      <a:solidFill>
+                        <a:schemeClr val="tx1"/>
+                      </a:solidFill>
+                      <a:prstDash val="solid"/>
+                      <a:round/>
+                      <a:headEnd type="none" w="med" len="med"/>
+                      <a:tailEnd type="none" w="med" len="med"/>
+                    </a:lnB>
+                    <a:solidFill>
+                      <a:schemeClr val="accent4"/>
+                    </a:solidFill>
+                  </a:tcPr>
+                </a:tc>
+                <a:tc>
+                  <a:txBody>
+                    <a:bodyPr/>
+                    <a:lstStyle/>
+                    <a:p>
+                      <a:pPr marL="0" marR="0" lvl="0" indent="0" algn="l" defTabSz="914400" rtl="0" eaLnBrk="1" fontAlgn="auto" latinLnBrk="0" hangingPunct="1">
+                        <a:lnSpc>
+                          <a:spcPct val="100000"/>
+                        </a:lnSpc>
+                        <a:spcBef>
+                          <a:spcPts val="0"/>
+                        </a:spcBef>
+                        <a:spcAft>
+                          <a:spcPts val="0"/>
+                        </a:spcAft>
+                        <a:buClrTx/>
+                        <a:buSzTx/>
+                        <a:buFontTx/>
+                        <a:buNone/>
+                        <a:tabLst/>
+                        <a:defRPr/>
+                      </a:pPr>
+                      <a:r>
+                        <a:rPr lang="en-US" b="0" dirty="0">
+                          <a:solidFill>
+                            <a:schemeClr val="bg1"/>
+                          </a:solidFill>
+                        </a:rPr>
+                        <a:t>46</a:t>
+                      </a:r>
+                    </a:p>
+                  </a:txBody>
+                  <a:tcPr>
+                    <a:lnL w="12700" cap="flat" cmpd="sng" algn="ctr">
+                      <a:solidFill>
+                        <a:schemeClr val="tx1"/>
+                      </a:solidFill>
+                      <a:prstDash val="solid"/>
+                      <a:round/>
+                      <a:headEnd type="none" w="med" len="med"/>
+                      <a:tailEnd type="none" w="med" len="med"/>
+                    </a:lnL>
+                    <a:lnR w="12700" cap="flat" cmpd="sng" algn="ctr">
+                      <a:solidFill>
+                        <a:schemeClr val="tx1"/>
+                      </a:solidFill>
+                      <a:prstDash val="solid"/>
+                      <a:round/>
+                      <a:headEnd type="none" w="med" len="med"/>
+                      <a:tailEnd type="none" w="med" len="med"/>
+                    </a:lnR>
+                    <a:lnT w="12700" cap="flat" cmpd="sng" algn="ctr">
+                      <a:solidFill>
+                        <a:schemeClr val="tx1"/>
+                      </a:solidFill>
+                      <a:prstDash val="solid"/>
+                      <a:round/>
+                      <a:headEnd type="none" w="med" len="med"/>
+                      <a:tailEnd type="none" w="med" len="med"/>
+                    </a:lnT>
+                    <a:lnB w="12700" cap="flat" cmpd="sng" algn="ctr">
+                      <a:solidFill>
+                        <a:schemeClr val="tx1"/>
+                      </a:solidFill>
+                      <a:prstDash val="solid"/>
+                      <a:round/>
+                      <a:headEnd type="none" w="med" len="med"/>
+                      <a:tailEnd type="none" w="med" len="med"/>
+                    </a:lnB>
+                    <a:solidFill>
+                      <a:schemeClr val="accent4"/>
+                    </a:solidFill>
+                  </a:tcPr>
+                </a:tc>
+                <a:tc>
+                  <a:txBody>
+                    <a:bodyPr/>
+                    <a:lstStyle/>
+                    <a:p>
+                      <a:pPr/>
+                      <a:r>
+                        <a:rPr lang="en-US" b="0" dirty="0">
+                          <a:solidFill>
+                            <a:schemeClr val="bg1"/>
+                          </a:solidFill>
+                        </a:rPr>
+                        <a:t>47</a:t>
+                      </a:r>
+                    </a:p>
+                  </a:txBody>
+                  <a:tcPr>
+                    <a:lnL w="12700" cap="flat" cmpd="sng" algn="ctr">
+                      <a:solidFill>
+                        <a:schemeClr val="tx1"/>
+                      </a:solidFill>
+                      <a:prstDash val="solid"/>
+                      <a:round/>
+                      <a:headEnd type="none" w="med" len="med"/>
+                      <a:tailEnd type="none" w="med" len="med"/>
+                    </a:lnL>
+                    <a:lnR w="12700" cap="flat" cmpd="sng" algn="ctr">
+                      <a:solidFill>
+                        <a:schemeClr val="tx1"/>
+                      </a:solidFill>
+                      <a:prstDash val="solid"/>
+                      <a:round/>
+                      <a:headEnd type="none" w="med" len="med"/>
+                      <a:tailEnd type="none" w="med" len="med"/>
+                    </a:lnR>
+                    <a:lnT w="12700" cap="flat" cmpd="sng" algn="ctr">
+                      <a:solidFill>
+                        <a:schemeClr val="tx1"/>
+                      </a:solidFill>
+                      <a:prstDash val="solid"/>
+                      <a:round/>
+                      <a:headEnd type="none" w="med" len="med"/>
+                      <a:tailEnd type="none" w="med" len="med"/>
+                    </a:lnT>
+                    <a:lnB w="12700" cap="flat" cmpd="sng" algn="ctr">
+                      <a:solidFill>
+                        <a:schemeClr val="tx1"/>
+                      </a:solidFill>
+                      <a:prstDash val="solid"/>
+                      <a:round/>
+                      <a:headEnd type="none" w="med" len="med"/>
+                      <a:tailEnd type="none" w="med" len="med"/>
+                    </a:lnB>
+                    <a:solidFill>
+                      <a:schemeClr val="accent4"/>
+                    </a:solidFill>
+                  </a:tcPr>
+                </a:tc>
+                <a:extLst>
+                  <a:ext uri="{0D108BD9-81ED-4DB2-BD59-A6C34878D82A}">
+                    <a16:rowId xmlns:a16="http://schemas.microsoft.com/office/drawing/2014/main" val="750636996"/>
+                  </a:ext>
+                </a:extLst>
+              </a:tr>
+              <a:tr h="370840">
+                <a:tc>
+                  <a:txBody>
+                    <a:bodyPr/>
+                    <a:lstStyle/>
+                    <a:p>
+                      <a:pPr/>
+                      <a:r>
+                        <a:rPr lang="en-US" dirty="0">
+                          <a:solidFill>
+                            <a:schemeClr val="bg1"/>
+                          </a:solidFill>
+                        </a:rPr>
+                        <a:t>48</a:t>
+                      </a:r>
+                    </a:p>
+                  </a:txBody>
+                  <a:tcPr>
+                    <a:lnL w="12700" cap="flat" cmpd="sng" algn="ctr">
+                      <a:solidFill>
+                        <a:schemeClr val="tx1"/>
+                      </a:solidFill>
+                      <a:prstDash val="solid"/>
+                      <a:round/>
+                      <a:headEnd type="none" w="med" len="med"/>
+                      <a:tailEnd type="none" w="med" len="med"/>
+                    </a:lnL>
+                    <a:lnR w="12700" cap="flat" cmpd="sng" algn="ctr">
+                      <a:solidFill>
+                        <a:schemeClr val="tx1"/>
+                      </a:solidFill>
+                      <a:prstDash val="solid"/>
+                      <a:round/>
+                      <a:headEnd type="none" w="med" len="med"/>
+                      <a:tailEnd type="none" w="med" len="med"/>
+                    </a:lnR>
+                    <a:lnT w="12700" cap="flat" cmpd="sng" algn="ctr">
+                      <a:solidFill>
+                        <a:schemeClr val="tx1"/>
+                      </a:solidFill>
+                      <a:prstDash val="solid"/>
+                      <a:round/>
+                      <a:headEnd type="none" w="med" len="med"/>
+                      <a:tailEnd type="none" w="med" len="med"/>
+                    </a:lnT>
+                    <a:lnB w="12700" cap="flat" cmpd="sng" algn="ctr">
+                      <a:solidFill>
+                        <a:schemeClr val="tx1"/>
+                      </a:solidFill>
+                      <a:prstDash val="solid"/>
+                      <a:round/>
+                      <a:headEnd type="none" w="med" len="med"/>
+                      <a:tailEnd type="none" w="med" len="med"/>
+                    </a:lnB>
+                    <a:solidFill>
+                      <a:schemeClr val="accent4"/>
+                    </a:solidFill>
+                  </a:tcPr>
+                </a:tc>
+                <a:tc>
+                  <a:txBody>
+                    <a:bodyPr/>
+                    <a:lstStyle/>
+                    <a:p>
+                      <a:pPr/>
+                      <a:r>
+                        <a:rPr lang="en-US" dirty="0">
+                          <a:solidFill>
+                            <a:schemeClr val="bg1"/>
+                          </a:solidFill>
+                        </a:rPr>
+                        <a:t>49</a:t>
+                      </a:r>
+                    </a:p>
+                  </a:txBody>
+                  <a:tcPr>
+                    <a:lnL w="12700" cap="flat" cmpd="sng" algn="ctr">
+                      <a:solidFill>
+                        <a:schemeClr val="tx1"/>
+                      </a:solidFill>
+                      <a:prstDash val="solid"/>
+                      <a:round/>
+                      <a:headEnd type="none" w="med" len="med"/>
+                      <a:tailEnd type="none" w="med" len="med"/>
+                    </a:lnL>
+                    <a:lnR w="12700" cap="flat" cmpd="sng" algn="ctr">
+                      <a:solidFill>
+                        <a:schemeClr val="tx1"/>
+                      </a:solidFill>
+                      <a:prstDash val="solid"/>
+                      <a:round/>
+                      <a:headEnd type="none" w="med" len="med"/>
+                      <a:tailEnd type="none" w="med" len="med"/>
+                    </a:lnR>
+                    <a:lnT w="12700" cap="flat" cmpd="sng" algn="ctr">
+                      <a:solidFill>
+                        <a:schemeClr val="tx1"/>
+                      </a:solidFill>
+                      <a:prstDash val="solid"/>
+                      <a:round/>
+                      <a:headEnd type="none" w="med" len="med"/>
+                      <a:tailEnd type="none" w="med" len="med"/>
+                    </a:lnT>
+                    <a:lnB w="12700" cap="flat" cmpd="sng" algn="ctr">
+                      <a:solidFill>
+                        <a:schemeClr val="tx1"/>
+                      </a:solidFill>
+                      <a:prstDash val="solid"/>
+                      <a:round/>
+                      <a:headEnd type="none" w="med" len="med"/>
+                      <a:tailEnd type="none" w="med" len="med"/>
+                    </a:lnB>
+                    <a:solidFill>
+                      <a:schemeClr val="accent4"/>
+                    </a:solidFill>
+                  </a:tcPr>
+                </a:tc>
+                <a:tc>
+                  <a:txBody>
+                    <a:bodyPr/>
+                    <a:lstStyle/>
+                    <a:p>
+                      <a:pPr/>
+                      <a:r>
+                        <a:rPr lang="en-US" dirty="0">
+                          <a:solidFill>
+                            <a:schemeClr val="bg1"/>
+                          </a:solidFill>
+                        </a:rPr>
+                        <a:t>50</a:t>
+                      </a:r>
+                    </a:p>
+                  </a:txBody>
+                  <a:tcPr>
+                    <a:lnL w="12700" cap="flat" cmpd="sng" algn="ctr">
+                      <a:solidFill>
+                        <a:schemeClr val="tx1"/>
+                      </a:solidFill>
+                      <a:prstDash val="solid"/>
+                      <a:round/>
+                      <a:headEnd type="none" w="med" len="med"/>
+                      <a:tailEnd type="none" w="med" len="med"/>
+                    </a:lnL>
+                    <a:lnR w="12700" cap="flat" cmpd="sng" algn="ctr">
+                      <a:solidFill>
+                        <a:schemeClr val="tx1"/>
+                      </a:solidFill>
+                      <a:prstDash val="solid"/>
+                      <a:round/>
+                      <a:headEnd type="none" w="med" len="med"/>
+                      <a:tailEnd type="none" w="med" len="med"/>
+                    </a:lnR>
+                    <a:lnT w="12700" cap="flat" cmpd="sng" algn="ctr">
+                      <a:solidFill>
+                        <a:schemeClr val="tx1"/>
+                      </a:solidFill>
+                      <a:prstDash val="solid"/>
+                      <a:round/>
+                      <a:headEnd type="none" w="med" len="med"/>
+                      <a:tailEnd type="none" w="med" len="med"/>
+                    </a:lnT>
+                    <a:lnB w="12700" cap="flat" cmpd="sng" algn="ctr">
+                      <a:solidFill>
+                        <a:schemeClr val="tx1"/>
+                      </a:solidFill>
+                      <a:prstDash val="solid"/>
+                      <a:round/>
+                      <a:headEnd type="none" w="med" len="med"/>
+                      <a:tailEnd type="none" w="med" len="med"/>
+                    </a:lnB>
+                    <a:solidFill>
+                      <a:schemeClr val="accent4"/>
+                    </a:solidFill>
+                  </a:tcPr>
+                </a:tc>
+                <a:extLst>
+                  <a:ext uri="{0D108BD9-81ED-4DB2-BD59-A6C34878D82A}">
+                    <a16:rowId xmlns:a16="http://schemas.microsoft.com/office/drawing/2014/main" val="3792294900"/>
+                  </a:ext>
+                </a:extLst>
+              </a:tr>
+              <a:tr h="370840">
+                <a:tc>
+                  <a:txBody>
+                    <a:bodyPr/>
+                    <a:lstStyle/>
+                    <a:p>
+                      <a:pPr/>
+                      <a:r>
+                        <a:rPr lang="en-US" dirty="0">
+                          <a:solidFill>
+                            <a:schemeClr val="bg1"/>
+                          </a:solidFill>
+                        </a:rPr>
+                        <a:t>51</a:t>
+                      </a:r>
+                    </a:p>
+                  </a:txBody>
+                  <a:tcPr>
+                    <a:lnL w="12700" cap="flat" cmpd="sng" algn="ctr">
+                      <a:solidFill>
+                        <a:schemeClr val="tx1"/>
+                      </a:solidFill>
+                      <a:prstDash val="solid"/>
+                      <a:round/>
+                      <a:headEnd type="none" w="med" len="med"/>
+                      <a:tailEnd type="none" w="med" len="med"/>
+                    </a:lnL>
+                    <a:lnR w="12700" cap="flat" cmpd="sng" algn="ctr">
+                      <a:solidFill>
+                        <a:schemeClr val="tx1"/>
+                      </a:solidFill>
+                      <a:prstDash val="solid"/>
+                      <a:round/>
+                      <a:headEnd type="none" w="med" len="med"/>
+                      <a:tailEnd type="none" w="med" len="med"/>
+                    </a:lnR>
+                    <a:lnT w="12700" cap="flat" cmpd="sng" algn="ctr">
+                      <a:solidFill>
+                        <a:schemeClr val="tx1"/>
+                      </a:solidFill>
+                      <a:prstDash val="solid"/>
+                      <a:round/>
+                      <a:headEnd type="none" w="med" len="med"/>
+                      <a:tailEnd type="none" w="med" len="med"/>
+                    </a:lnT>
+                    <a:lnB w="12700" cap="flat" cmpd="sng" algn="ctr">
+                      <a:solidFill>
+                        <a:schemeClr val="tx1"/>
+                      </a:solidFill>
+                      <a:prstDash val="solid"/>
+                      <a:round/>
+                      <a:headEnd type="none" w="med" len="med"/>
+                      <a:tailEnd type="none" w="med" len="med"/>
+                    </a:lnB>
+                    <a:solidFill>
+                      <a:schemeClr val="accent4"/>
+                    </a:solidFill>
+                  </a:tcPr>
+                </a:tc>
+                <a:tc>
+                  <a:txBody>
+                    <a:bodyPr/>
+                    <a:lstStyle/>
+                    <a:p>
+                      <a:pPr/>
+                      <a:r>
+                        <a:rPr lang="en-US" dirty="0">
+                          <a:solidFill>
+                            <a:schemeClr val="bg1"/>
+                          </a:solidFill>
+                        </a:rPr>
+                        <a:t>52</a:t>
+                      </a:r>
+                    </a:p>
+                  </a:txBody>
+                  <a:tcPr>
+                    <a:lnL w="12700" cap="flat" cmpd="sng" algn="ctr">
+                      <a:solidFill>
+                        <a:schemeClr val="tx1"/>
+                      </a:solidFill>
+                      <a:prstDash val="solid"/>
+                      <a:round/>
+                      <a:headEnd type="none" w="med" len="med"/>
+                      <a:tailEnd type="none" w="med" len="med"/>
+                    </a:lnL>
+                    <a:lnR w="12700" cap="flat" cmpd="sng" algn="ctr">
+                      <a:solidFill>
+                        <a:schemeClr val="tx1"/>
+                      </a:solidFill>
+                      <a:prstDash val="solid"/>
+                      <a:round/>
+                      <a:headEnd type="none" w="med" len="med"/>
+                      <a:tailEnd type="none" w="med" len="med"/>
+                    </a:lnR>
+                    <a:lnT w="12700" cap="flat" cmpd="sng" algn="ctr">
+                      <a:solidFill>
+                        <a:schemeClr val="tx1"/>
+                      </a:solidFill>
+                      <a:prstDash val="solid"/>
+                      <a:round/>
+                      <a:headEnd type="none" w="med" len="med"/>
+                      <a:tailEnd type="none" w="med" len="med"/>
+                    </a:lnT>
+                    <a:lnB w="12700" cap="flat" cmpd="sng" algn="ctr">
+                      <a:solidFill>
+                        <a:schemeClr val="tx1"/>
+                      </a:solidFill>
+                      <a:prstDash val="solid"/>
+                      <a:round/>
+                      <a:headEnd type="none" w="med" len="med"/>
+                      <a:tailEnd type="none" w="med" len="med"/>
+                    </a:lnB>
+                    <a:solidFill>
+                      <a:schemeClr val="accent4"/>
+                    </a:solidFill>
+                  </a:tcPr>
+                </a:tc>
+                <a:tc>
+                  <a:txBody>
+                    <a:bodyPr/>
+                    <a:lstStyle/>
+                    <a:p>
+                      <a:pPr/>
+                      <a:r>
+                        <a:rPr lang="en-US" dirty="0">
+                          <a:solidFill>
+                            <a:schemeClr val="bg1"/>
+                          </a:solidFill>
+                        </a:rPr>
+                        <a:t>53</a:t>
+                      </a:r>
+                    </a:p>
+                  </a:txBody>
+                  <a:tcPr>
+                    <a:lnL w="12700" cap="flat" cmpd="sng" algn="ctr">
+                      <a:solidFill>
+                        <a:schemeClr val="tx1"/>
+                      </a:solidFill>
+                      <a:prstDash val="solid"/>
+                      <a:round/>
+                      <a:headEnd type="none" w="med" len="med"/>
+                      <a:tailEnd type="none" w="med" len="med"/>
+                    </a:lnL>
+                    <a:lnR w="12700" cap="flat" cmpd="sng" algn="ctr">
+                      <a:solidFill>
+                        <a:schemeClr val="tx1"/>
+                      </a:solidFill>
+                      <a:prstDash val="solid"/>
+                      <a:round/>
+                      <a:headEnd type="none" w="med" len="med"/>
+                      <a:tailEnd type="none" w="med" len="med"/>
+                    </a:lnR>
+                    <a:lnT w="12700" cap="flat" cmpd="sng" algn="ctr">
+                      <a:solidFill>
+                        <a:schemeClr val="tx1"/>
+                      </a:solidFill>
+                      <a:prstDash val="solid"/>
+                      <a:round/>
+                      <a:headEnd type="none" w="med" len="med"/>
+                      <a:tailEnd type="none" w="med" len="med"/>
+                    </a:lnT>
+                    <a:lnB w="12700" cap="flat" cmpd="sng" algn="ctr">
+                      <a:solidFill>
+                        <a:schemeClr val="tx1"/>
+                      </a:solidFill>
+                      <a:prstDash val="solid"/>
+                      <a:round/>
+                      <a:headEnd type="none" w="med" len="med"/>
+                      <a:tailEnd type="none" w="med" len="med"/>
+                    </a:lnB>
+                    <a:solidFill>
+                      <a:schemeClr val="accent4"/>
+                    </a:solidFill>
+                  </a:tcPr>
+                </a:tc>
+                <a:extLst>
+                  <a:ext uri="{0D108BD9-81ED-4DB2-BD59-A6C34878D82A}">
+                    <a16:rowId xmlns:a16="http://schemas.microsoft.com/office/drawing/2014/main" val="4103855044"/>
+                  </a:ext>
+                </a:extLst>
+              </a:tr>
+            </a:tbl>
+          </a:graphicData>
+        </a:graphic>
+      </p:graphicFrame>
+      <p:graphicFrame>
+        <p:nvGraphicFramePr>
+          <p:cNvPr id="9" name="Table 8">
+            <a:extLst>
+              <a:ext uri="{FF2B5EF4-FFF2-40B4-BE49-F238E27FC236}">
+                <a16:creationId xmlns:a16="http://schemas.microsoft.com/office/drawing/2014/main" id="{0548E248-DE85-4587-B359-6DFEDCB1459A}"/>
+              </a:ext>
+            </a:extLst>
+          </p:cNvPr>
+          <p:cNvGraphicFramePr>
+            <a:graphicFrameLocks noGrp="1"/>
+          </p:cNvGraphicFramePr>
+          <p:nvPr>
+            <p:extLst>
+              <p:ext uri="{D42A27DB-BD31-4B8C-83A1-F6EECF244321}">
+                <p14:modId xmlns:p14="http://schemas.microsoft.com/office/powerpoint/2010/main" val="1402288228"/>
+              </p:ext>
+            </p:extLst>
+          </p:nvPr>
+        </p:nvGraphicFramePr>
+        <p:xfrm>
+          <a:off x="6096000" y="2407375"/>
+          <a:ext cx="1294296" cy="1112520"/>
+        </p:xfrm>
+        <a:graphic>
+          <a:graphicData uri="http://schemas.openxmlformats.org/drawingml/2006/table">
+            <a:tbl>
+              <a:tblPr firstRow="1" bandRow="1">
+                <a:tableStyleId>{D113A9D2-9D6B-4929-AA2D-F23B5EE8CBE7}</a:tableStyleId>
+              </a:tblPr>
+              <a:tblGrid>
+                <a:gridCol w="431432">
+                  <a:extLst>
+                    <a:ext uri="{9D8B030D-6E8A-4147-A177-3AD203B41FA5}">
+                      <a16:colId xmlns:a16="http://schemas.microsoft.com/office/drawing/2014/main" val="1038572778"/>
+                    </a:ext>
+                  </a:extLst>
+                </a:gridCol>
+                <a:gridCol w="431432">
+                  <a:extLst>
+                    <a:ext uri="{9D8B030D-6E8A-4147-A177-3AD203B41FA5}">
+                      <a16:colId xmlns:a16="http://schemas.microsoft.com/office/drawing/2014/main" val="2574731819"/>
+                    </a:ext>
+                  </a:extLst>
+                </a:gridCol>
+                <a:gridCol w="431432">
+                  <a:extLst>
+                    <a:ext uri="{9D8B030D-6E8A-4147-A177-3AD203B41FA5}">
+                      <a16:colId xmlns:a16="http://schemas.microsoft.com/office/drawing/2014/main" val="3702273779"/>
+                    </a:ext>
+                  </a:extLst>
+                </a:gridCol>
+              </a:tblGrid>
+              <a:tr h="370840">
+                <a:tc>
+                  <a:txBody>
+                    <a:bodyPr/>
+                    <a:lstStyle/>
+                    <a:p>
+                      <a:pPr/>
+                      <a:r>
+                        <a:rPr lang="en-US" b="0" dirty="0">
+                          <a:solidFill>
+                            <a:schemeClr val="bg1"/>
+                          </a:solidFill>
+                        </a:rPr>
+                        <a:t>15</a:t>
+                      </a:r>
+                    </a:p>
+                  </a:txBody>
+                  <a:tcPr>
+                    <a:lnL w="12700" cap="flat" cmpd="sng" algn="ctr">
+                      <a:solidFill>
+                        <a:schemeClr val="tx1"/>
+                      </a:solidFill>
+                      <a:prstDash val="solid"/>
+                      <a:round/>
+                      <a:headEnd type="none" w="med" len="med"/>
+                      <a:tailEnd type="none" w="med" len="med"/>
+                    </a:lnL>
+                    <a:lnR w="12700" cap="flat" cmpd="sng" algn="ctr">
+                      <a:solidFill>
+                        <a:schemeClr val="tx1"/>
+                      </a:solidFill>
+                      <a:prstDash val="solid"/>
+                      <a:round/>
+                      <a:headEnd type="none" w="med" len="med"/>
+                      <a:tailEnd type="none" w="med" len="med"/>
+                    </a:lnR>
+                    <a:lnT w="12700" cap="flat" cmpd="sng" algn="ctr">
+                      <a:solidFill>
+                        <a:schemeClr val="tx1"/>
+                      </a:solidFill>
+                      <a:prstDash val="solid"/>
+                      <a:round/>
+                      <a:headEnd type="none" w="med" len="med"/>
+                      <a:tailEnd type="none" w="med" len="med"/>
+                    </a:lnT>
+                    <a:lnB w="12700" cap="flat" cmpd="sng" algn="ctr">
+                      <a:solidFill>
+                        <a:schemeClr val="tx1"/>
+                      </a:solidFill>
+                      <a:prstDash val="solid"/>
+                      <a:round/>
+                      <a:headEnd type="none" w="med" len="med"/>
+                      <a:tailEnd type="none" w="med" len="med"/>
+                    </a:lnB>
+                    <a:solidFill>
+                      <a:schemeClr val="accent2"/>
+                    </a:solidFill>
+                  </a:tcPr>
+                </a:tc>
+                <a:tc>
+                  <a:txBody>
+                    <a:bodyPr/>
+                    <a:lstStyle/>
+                    <a:p>
+                      <a:pPr marL="0" marR="0" lvl="0" indent="0" algn="l" defTabSz="914400" rtl="0" eaLnBrk="1" fontAlgn="auto" latinLnBrk="0" hangingPunct="1">
+                        <a:lnSpc>
+                          <a:spcPct val="100000"/>
+                        </a:lnSpc>
+                        <a:spcBef>
+                          <a:spcPts val="0"/>
+                        </a:spcBef>
+                        <a:spcAft>
+                          <a:spcPts val="0"/>
+                        </a:spcAft>
+                        <a:buClrTx/>
+                        <a:buSzTx/>
+                        <a:buFontTx/>
+                        <a:buNone/>
+                        <a:tabLst/>
+                        <a:defRPr/>
+                      </a:pPr>
+                      <a:r>
+                        <a:rPr lang="en-US" b="0" dirty="0">
+                          <a:solidFill>
+                            <a:schemeClr val="bg1"/>
+                          </a:solidFill>
+                        </a:rPr>
+                        <a:t>16</a:t>
+                      </a:r>
+                    </a:p>
+                  </a:txBody>
+                  <a:tcPr>
+                    <a:lnL w="12700" cap="flat" cmpd="sng" algn="ctr">
+                      <a:solidFill>
+                        <a:schemeClr val="tx1"/>
+                      </a:solidFill>
+                      <a:prstDash val="solid"/>
+                      <a:round/>
+                      <a:headEnd type="none" w="med" len="med"/>
+                      <a:tailEnd type="none" w="med" len="med"/>
+                    </a:lnL>
+                    <a:lnR w="12700" cap="flat" cmpd="sng" algn="ctr">
+                      <a:solidFill>
+                        <a:schemeClr val="tx1"/>
+                      </a:solidFill>
+                      <a:prstDash val="solid"/>
+                      <a:round/>
+                      <a:headEnd type="none" w="med" len="med"/>
+                      <a:tailEnd type="none" w="med" len="med"/>
+                    </a:lnR>
+                    <a:lnT w="12700" cap="flat" cmpd="sng" algn="ctr">
+                      <a:solidFill>
+                        <a:schemeClr val="tx1"/>
+                      </a:solidFill>
+                      <a:prstDash val="solid"/>
+                      <a:round/>
+                      <a:headEnd type="none" w="med" len="med"/>
+                      <a:tailEnd type="none" w="med" len="med"/>
+                    </a:lnT>
+                    <a:lnB w="12700" cap="flat" cmpd="sng" algn="ctr">
+                      <a:solidFill>
+                        <a:schemeClr val="tx1"/>
+                      </a:solidFill>
+                      <a:prstDash val="solid"/>
+                      <a:round/>
+                      <a:headEnd type="none" w="med" len="med"/>
+                      <a:tailEnd type="none" w="med" len="med"/>
+                    </a:lnB>
+                    <a:solidFill>
+                      <a:schemeClr val="accent2"/>
+                    </a:solidFill>
+                  </a:tcPr>
+                </a:tc>
+                <a:tc>
+                  <a:txBody>
+                    <a:bodyPr/>
+                    <a:lstStyle/>
+                    <a:p>
+                      <a:pPr/>
+                      <a:r>
+                        <a:rPr lang="en-US" b="0" dirty="0">
+                          <a:solidFill>
+                            <a:schemeClr val="bg1"/>
+                          </a:solidFill>
+                        </a:rPr>
+                        <a:t>17</a:t>
+                      </a:r>
+                    </a:p>
+                  </a:txBody>
+                  <a:tcPr>
+                    <a:lnL w="12700" cap="flat" cmpd="sng" algn="ctr">
+                      <a:solidFill>
+                        <a:schemeClr val="tx1"/>
+                      </a:solidFill>
+                      <a:prstDash val="solid"/>
+                      <a:round/>
+                      <a:headEnd type="none" w="med" len="med"/>
+                      <a:tailEnd type="none" w="med" len="med"/>
+                    </a:lnL>
+                    <a:lnR w="12700" cap="flat" cmpd="sng" algn="ctr">
+                      <a:solidFill>
+                        <a:schemeClr val="tx1"/>
+                      </a:solidFill>
+                      <a:prstDash val="solid"/>
+                      <a:round/>
+                      <a:headEnd type="none" w="med" len="med"/>
+                      <a:tailEnd type="none" w="med" len="med"/>
+                    </a:lnR>
+                    <a:lnT w="12700" cap="flat" cmpd="sng" algn="ctr">
+                      <a:solidFill>
+                        <a:schemeClr val="tx1"/>
+                      </a:solidFill>
+                      <a:prstDash val="solid"/>
+                      <a:round/>
+                      <a:headEnd type="none" w="med" len="med"/>
+                      <a:tailEnd type="none" w="med" len="med"/>
+                    </a:lnT>
+                    <a:lnB w="12700" cap="flat" cmpd="sng" algn="ctr">
+                      <a:solidFill>
+                        <a:schemeClr val="tx1"/>
+                      </a:solidFill>
+                      <a:prstDash val="solid"/>
+                      <a:round/>
+                      <a:headEnd type="none" w="med" len="med"/>
+                      <a:tailEnd type="none" w="med" len="med"/>
+                    </a:lnB>
+                    <a:solidFill>
+                      <a:schemeClr val="accent2"/>
+                    </a:solidFill>
+                  </a:tcPr>
+                </a:tc>
+                <a:extLst>
+                  <a:ext uri="{0D108BD9-81ED-4DB2-BD59-A6C34878D82A}">
+                    <a16:rowId xmlns:a16="http://schemas.microsoft.com/office/drawing/2014/main" val="750636996"/>
+                  </a:ext>
+                </a:extLst>
+              </a:tr>
+              <a:tr h="370840">
+                <a:tc>
+                  <a:txBody>
+                    <a:bodyPr/>
+                    <a:lstStyle/>
+                    <a:p>
+                      <a:pPr/>
+                      <a:r>
+                        <a:rPr lang="en-US" dirty="0">
+                          <a:solidFill>
+                            <a:schemeClr val="bg1"/>
+                          </a:solidFill>
+                        </a:rPr>
+                        <a:t>27</a:t>
+                      </a:r>
+                    </a:p>
+                  </a:txBody>
+                  <a:tcPr>
+                    <a:lnL w="12700" cap="flat" cmpd="sng" algn="ctr">
+                      <a:solidFill>
+                        <a:schemeClr val="tx1"/>
+                      </a:solidFill>
+                      <a:prstDash val="solid"/>
+                      <a:round/>
+                      <a:headEnd type="none" w="med" len="med"/>
+                      <a:tailEnd type="none" w="med" len="med"/>
+                    </a:lnL>
+                    <a:lnR w="12700" cap="flat" cmpd="sng" algn="ctr">
+                      <a:solidFill>
+                        <a:schemeClr val="tx1"/>
+                      </a:solidFill>
+                      <a:prstDash val="solid"/>
+                      <a:round/>
+                      <a:headEnd type="none" w="med" len="med"/>
+                      <a:tailEnd type="none" w="med" len="med"/>
+                    </a:lnR>
+                    <a:lnT w="12700" cap="flat" cmpd="sng" algn="ctr">
+                      <a:solidFill>
+                        <a:schemeClr val="tx1"/>
+                      </a:solidFill>
+                      <a:prstDash val="solid"/>
+                      <a:round/>
+                      <a:headEnd type="none" w="med" len="med"/>
+                      <a:tailEnd type="none" w="med" len="med"/>
+                    </a:lnT>
+                    <a:lnB w="12700" cap="flat" cmpd="sng" algn="ctr">
+                      <a:solidFill>
+                        <a:schemeClr val="tx1"/>
+                      </a:solidFill>
+                      <a:prstDash val="solid"/>
+                      <a:round/>
+                      <a:headEnd type="none" w="med" len="med"/>
+                      <a:tailEnd type="none" w="med" len="med"/>
+                    </a:lnB>
+                    <a:solidFill>
+                      <a:schemeClr val="accent2"/>
+                    </a:solidFill>
+                  </a:tcPr>
+                </a:tc>
+                <a:tc>
+                  <a:txBody>
+                    <a:bodyPr/>
+                    <a:lstStyle/>
+                    <a:p>
+                      <a:pPr/>
+                      <a:r>
+                        <a:rPr lang="en-US" dirty="0">
+                          <a:solidFill>
+                            <a:schemeClr val="bg1"/>
+                          </a:solidFill>
+                        </a:rPr>
+                        <a:t>28</a:t>
+                      </a:r>
+                    </a:p>
+                  </a:txBody>
+                  <a:tcPr>
+                    <a:lnL w="12700" cap="flat" cmpd="sng" algn="ctr">
+                      <a:solidFill>
+                        <a:schemeClr val="tx1"/>
+                      </a:solidFill>
+                      <a:prstDash val="solid"/>
+                      <a:round/>
+                      <a:headEnd type="none" w="med" len="med"/>
+                      <a:tailEnd type="none" w="med" len="med"/>
+                    </a:lnL>
+                    <a:lnR w="12700" cap="flat" cmpd="sng" algn="ctr">
+                      <a:solidFill>
+                        <a:schemeClr val="tx1"/>
+                      </a:solidFill>
+                      <a:prstDash val="solid"/>
+                      <a:round/>
+                      <a:headEnd type="none" w="med" len="med"/>
+                      <a:tailEnd type="none" w="med" len="med"/>
+                    </a:lnR>
+                    <a:lnT w="12700" cap="flat" cmpd="sng" algn="ctr">
+                      <a:solidFill>
+                        <a:schemeClr val="tx1"/>
+                      </a:solidFill>
+                      <a:prstDash val="solid"/>
+                      <a:round/>
+                      <a:headEnd type="none" w="med" len="med"/>
+                      <a:tailEnd type="none" w="med" len="med"/>
+                    </a:lnT>
+                    <a:lnB w="12700" cap="flat" cmpd="sng" algn="ctr">
+                      <a:solidFill>
+                        <a:schemeClr val="tx1"/>
+                      </a:solidFill>
+                      <a:prstDash val="solid"/>
+                      <a:round/>
+                      <a:headEnd type="none" w="med" len="med"/>
+                      <a:tailEnd type="none" w="med" len="med"/>
+                    </a:lnB>
+                    <a:solidFill>
+                      <a:schemeClr val="accent2"/>
+                    </a:solidFill>
+                  </a:tcPr>
+                </a:tc>
+                <a:tc>
+                  <a:txBody>
+                    <a:bodyPr/>
+                    <a:lstStyle/>
+                    <a:p>
+                      <a:pPr/>
+                      <a:r>
+                        <a:rPr lang="en-US" dirty="0">
+                          <a:solidFill>
+                            <a:schemeClr val="bg1"/>
+                          </a:solidFill>
+                        </a:rPr>
+                        <a:t>29</a:t>
+                      </a:r>
+                    </a:p>
+                  </a:txBody>
+                  <a:tcPr>
+                    <a:lnL w="12700" cap="flat" cmpd="sng" algn="ctr">
+                      <a:solidFill>
+                        <a:schemeClr val="tx1"/>
+                      </a:solidFill>
+                      <a:prstDash val="solid"/>
+                      <a:round/>
+                      <a:headEnd type="none" w="med" len="med"/>
+                      <a:tailEnd type="none" w="med" len="med"/>
+                    </a:lnL>
+                    <a:lnR w="12700" cap="flat" cmpd="sng" algn="ctr">
+                      <a:solidFill>
+                        <a:schemeClr val="tx1"/>
+                      </a:solidFill>
+                      <a:prstDash val="solid"/>
+                      <a:round/>
+                      <a:headEnd type="none" w="med" len="med"/>
+                      <a:tailEnd type="none" w="med" len="med"/>
+                    </a:lnR>
+                    <a:lnT w="12700" cap="flat" cmpd="sng" algn="ctr">
+                      <a:solidFill>
+                        <a:schemeClr val="tx1"/>
+                      </a:solidFill>
+                      <a:prstDash val="solid"/>
+                      <a:round/>
+                      <a:headEnd type="none" w="med" len="med"/>
+                      <a:tailEnd type="none" w="med" len="med"/>
+                    </a:lnT>
+                    <a:lnB w="12700" cap="flat" cmpd="sng" algn="ctr">
+                      <a:solidFill>
+                        <a:schemeClr val="tx1"/>
+                      </a:solidFill>
+                      <a:prstDash val="solid"/>
+                      <a:round/>
+                      <a:headEnd type="none" w="med" len="med"/>
+                      <a:tailEnd type="none" w="med" len="med"/>
+                    </a:lnB>
+                    <a:solidFill>
+                      <a:schemeClr val="accent2"/>
+                    </a:solidFill>
+                  </a:tcPr>
+                </a:tc>
+                <a:extLst>
+                  <a:ext uri="{0D108BD9-81ED-4DB2-BD59-A6C34878D82A}">
+                    <a16:rowId xmlns:a16="http://schemas.microsoft.com/office/drawing/2014/main" val="3792294900"/>
+                  </a:ext>
+                </a:extLst>
+              </a:tr>
+              <a:tr h="370840">
+                <a:tc>
+                  <a:txBody>
+                    <a:bodyPr/>
+                    <a:lstStyle/>
+                    <a:p>
+                      <a:pPr/>
+                      <a:r>
+                        <a:rPr lang="en-US" dirty="0">
+                          <a:solidFill>
+                            <a:schemeClr val="bg1"/>
+                          </a:solidFill>
+                        </a:rPr>
+                        <a:t>39</a:t>
+                      </a:r>
+                    </a:p>
+                  </a:txBody>
+                  <a:tcPr>
+                    <a:lnL w="12700" cap="flat" cmpd="sng" algn="ctr">
+                      <a:solidFill>
+                        <a:schemeClr val="tx1"/>
+                      </a:solidFill>
+                      <a:prstDash val="solid"/>
+                      <a:round/>
+                      <a:headEnd type="none" w="med" len="med"/>
+                      <a:tailEnd type="none" w="med" len="med"/>
+                    </a:lnL>
+                    <a:lnR w="12700" cap="flat" cmpd="sng" algn="ctr">
+                      <a:solidFill>
+                        <a:schemeClr val="tx1"/>
+                      </a:solidFill>
+                      <a:prstDash val="solid"/>
+                      <a:round/>
+                      <a:headEnd type="none" w="med" len="med"/>
+                      <a:tailEnd type="none" w="med" len="med"/>
+                    </a:lnR>
+                    <a:lnT w="12700" cap="flat" cmpd="sng" algn="ctr">
+                      <a:solidFill>
+                        <a:schemeClr val="tx1"/>
+                      </a:solidFill>
+                      <a:prstDash val="solid"/>
+                      <a:round/>
+                      <a:headEnd type="none" w="med" len="med"/>
+                      <a:tailEnd type="none" w="med" len="med"/>
+                    </a:lnT>
+                    <a:lnB w="12700" cap="flat" cmpd="sng" algn="ctr">
+                      <a:solidFill>
+                        <a:schemeClr val="tx1"/>
+                      </a:solidFill>
+                      <a:prstDash val="solid"/>
+                      <a:round/>
+                      <a:headEnd type="none" w="med" len="med"/>
+                      <a:tailEnd type="none" w="med" len="med"/>
+                    </a:lnB>
+                    <a:solidFill>
+                      <a:schemeClr val="accent2"/>
+                    </a:solidFill>
+                  </a:tcPr>
+                </a:tc>
+                <a:tc>
+                  <a:txBody>
+                    <a:bodyPr/>
+                    <a:lstStyle/>
+                    <a:p>
+                      <a:pPr/>
+                      <a:r>
+                        <a:rPr lang="en-US" dirty="0">
+                          <a:solidFill>
+                            <a:schemeClr val="bg1"/>
+                          </a:solidFill>
+                        </a:rPr>
+                        <a:t>40</a:t>
+                      </a:r>
+                    </a:p>
+                  </a:txBody>
+                  <a:tcPr>
+                    <a:lnL w="12700" cap="flat" cmpd="sng" algn="ctr">
+                      <a:solidFill>
+                        <a:schemeClr val="tx1"/>
+                      </a:solidFill>
+                      <a:prstDash val="solid"/>
+                      <a:round/>
+                      <a:headEnd type="none" w="med" len="med"/>
+                      <a:tailEnd type="none" w="med" len="med"/>
+                    </a:lnL>
+                    <a:lnR w="12700" cap="flat" cmpd="sng" algn="ctr">
+                      <a:solidFill>
+                        <a:schemeClr val="tx1"/>
+                      </a:solidFill>
+                      <a:prstDash val="solid"/>
+                      <a:round/>
+                      <a:headEnd type="none" w="med" len="med"/>
+                      <a:tailEnd type="none" w="med" len="med"/>
+                    </a:lnR>
+                    <a:lnT w="12700" cap="flat" cmpd="sng" algn="ctr">
+                      <a:solidFill>
+                        <a:schemeClr val="tx1"/>
+                      </a:solidFill>
+                      <a:prstDash val="solid"/>
+                      <a:round/>
+                      <a:headEnd type="none" w="med" len="med"/>
+                      <a:tailEnd type="none" w="med" len="med"/>
+                    </a:lnT>
+                    <a:lnB w="12700" cap="flat" cmpd="sng" algn="ctr">
+                      <a:solidFill>
+                        <a:schemeClr val="tx1"/>
+                      </a:solidFill>
+                      <a:prstDash val="solid"/>
+                      <a:round/>
+                      <a:headEnd type="none" w="med" len="med"/>
+                      <a:tailEnd type="none" w="med" len="med"/>
+                    </a:lnB>
+                    <a:solidFill>
+                      <a:schemeClr val="accent2"/>
+                    </a:solidFill>
+                  </a:tcPr>
+                </a:tc>
+                <a:tc>
+                  <a:txBody>
+                    <a:bodyPr/>
+                    <a:lstStyle/>
+                    <a:p>
+                      <a:pPr/>
+                      <a:r>
+                        <a:rPr lang="en-US" dirty="0">
+                          <a:solidFill>
+                            <a:schemeClr val="bg1"/>
+                          </a:solidFill>
+                        </a:rPr>
+                        <a:t>41</a:t>
+                      </a:r>
+                    </a:p>
+                  </a:txBody>
+                  <a:tcPr>
+                    <a:lnL w="12700" cap="flat" cmpd="sng" algn="ctr">
+                      <a:solidFill>
+                        <a:schemeClr val="tx1"/>
+                      </a:solidFill>
+                      <a:prstDash val="solid"/>
+                      <a:round/>
+                      <a:headEnd type="none" w="med" len="med"/>
+                      <a:tailEnd type="none" w="med" len="med"/>
+                    </a:lnL>
+                    <a:lnR w="12700" cap="flat" cmpd="sng" algn="ctr">
+                      <a:solidFill>
+                        <a:schemeClr val="tx1"/>
+                      </a:solidFill>
+                      <a:prstDash val="solid"/>
+                      <a:round/>
+                      <a:headEnd type="none" w="med" len="med"/>
+                      <a:tailEnd type="none" w="med" len="med"/>
+                    </a:lnR>
+                    <a:lnT w="12700" cap="flat" cmpd="sng" algn="ctr">
+                      <a:solidFill>
+                        <a:schemeClr val="tx1"/>
+                      </a:solidFill>
+                      <a:prstDash val="solid"/>
+                      <a:round/>
+                      <a:headEnd type="none" w="med" len="med"/>
+                      <a:tailEnd type="none" w="med" len="med"/>
+                    </a:lnT>
+                    <a:lnB w="12700" cap="flat" cmpd="sng" algn="ctr">
+                      <a:solidFill>
+                        <a:schemeClr val="tx1"/>
+                      </a:solidFill>
+                      <a:prstDash val="solid"/>
+                      <a:round/>
+                      <a:headEnd type="none" w="med" len="med"/>
+                      <a:tailEnd type="none" w="med" len="med"/>
+                    </a:lnB>
+                    <a:solidFill>
+                      <a:schemeClr val="accent2"/>
+                    </a:solidFill>
+                  </a:tcPr>
+                </a:tc>
+                <a:extLst>
+                  <a:ext uri="{0D108BD9-81ED-4DB2-BD59-A6C34878D82A}">
+                    <a16:rowId xmlns:a16="http://schemas.microsoft.com/office/drawing/2014/main" val="4103855044"/>
+                  </a:ext>
+                </a:extLst>
+              </a:tr>
+            </a:tbl>
+          </a:graphicData>
+        </a:graphic>
+      </p:graphicFrame>
+      <p:graphicFrame>
+        <p:nvGraphicFramePr>
+          <p:cNvPr id="10" name="Table 9">
+            <a:extLst>
+              <a:ext uri="{FF2B5EF4-FFF2-40B4-BE49-F238E27FC236}">
+                <a16:creationId xmlns:a16="http://schemas.microsoft.com/office/drawing/2014/main" id="{5B537C07-DC1B-4704-A87B-6F34C607BE32}"/>
+              </a:ext>
+            </a:extLst>
+          </p:cNvPr>
+          <p:cNvGraphicFramePr>
+            <a:graphicFrameLocks noGrp="1"/>
+          </p:cNvGraphicFramePr>
+          <p:nvPr>
+            <p:extLst>
+              <p:ext uri="{D42A27DB-BD31-4B8C-83A1-F6EECF244321}">
+                <p14:modId xmlns:p14="http://schemas.microsoft.com/office/powerpoint/2010/main" val="603105612"/>
+              </p:ext>
+            </p:extLst>
+          </p:nvPr>
+        </p:nvGraphicFramePr>
+        <p:xfrm>
+          <a:off x="7470559" y="2419629"/>
+          <a:ext cx="1294296" cy="1112520"/>
+        </p:xfrm>
+        <a:graphic>
+          <a:graphicData uri="http://schemas.openxmlformats.org/drawingml/2006/table">
+            <a:tbl>
+              <a:tblPr firstRow="1" bandRow="1">
+                <a:tableStyleId>{D113A9D2-9D6B-4929-AA2D-F23B5EE8CBE7}</a:tableStyleId>
+              </a:tblPr>
+              <a:tblGrid>
+                <a:gridCol w="431432">
+                  <a:extLst>
+                    <a:ext uri="{9D8B030D-6E8A-4147-A177-3AD203B41FA5}">
+                      <a16:colId xmlns:a16="http://schemas.microsoft.com/office/drawing/2014/main" val="1038572778"/>
+                    </a:ext>
+                  </a:extLst>
+                </a:gridCol>
+                <a:gridCol w="431432">
+                  <a:extLst>
+                    <a:ext uri="{9D8B030D-6E8A-4147-A177-3AD203B41FA5}">
+                      <a16:colId xmlns:a16="http://schemas.microsoft.com/office/drawing/2014/main" val="2574731819"/>
+                    </a:ext>
+                  </a:extLst>
+                </a:gridCol>
+                <a:gridCol w="431432">
+                  <a:extLst>
+                    <a:ext uri="{9D8B030D-6E8A-4147-A177-3AD203B41FA5}">
+                      <a16:colId xmlns:a16="http://schemas.microsoft.com/office/drawing/2014/main" val="3702273779"/>
+                    </a:ext>
+                  </a:extLst>
+                </a:gridCol>
+              </a:tblGrid>
+              <a:tr h="370840">
+                <a:tc>
+                  <a:txBody>
+                    <a:bodyPr/>
+                    <a:lstStyle/>
+                    <a:p>
+                      <a:pPr/>
+                      <a:r>
+                        <a:rPr lang="en-US" b="0" dirty="0">
+                          <a:solidFill>
+                            <a:schemeClr val="bg1"/>
+                          </a:solidFill>
+                        </a:rPr>
+                        <a:t>18</a:t>
+                      </a:r>
+                    </a:p>
+                  </a:txBody>
+                  <a:tcPr>
+                    <a:lnL w="12700" cap="flat" cmpd="sng" algn="ctr">
+                      <a:solidFill>
+                        <a:schemeClr val="tx1"/>
+                      </a:solidFill>
+                      <a:prstDash val="solid"/>
+                      <a:round/>
+                      <a:headEnd type="none" w="med" len="med"/>
+                      <a:tailEnd type="none" w="med" len="med"/>
+                    </a:lnL>
+                    <a:lnR w="12700" cap="flat" cmpd="sng" algn="ctr">
+                      <a:solidFill>
+                        <a:schemeClr val="tx1"/>
+                      </a:solidFill>
+                      <a:prstDash val="solid"/>
+                      <a:round/>
+                      <a:headEnd type="none" w="med" len="med"/>
+                      <a:tailEnd type="none" w="med" len="med"/>
+                    </a:lnR>
+                    <a:lnT w="12700" cap="flat" cmpd="sng" algn="ctr">
+                      <a:solidFill>
+                        <a:schemeClr val="tx1"/>
+                      </a:solidFill>
+                      <a:prstDash val="solid"/>
+                      <a:round/>
+                      <a:headEnd type="none" w="med" len="med"/>
+                      <a:tailEnd type="none" w="med" len="med"/>
+                    </a:lnT>
+                    <a:lnB w="12700" cap="flat" cmpd="sng" algn="ctr">
+                      <a:solidFill>
+                        <a:schemeClr val="tx1"/>
+                      </a:solidFill>
+                      <a:prstDash val="solid"/>
+                      <a:round/>
+                      <a:headEnd type="none" w="med" len="med"/>
+                      <a:tailEnd type="none" w="med" len="med"/>
+                    </a:lnB>
+                    <a:solidFill>
+                      <a:srgbClr val="C00000"/>
+                    </a:solidFill>
+                  </a:tcPr>
+                </a:tc>
+                <a:tc>
+                  <a:txBody>
+                    <a:bodyPr/>
+                    <a:lstStyle/>
+                    <a:p>
+                      <a:pPr marL="0" marR="0" lvl="0" indent="0" algn="l" defTabSz="914400" rtl="0" eaLnBrk="1" fontAlgn="auto" latinLnBrk="0" hangingPunct="1">
+                        <a:lnSpc>
+                          <a:spcPct val="100000"/>
+                        </a:lnSpc>
+                        <a:spcBef>
+                          <a:spcPts val="0"/>
+                        </a:spcBef>
+                        <a:spcAft>
+                          <a:spcPts val="0"/>
+                        </a:spcAft>
+                        <a:buClrTx/>
+                        <a:buSzTx/>
+                        <a:buFontTx/>
+                        <a:buNone/>
+                        <a:tabLst/>
+                        <a:defRPr/>
+                      </a:pPr>
+                      <a:r>
+                        <a:rPr lang="en-US" b="0" dirty="0">
+                          <a:solidFill>
+                            <a:schemeClr val="bg1"/>
+                          </a:solidFill>
+                        </a:rPr>
+                        <a:t>19</a:t>
+                      </a:r>
+                    </a:p>
+                  </a:txBody>
+                  <a:tcPr>
+                    <a:lnL w="12700" cap="flat" cmpd="sng" algn="ctr">
+                      <a:solidFill>
+                        <a:schemeClr val="tx1"/>
+                      </a:solidFill>
+                      <a:prstDash val="solid"/>
+                      <a:round/>
+                      <a:headEnd type="none" w="med" len="med"/>
+                      <a:tailEnd type="none" w="med" len="med"/>
+                    </a:lnL>
+                    <a:lnR w="12700" cap="flat" cmpd="sng" algn="ctr">
+                      <a:solidFill>
+                        <a:schemeClr val="tx1"/>
+                      </a:solidFill>
+                      <a:prstDash val="solid"/>
+                      <a:round/>
+                      <a:headEnd type="none" w="med" len="med"/>
+                      <a:tailEnd type="none" w="med" len="med"/>
+                    </a:lnR>
+                    <a:lnT w="12700" cap="flat" cmpd="sng" algn="ctr">
+                      <a:solidFill>
+                        <a:schemeClr val="tx1"/>
+                      </a:solidFill>
+                      <a:prstDash val="solid"/>
+                      <a:round/>
+                      <a:headEnd type="none" w="med" len="med"/>
+                      <a:tailEnd type="none" w="med" len="med"/>
+                    </a:lnT>
+                    <a:lnB w="12700" cap="flat" cmpd="sng" algn="ctr">
+                      <a:solidFill>
+                        <a:schemeClr val="tx1"/>
+                      </a:solidFill>
+                      <a:prstDash val="solid"/>
+                      <a:round/>
+                      <a:headEnd type="none" w="med" len="med"/>
+                      <a:tailEnd type="none" w="med" len="med"/>
+                    </a:lnB>
+                    <a:solidFill>
+                      <a:srgbClr val="C00000"/>
+                    </a:solidFill>
+                  </a:tcPr>
+                </a:tc>
+                <a:tc>
+                  <a:txBody>
+                    <a:bodyPr/>
+                    <a:lstStyle/>
+                    <a:p>
+                      <a:pPr/>
+                      <a:r>
+                        <a:rPr lang="en-US" b="0" dirty="0">
+                          <a:solidFill>
+                            <a:schemeClr val="bg1"/>
+                          </a:solidFill>
+                        </a:rPr>
+                        <a:t>20</a:t>
+                      </a:r>
+                    </a:p>
+                  </a:txBody>
+                  <a:tcPr>
+                    <a:lnL w="12700" cap="flat" cmpd="sng" algn="ctr">
+                      <a:solidFill>
+                        <a:schemeClr val="tx1"/>
+                      </a:solidFill>
+                      <a:prstDash val="solid"/>
+                      <a:round/>
+                      <a:headEnd type="none" w="med" len="med"/>
+                      <a:tailEnd type="none" w="med" len="med"/>
+                    </a:lnL>
+                    <a:lnR w="12700" cap="flat" cmpd="sng" algn="ctr">
+                      <a:solidFill>
+                        <a:schemeClr val="tx1"/>
+                      </a:solidFill>
+                      <a:prstDash val="solid"/>
+                      <a:round/>
+                      <a:headEnd type="none" w="med" len="med"/>
+                      <a:tailEnd type="none" w="med" len="med"/>
+                    </a:lnR>
+                    <a:lnT w="12700" cap="flat" cmpd="sng" algn="ctr">
+                      <a:solidFill>
+                        <a:schemeClr val="tx1"/>
+                      </a:solidFill>
+                      <a:prstDash val="solid"/>
+                      <a:round/>
+                      <a:headEnd type="none" w="med" len="med"/>
+                      <a:tailEnd type="none" w="med" len="med"/>
+                    </a:lnT>
+                    <a:lnB w="12700" cap="flat" cmpd="sng" algn="ctr">
+                      <a:solidFill>
+                        <a:schemeClr val="tx1"/>
+                      </a:solidFill>
+                      <a:prstDash val="solid"/>
+                      <a:round/>
+                      <a:headEnd type="none" w="med" len="med"/>
+                      <a:tailEnd type="none" w="med" len="med"/>
+                    </a:lnB>
+                    <a:solidFill>
+                      <a:srgbClr val="C00000"/>
+                    </a:solidFill>
+                  </a:tcPr>
+                </a:tc>
+                <a:extLst>
+                  <a:ext uri="{0D108BD9-81ED-4DB2-BD59-A6C34878D82A}">
+                    <a16:rowId xmlns:a16="http://schemas.microsoft.com/office/drawing/2014/main" val="750636996"/>
+                  </a:ext>
+                </a:extLst>
+              </a:tr>
+              <a:tr h="370840">
+                <a:tc>
+                  <a:txBody>
+                    <a:bodyPr/>
+                    <a:lstStyle/>
+                    <a:p>
+                      <a:pPr/>
+                      <a:r>
+                        <a:rPr lang="en-US" dirty="0">
+                          <a:solidFill>
+                            <a:schemeClr val="bg1"/>
+                          </a:solidFill>
+                        </a:rPr>
+                        <a:t>30</a:t>
+                      </a:r>
+                    </a:p>
+                  </a:txBody>
+                  <a:tcPr>
+                    <a:lnL w="12700" cap="flat" cmpd="sng" algn="ctr">
+                      <a:solidFill>
+                        <a:schemeClr val="tx1"/>
+                      </a:solidFill>
+                      <a:prstDash val="solid"/>
+                      <a:round/>
+                      <a:headEnd type="none" w="med" len="med"/>
+                      <a:tailEnd type="none" w="med" len="med"/>
+                    </a:lnL>
+                    <a:lnR w="12700" cap="flat" cmpd="sng" algn="ctr">
+                      <a:solidFill>
+                        <a:schemeClr val="tx1"/>
+                      </a:solidFill>
+                      <a:prstDash val="solid"/>
+                      <a:round/>
+                      <a:headEnd type="none" w="med" len="med"/>
+                      <a:tailEnd type="none" w="med" len="med"/>
+                    </a:lnR>
+                    <a:lnT w="12700" cap="flat" cmpd="sng" algn="ctr">
+                      <a:solidFill>
+                        <a:schemeClr val="tx1"/>
+                      </a:solidFill>
+                      <a:prstDash val="solid"/>
+                      <a:round/>
+                      <a:headEnd type="none" w="med" len="med"/>
+                      <a:tailEnd type="none" w="med" len="med"/>
+                    </a:lnT>
+                    <a:lnB w="12700" cap="flat" cmpd="sng" algn="ctr">
+                      <a:solidFill>
+                        <a:schemeClr val="tx1"/>
+                      </a:solidFill>
+                      <a:prstDash val="solid"/>
+                      <a:round/>
+                      <a:headEnd type="none" w="med" len="med"/>
+                      <a:tailEnd type="none" w="med" len="med"/>
+                    </a:lnB>
+                    <a:solidFill>
+                      <a:srgbClr val="C00000"/>
+                    </a:solidFill>
+                  </a:tcPr>
+                </a:tc>
+                <a:tc>
+                  <a:txBody>
+                    <a:bodyPr/>
+                    <a:lstStyle/>
+                    <a:p>
+                      <a:pPr/>
+                      <a:r>
+                        <a:rPr lang="en-US" dirty="0">
+                          <a:solidFill>
+                            <a:schemeClr val="bg1"/>
+                          </a:solidFill>
+                        </a:rPr>
+                        <a:t>31</a:t>
+                      </a:r>
+                    </a:p>
+                  </a:txBody>
+                  <a:tcPr>
+                    <a:lnL w="12700" cap="flat" cmpd="sng" algn="ctr">
+                      <a:solidFill>
+                        <a:schemeClr val="tx1"/>
+                      </a:solidFill>
+                      <a:prstDash val="solid"/>
+                      <a:round/>
+                      <a:headEnd type="none" w="med" len="med"/>
+                      <a:tailEnd type="none" w="med" len="med"/>
+                    </a:lnL>
+                    <a:lnR w="12700" cap="flat" cmpd="sng" algn="ctr">
+                      <a:solidFill>
+                        <a:schemeClr val="tx1"/>
+                      </a:solidFill>
+                      <a:prstDash val="solid"/>
+                      <a:round/>
+                      <a:headEnd type="none" w="med" len="med"/>
+                      <a:tailEnd type="none" w="med" len="med"/>
+                    </a:lnR>
+                    <a:lnT w="12700" cap="flat" cmpd="sng" algn="ctr">
+                      <a:solidFill>
+                        <a:schemeClr val="tx1"/>
+                      </a:solidFill>
+                      <a:prstDash val="solid"/>
+                      <a:round/>
+                      <a:headEnd type="none" w="med" len="med"/>
+                      <a:tailEnd type="none" w="med" len="med"/>
+                    </a:lnT>
+                    <a:lnB w="12700" cap="flat" cmpd="sng" algn="ctr">
+                      <a:solidFill>
+                        <a:schemeClr val="tx1"/>
+                      </a:solidFill>
+                      <a:prstDash val="solid"/>
+                      <a:round/>
+                      <a:headEnd type="none" w="med" len="med"/>
+                      <a:tailEnd type="none" w="med" len="med"/>
+                    </a:lnB>
+                    <a:solidFill>
+                      <a:srgbClr val="C00000"/>
+                    </a:solidFill>
+                  </a:tcPr>
+                </a:tc>
+                <a:tc>
+                  <a:txBody>
+                    <a:bodyPr/>
+                    <a:lstStyle/>
+                    <a:p>
+                      <a:pPr/>
+                      <a:r>
+                        <a:rPr lang="en-US" dirty="0">
+                          <a:solidFill>
+                            <a:schemeClr val="bg1"/>
+                          </a:solidFill>
+                        </a:rPr>
+                        <a:t>32</a:t>
+                      </a:r>
+                    </a:p>
+                  </a:txBody>
+                  <a:tcPr>
+                    <a:lnL w="12700" cap="flat" cmpd="sng" algn="ctr">
+                      <a:solidFill>
+                        <a:schemeClr val="tx1"/>
+                      </a:solidFill>
+                      <a:prstDash val="solid"/>
+                      <a:round/>
+                      <a:headEnd type="none" w="med" len="med"/>
+                      <a:tailEnd type="none" w="med" len="med"/>
+                    </a:lnL>
+                    <a:lnR w="12700" cap="flat" cmpd="sng" algn="ctr">
+                      <a:solidFill>
+                        <a:schemeClr val="tx1"/>
+                      </a:solidFill>
+                      <a:prstDash val="solid"/>
+                      <a:round/>
+                      <a:headEnd type="none" w="med" len="med"/>
+                      <a:tailEnd type="none" w="med" len="med"/>
+                    </a:lnR>
+                    <a:lnT w="12700" cap="flat" cmpd="sng" algn="ctr">
+                      <a:solidFill>
+                        <a:schemeClr val="tx1"/>
+                      </a:solidFill>
+                      <a:prstDash val="solid"/>
+                      <a:round/>
+                      <a:headEnd type="none" w="med" len="med"/>
+                      <a:tailEnd type="none" w="med" len="med"/>
+                    </a:lnT>
+                    <a:lnB w="12700" cap="flat" cmpd="sng" algn="ctr">
+                      <a:solidFill>
+                        <a:schemeClr val="tx1"/>
+                      </a:solidFill>
+                      <a:prstDash val="solid"/>
+                      <a:round/>
+                      <a:headEnd type="none" w="med" len="med"/>
+                      <a:tailEnd type="none" w="med" len="med"/>
+                    </a:lnB>
+                    <a:solidFill>
+                      <a:srgbClr val="C00000"/>
+                    </a:solidFill>
+                  </a:tcPr>
+                </a:tc>
+                <a:extLst>
+                  <a:ext uri="{0D108BD9-81ED-4DB2-BD59-A6C34878D82A}">
+                    <a16:rowId xmlns:a16="http://schemas.microsoft.com/office/drawing/2014/main" val="3792294900"/>
+                  </a:ext>
+                </a:extLst>
+              </a:tr>
+              <a:tr h="370840">
+                <a:tc>
+                  <a:txBody>
+                    <a:bodyPr/>
+                    <a:lstStyle/>
+                    <a:p>
+                      <a:pPr/>
+                      <a:r>
+                        <a:rPr lang="en-US" dirty="0">
+                          <a:solidFill>
+                            <a:schemeClr val="bg1"/>
+                          </a:solidFill>
+                        </a:rPr>
+                        <a:t>42</a:t>
+                      </a:r>
+                    </a:p>
+                  </a:txBody>
+                  <a:tcPr>
+                    <a:lnL w="12700" cap="flat" cmpd="sng" algn="ctr">
+                      <a:solidFill>
+                        <a:schemeClr val="tx1"/>
+                      </a:solidFill>
+                      <a:prstDash val="solid"/>
+                      <a:round/>
+                      <a:headEnd type="none" w="med" len="med"/>
+                      <a:tailEnd type="none" w="med" len="med"/>
+                    </a:lnL>
+                    <a:lnR w="12700" cap="flat" cmpd="sng" algn="ctr">
+                      <a:solidFill>
+                        <a:schemeClr val="tx1"/>
+                      </a:solidFill>
+                      <a:prstDash val="solid"/>
+                      <a:round/>
+                      <a:headEnd type="none" w="med" len="med"/>
+                      <a:tailEnd type="none" w="med" len="med"/>
+                    </a:lnR>
+                    <a:lnT w="12700" cap="flat" cmpd="sng" algn="ctr">
+                      <a:solidFill>
+                        <a:schemeClr val="tx1"/>
+                      </a:solidFill>
+                      <a:prstDash val="solid"/>
+                      <a:round/>
+                      <a:headEnd type="none" w="med" len="med"/>
+                      <a:tailEnd type="none" w="med" len="med"/>
+                    </a:lnT>
+                    <a:lnB w="12700" cap="flat" cmpd="sng" algn="ctr">
+                      <a:solidFill>
+                        <a:schemeClr val="tx1"/>
+                      </a:solidFill>
+                      <a:prstDash val="solid"/>
+                      <a:round/>
+                      <a:headEnd type="none" w="med" len="med"/>
+                      <a:tailEnd type="none" w="med" len="med"/>
+                    </a:lnB>
+                    <a:solidFill>
+                      <a:srgbClr val="C00000"/>
+                    </a:solidFill>
+                  </a:tcPr>
+                </a:tc>
+                <a:tc>
+                  <a:txBody>
+                    <a:bodyPr/>
+                    <a:lstStyle/>
+                    <a:p>
+                      <a:pPr/>
+                      <a:r>
+                        <a:rPr lang="en-US" dirty="0">
+                          <a:solidFill>
+                            <a:schemeClr val="bg1"/>
+                          </a:solidFill>
+                        </a:rPr>
+                        <a:t>43</a:t>
+                      </a:r>
+                    </a:p>
+                  </a:txBody>
+                  <a:tcPr>
+                    <a:lnL w="12700" cap="flat" cmpd="sng" algn="ctr">
+                      <a:solidFill>
+                        <a:schemeClr val="tx1"/>
+                      </a:solidFill>
+                      <a:prstDash val="solid"/>
+                      <a:round/>
+                      <a:headEnd type="none" w="med" len="med"/>
+                      <a:tailEnd type="none" w="med" len="med"/>
+                    </a:lnL>
+                    <a:lnR w="12700" cap="flat" cmpd="sng" algn="ctr">
+                      <a:solidFill>
+                        <a:schemeClr val="tx1"/>
+                      </a:solidFill>
+                      <a:prstDash val="solid"/>
+                      <a:round/>
+                      <a:headEnd type="none" w="med" len="med"/>
+                      <a:tailEnd type="none" w="med" len="med"/>
+                    </a:lnR>
+                    <a:lnT w="12700" cap="flat" cmpd="sng" algn="ctr">
+                      <a:solidFill>
+                        <a:schemeClr val="tx1"/>
+                      </a:solidFill>
+                      <a:prstDash val="solid"/>
+                      <a:round/>
+                      <a:headEnd type="none" w="med" len="med"/>
+                      <a:tailEnd type="none" w="med" len="med"/>
+                    </a:lnT>
+                    <a:lnB w="12700" cap="flat" cmpd="sng" algn="ctr">
+                      <a:solidFill>
+                        <a:schemeClr val="tx1"/>
+                      </a:solidFill>
+                      <a:prstDash val="solid"/>
+                      <a:round/>
+                      <a:headEnd type="none" w="med" len="med"/>
+                      <a:tailEnd type="none" w="med" len="med"/>
+                    </a:lnB>
+                    <a:solidFill>
+                      <a:srgbClr val="C00000"/>
+                    </a:solidFill>
+                  </a:tcPr>
+                </a:tc>
+                <a:tc>
+                  <a:txBody>
+                    <a:bodyPr/>
+                    <a:lstStyle/>
+                    <a:p>
+                      <a:pPr/>
+                      <a:r>
+                        <a:rPr lang="en-US" dirty="0">
+                          <a:solidFill>
+                            <a:schemeClr val="bg1"/>
+                          </a:solidFill>
+                        </a:rPr>
+                        <a:t>44</a:t>
+                      </a:r>
+                    </a:p>
+                  </a:txBody>
+                  <a:tcPr>
+                    <a:lnL w="12700" cap="flat" cmpd="sng" algn="ctr">
+                      <a:solidFill>
+                        <a:schemeClr val="tx1"/>
+                      </a:solidFill>
+                      <a:prstDash val="solid"/>
+                      <a:round/>
+                      <a:headEnd type="none" w="med" len="med"/>
+                      <a:tailEnd type="none" w="med" len="med"/>
+                    </a:lnL>
+                    <a:lnR w="12700" cap="flat" cmpd="sng" algn="ctr">
+                      <a:solidFill>
+                        <a:schemeClr val="tx1"/>
+                      </a:solidFill>
+                      <a:prstDash val="solid"/>
+                      <a:round/>
+                      <a:headEnd type="none" w="med" len="med"/>
+                      <a:tailEnd type="none" w="med" len="med"/>
+                    </a:lnR>
+                    <a:lnT w="12700" cap="flat" cmpd="sng" algn="ctr">
+                      <a:solidFill>
+                        <a:schemeClr val="tx1"/>
+                      </a:solidFill>
+                      <a:prstDash val="solid"/>
+                      <a:round/>
+                      <a:headEnd type="none" w="med" len="med"/>
+                      <a:tailEnd type="none" w="med" len="med"/>
+                    </a:lnT>
+                    <a:lnB w="12700" cap="flat" cmpd="sng" algn="ctr">
+                      <a:solidFill>
+                        <a:schemeClr val="tx1"/>
+                      </a:solidFill>
+                      <a:prstDash val="solid"/>
+                      <a:round/>
+                      <a:headEnd type="none" w="med" len="med"/>
+                      <a:tailEnd type="none" w="med" len="med"/>
+                    </a:lnB>
+                    <a:solidFill>
+                      <a:srgbClr val="C00000"/>
+                    </a:solidFill>
+                  </a:tcPr>
+                </a:tc>
+                <a:extLst>
+                  <a:ext uri="{0D108BD9-81ED-4DB2-BD59-A6C34878D82A}">
+                    <a16:rowId xmlns:a16="http://schemas.microsoft.com/office/drawing/2014/main" val="4103855044"/>
+                  </a:ext>
+                </a:extLst>
+              </a:tr>
+            </a:tbl>
+          </a:graphicData>
+        </a:graphic>
+      </p:graphicFrame>
+      <p:grpSp>
+        <p:nvGrpSpPr>
+          <p:cNvPr id="3" name="Group 2">
+            <a:extLst>
+              <a:ext uri="{FF2B5EF4-FFF2-40B4-BE49-F238E27FC236}">
+                <a16:creationId xmlns:a16="http://schemas.microsoft.com/office/drawing/2014/main" id="{170D8156-D5B4-4940-A4DF-DD72FEBCE16F}"/>
+              </a:ext>
+            </a:extLst>
+          </p:cNvPr>
+          <p:cNvGrpSpPr/>
+          <p:nvPr/>
+        </p:nvGrpSpPr>
+        <p:grpSpPr>
+          <a:xfrm rot="5400000">
+            <a:off x="3627088" y="1330081"/>
+            <a:ext cx="1099843" cy="971678"/>
+            <a:chOff x="3541403" y="5827381"/>
+            <a:chExt cx="1099843" cy="971678"/>
+          </a:xfrm>
+        </p:grpSpPr>
+        <p:cxnSp>
+          <p:nvCxnSpPr>
+            <p:cNvPr id="27" name="Straight Arrow Connector 26">
+              <a:extLst>
+                <a:ext uri="{FF2B5EF4-FFF2-40B4-BE49-F238E27FC236}">
+                  <a16:creationId xmlns:a16="http://schemas.microsoft.com/office/drawing/2014/main" id="{F891BEFB-215F-40EB-9A06-AE09C9D5F1EB}"/>
+                </a:ext>
+              </a:extLst>
+            </p:cNvPr>
+            <p:cNvCxnSpPr>
+              <a:cxnSpLocks/>
+            </p:cNvCxnSpPr>
+            <p:nvPr/>
+          </p:nvCxnSpPr>
+          <p:spPr>
+            <a:xfrm flipH="1" flipV="1">
+              <a:off x="4331512" y="5827381"/>
+              <a:ext cx="300856" cy="288098"/>
+            </a:xfrm>
+            <a:prstGeom prst="straightConnector1">
+              <a:avLst/>
+            </a:prstGeom>
+            <a:ln>
+              <a:solidFill>
+                <a:schemeClr val="tx1"/>
+              </a:solidFill>
+              <a:headEnd type="triangle"/>
+              <a:tailEnd type="triangle"/>
+            </a:ln>
+          </p:spPr>
+          <p:style>
+            <a:lnRef idx="1">
+              <a:schemeClr val="accent1"/>
+            </a:lnRef>
+            <a:fillRef idx="0">
+              <a:schemeClr val="accent1"/>
+            </a:fillRef>
+            <a:effectRef idx="0">
+              <a:schemeClr val="accent1"/>
+            </a:effectRef>
+            <a:fontRef idx="minor">
+              <a:schemeClr val="tx1"/>
+            </a:fontRef>
+          </p:style>
+        </p:cxnSp>
+        <p:cxnSp>
+          <p:nvCxnSpPr>
+            <p:cNvPr id="29" name="Straight Arrow Connector 28">
+              <a:extLst>
+                <a:ext uri="{FF2B5EF4-FFF2-40B4-BE49-F238E27FC236}">
+                  <a16:creationId xmlns:a16="http://schemas.microsoft.com/office/drawing/2014/main" id="{FCB61BF2-1DE9-46F3-A874-15673E6A3545}"/>
+                </a:ext>
+              </a:extLst>
+            </p:cNvPr>
+            <p:cNvCxnSpPr>
+              <a:cxnSpLocks/>
+            </p:cNvCxnSpPr>
+            <p:nvPr/>
+          </p:nvCxnSpPr>
+          <p:spPr>
+            <a:xfrm flipH="1" flipV="1">
+              <a:off x="3913835" y="5827381"/>
+              <a:ext cx="727411" cy="645021"/>
+            </a:xfrm>
+            <a:prstGeom prst="straightConnector1">
+              <a:avLst/>
+            </a:prstGeom>
+            <a:ln>
+              <a:solidFill>
+                <a:schemeClr val="tx1"/>
+              </a:solidFill>
+              <a:headEnd type="triangle"/>
+              <a:tailEnd type="triangle"/>
+            </a:ln>
+          </p:spPr>
+          <p:style>
+            <a:lnRef idx="1">
+              <a:schemeClr val="accent1"/>
+            </a:lnRef>
+            <a:fillRef idx="0">
+              <a:schemeClr val="accent1"/>
+            </a:fillRef>
+            <a:effectRef idx="0">
+              <a:schemeClr val="accent1"/>
+            </a:effectRef>
+            <a:fontRef idx="minor">
+              <a:schemeClr val="tx1"/>
+            </a:fontRef>
+          </p:style>
+        </p:cxnSp>
+        <p:cxnSp>
+          <p:nvCxnSpPr>
+            <p:cNvPr id="32" name="Straight Arrow Connector 31">
+              <a:extLst>
+                <a:ext uri="{FF2B5EF4-FFF2-40B4-BE49-F238E27FC236}">
+                  <a16:creationId xmlns:a16="http://schemas.microsoft.com/office/drawing/2014/main" id="{CFD2D2E9-54BB-48AE-A20A-A61A5872CE8C}"/>
+                </a:ext>
+              </a:extLst>
+            </p:cNvPr>
+            <p:cNvCxnSpPr>
+              <a:cxnSpLocks/>
+            </p:cNvCxnSpPr>
+            <p:nvPr/>
+          </p:nvCxnSpPr>
+          <p:spPr>
+            <a:xfrm flipH="1" flipV="1">
+              <a:off x="3541403" y="5827382"/>
+              <a:ext cx="1090965" cy="971677"/>
+            </a:xfrm>
+            <a:prstGeom prst="straightConnector1">
+              <a:avLst/>
+            </a:prstGeom>
+            <a:ln>
+              <a:solidFill>
+                <a:schemeClr val="tx1"/>
+              </a:solidFill>
+              <a:headEnd type="triangle"/>
+              <a:tailEnd type="triangle"/>
+            </a:ln>
+          </p:spPr>
+          <p:style>
+            <a:lnRef idx="1">
+              <a:schemeClr val="accent1"/>
+            </a:lnRef>
+            <a:fillRef idx="0">
+              <a:schemeClr val="accent1"/>
+            </a:fillRef>
+            <a:effectRef idx="0">
+              <a:schemeClr val="accent1"/>
+            </a:effectRef>
+            <a:fontRef idx="minor">
+              <a:schemeClr val="tx1"/>
+            </a:fontRef>
+          </p:style>
+        </p:cxnSp>
+      </p:grpSp>
+      <p:grpSp>
+        <p:nvGrpSpPr>
+          <p:cNvPr id="5" name="Group 4">
+            <a:extLst>
+              <a:ext uri="{FF2B5EF4-FFF2-40B4-BE49-F238E27FC236}">
+                <a16:creationId xmlns:a16="http://schemas.microsoft.com/office/drawing/2014/main" id="{58049AC6-A9EC-4100-9902-B87AF6C7320B}"/>
+              </a:ext>
+            </a:extLst>
+          </p:cNvPr>
+          <p:cNvGrpSpPr/>
+          <p:nvPr/>
+        </p:nvGrpSpPr>
+        <p:grpSpPr>
+          <a:xfrm>
+            <a:off x="6065451" y="3571862"/>
+            <a:ext cx="1034875" cy="1112521"/>
+            <a:chOff x="10110648" y="2288816"/>
+            <a:chExt cx="1034875" cy="1112521"/>
+          </a:xfrm>
+        </p:grpSpPr>
+        <p:cxnSp>
+          <p:nvCxnSpPr>
+            <p:cNvPr id="37" name="Straight Arrow Connector 36">
+              <a:extLst>
+                <a:ext uri="{FF2B5EF4-FFF2-40B4-BE49-F238E27FC236}">
+                  <a16:creationId xmlns:a16="http://schemas.microsoft.com/office/drawing/2014/main" id="{F679B6A0-1F28-47FA-B381-11DAA2BB46F3}"/>
+                </a:ext>
+              </a:extLst>
+            </p:cNvPr>
+            <p:cNvCxnSpPr>
+              <a:cxnSpLocks/>
+            </p:cNvCxnSpPr>
+            <p:nvPr/>
+          </p:nvCxnSpPr>
+          <p:spPr>
+            <a:xfrm rot="16200000" flipH="1" flipV="1">
+              <a:off x="10111904" y="2296540"/>
+              <a:ext cx="304324" cy="306835"/>
+            </a:xfrm>
+            <a:prstGeom prst="straightConnector1">
+              <a:avLst/>
+            </a:prstGeom>
+            <a:ln>
+              <a:solidFill>
+                <a:schemeClr val="tx1"/>
+              </a:solidFill>
+              <a:headEnd type="triangle"/>
+              <a:tailEnd type="triangle"/>
+            </a:ln>
+          </p:spPr>
+          <p:style>
+            <a:lnRef idx="1">
+              <a:schemeClr val="accent1"/>
+            </a:lnRef>
+            <a:fillRef idx="0">
+              <a:schemeClr val="accent1"/>
+            </a:fillRef>
+            <a:effectRef idx="0">
+              <a:schemeClr val="accent1"/>
+            </a:effectRef>
+            <a:fontRef idx="minor">
+              <a:schemeClr val="tx1"/>
+            </a:fontRef>
+          </p:style>
+        </p:cxnSp>
+        <p:cxnSp>
+          <p:nvCxnSpPr>
+            <p:cNvPr id="38" name="Straight Arrow Connector 37">
+              <a:extLst>
+                <a:ext uri="{FF2B5EF4-FFF2-40B4-BE49-F238E27FC236}">
+                  <a16:creationId xmlns:a16="http://schemas.microsoft.com/office/drawing/2014/main" id="{51569516-B505-4F0C-AF13-BFC12C1D902B}"/>
+                </a:ext>
+              </a:extLst>
+            </p:cNvPr>
+            <p:cNvCxnSpPr>
+              <a:cxnSpLocks/>
+            </p:cNvCxnSpPr>
+            <p:nvPr/>
+          </p:nvCxnSpPr>
+          <p:spPr>
+            <a:xfrm rot="16200000" flipH="1" flipV="1">
+              <a:off x="10086236" y="2313228"/>
+              <a:ext cx="735796" cy="686972"/>
+            </a:xfrm>
+            <a:prstGeom prst="straightConnector1">
+              <a:avLst/>
+            </a:prstGeom>
+            <a:ln>
+              <a:solidFill>
+                <a:schemeClr val="tx1"/>
+              </a:solidFill>
+              <a:headEnd type="triangle"/>
+              <a:tailEnd type="triangle"/>
+            </a:ln>
+          </p:spPr>
+          <p:style>
+            <a:lnRef idx="1">
+              <a:schemeClr val="accent1"/>
+            </a:lnRef>
+            <a:fillRef idx="0">
+              <a:schemeClr val="accent1"/>
+            </a:fillRef>
+            <a:effectRef idx="0">
+              <a:schemeClr val="accent1"/>
+            </a:effectRef>
+            <a:fontRef idx="minor">
+              <a:schemeClr val="tx1"/>
+            </a:fontRef>
+          </p:style>
+        </p:cxnSp>
+        <p:cxnSp>
+          <p:nvCxnSpPr>
+            <p:cNvPr id="39" name="Straight Arrow Connector 38">
+              <a:extLst>
+                <a:ext uri="{FF2B5EF4-FFF2-40B4-BE49-F238E27FC236}">
+                  <a16:creationId xmlns:a16="http://schemas.microsoft.com/office/drawing/2014/main" id="{44570EF2-884B-4A7C-8DE5-A98EC53633A5}"/>
+                </a:ext>
+              </a:extLst>
+            </p:cNvPr>
+            <p:cNvCxnSpPr>
+              <a:cxnSpLocks/>
+            </p:cNvCxnSpPr>
+            <p:nvPr/>
+          </p:nvCxnSpPr>
+          <p:spPr>
+            <a:xfrm rot="16200000" flipH="1" flipV="1">
+              <a:off x="10076316" y="2332130"/>
+              <a:ext cx="1103541" cy="1034873"/>
+            </a:xfrm>
+            <a:prstGeom prst="straightConnector1">
+              <a:avLst/>
+            </a:prstGeom>
+            <a:ln>
+              <a:solidFill>
+                <a:schemeClr val="tx1"/>
+              </a:solidFill>
+              <a:headEnd type="triangle"/>
+              <a:tailEnd type="triangle"/>
+            </a:ln>
+          </p:spPr>
+          <p:style>
+            <a:lnRef idx="1">
+              <a:schemeClr val="accent1"/>
+            </a:lnRef>
+            <a:fillRef idx="0">
+              <a:schemeClr val="accent1"/>
+            </a:fillRef>
+            <a:effectRef idx="0">
+              <a:schemeClr val="accent1"/>
+            </a:effectRef>
+            <a:fontRef idx="minor">
+              <a:schemeClr val="tx1"/>
+            </a:fontRef>
+          </p:style>
+        </p:cxnSp>
+      </p:grpSp>
+      <p:grpSp>
+        <p:nvGrpSpPr>
+          <p:cNvPr id="2" name="Group 1">
+            <a:extLst>
+              <a:ext uri="{FF2B5EF4-FFF2-40B4-BE49-F238E27FC236}">
+                <a16:creationId xmlns:a16="http://schemas.microsoft.com/office/drawing/2014/main" id="{0B7E1768-09A6-45D8-A49D-3E032CFE5D09}"/>
+              </a:ext>
+            </a:extLst>
+          </p:cNvPr>
+          <p:cNvGrpSpPr/>
+          <p:nvPr/>
+        </p:nvGrpSpPr>
+        <p:grpSpPr>
+          <a:xfrm rot="16200000">
+            <a:off x="3635966" y="3507779"/>
+            <a:ext cx="971678" cy="1099843"/>
+            <a:chOff x="3635966" y="3558579"/>
+            <a:chExt cx="971678" cy="1099843"/>
+          </a:xfrm>
+        </p:grpSpPr>
+        <p:cxnSp>
+          <p:nvCxnSpPr>
+            <p:cNvPr id="41" name="Straight Arrow Connector 40">
+              <a:extLst>
+                <a:ext uri="{FF2B5EF4-FFF2-40B4-BE49-F238E27FC236}">
+                  <a16:creationId xmlns:a16="http://schemas.microsoft.com/office/drawing/2014/main" id="{FAA098AC-A70D-48AB-9BBD-F0012C1F725A}"/>
+                </a:ext>
+              </a:extLst>
+            </p:cNvPr>
+            <p:cNvCxnSpPr>
+              <a:cxnSpLocks/>
+            </p:cNvCxnSpPr>
+            <p:nvPr/>
+          </p:nvCxnSpPr>
+          <p:spPr>
+            <a:xfrm rot="5400000" flipH="1" flipV="1">
+              <a:off x="4313167" y="4355067"/>
+              <a:ext cx="300856" cy="288098"/>
+            </a:xfrm>
+            <a:prstGeom prst="straightConnector1">
+              <a:avLst/>
+            </a:prstGeom>
+            <a:ln>
+              <a:solidFill>
+                <a:schemeClr val="tx1"/>
+              </a:solidFill>
+              <a:headEnd type="triangle"/>
+              <a:tailEnd type="triangle"/>
+            </a:ln>
+          </p:spPr>
+          <p:style>
+            <a:lnRef idx="1">
+              <a:schemeClr val="accent1"/>
+            </a:lnRef>
+            <a:fillRef idx="0">
+              <a:schemeClr val="accent1"/>
+            </a:fillRef>
+            <a:effectRef idx="0">
+              <a:schemeClr val="accent1"/>
+            </a:effectRef>
+            <a:fontRef idx="minor">
+              <a:schemeClr val="tx1"/>
+            </a:fontRef>
+          </p:style>
+        </p:cxnSp>
+        <p:cxnSp>
+          <p:nvCxnSpPr>
+            <p:cNvPr id="42" name="Straight Arrow Connector 41">
+              <a:extLst>
+                <a:ext uri="{FF2B5EF4-FFF2-40B4-BE49-F238E27FC236}">
+                  <a16:creationId xmlns:a16="http://schemas.microsoft.com/office/drawing/2014/main" id="{D3964F71-B1B2-40B7-9A1E-EBBF714F2ABE}"/>
+                </a:ext>
+              </a:extLst>
+            </p:cNvPr>
+            <p:cNvCxnSpPr>
+              <a:cxnSpLocks/>
+            </p:cNvCxnSpPr>
+            <p:nvPr/>
+          </p:nvCxnSpPr>
+          <p:spPr>
+            <a:xfrm rot="5400000" flipH="1" flipV="1">
+              <a:off x="3921428" y="3972206"/>
+              <a:ext cx="727411" cy="645021"/>
+            </a:xfrm>
+            <a:prstGeom prst="straightConnector1">
+              <a:avLst/>
+            </a:prstGeom>
+            <a:ln>
+              <a:solidFill>
+                <a:schemeClr val="tx1"/>
+              </a:solidFill>
+              <a:headEnd type="triangle"/>
+              <a:tailEnd type="triangle"/>
+            </a:ln>
+          </p:spPr>
+          <p:style>
+            <a:lnRef idx="1">
+              <a:schemeClr val="accent1"/>
+            </a:lnRef>
+            <a:fillRef idx="0">
+              <a:schemeClr val="accent1"/>
+            </a:fillRef>
+            <a:effectRef idx="0">
+              <a:schemeClr val="accent1"/>
+            </a:effectRef>
+            <a:fontRef idx="minor">
+              <a:schemeClr val="tx1"/>
+            </a:fontRef>
+          </p:style>
+        </p:cxnSp>
+        <p:cxnSp>
+          <p:nvCxnSpPr>
+            <p:cNvPr id="43" name="Straight Arrow Connector 42">
+              <a:extLst>
+                <a:ext uri="{FF2B5EF4-FFF2-40B4-BE49-F238E27FC236}">
+                  <a16:creationId xmlns:a16="http://schemas.microsoft.com/office/drawing/2014/main" id="{8459B10C-73CB-4483-A3C5-B9556B800C53}"/>
+                </a:ext>
+              </a:extLst>
+            </p:cNvPr>
+            <p:cNvCxnSpPr>
+              <a:cxnSpLocks/>
+            </p:cNvCxnSpPr>
+            <p:nvPr/>
+          </p:nvCxnSpPr>
+          <p:spPr>
+            <a:xfrm rot="5400000" flipH="1" flipV="1">
+              <a:off x="3576322" y="3618223"/>
+              <a:ext cx="1090965" cy="971677"/>
+            </a:xfrm>
+            <a:prstGeom prst="straightConnector1">
+              <a:avLst/>
+            </a:prstGeom>
+            <a:ln>
+              <a:solidFill>
+                <a:schemeClr val="tx1"/>
+              </a:solidFill>
+              <a:headEnd type="triangle"/>
+              <a:tailEnd type="triangle"/>
+            </a:ln>
+          </p:spPr>
+          <p:style>
+            <a:lnRef idx="1">
+              <a:schemeClr val="accent1"/>
+            </a:lnRef>
+            <a:fillRef idx="0">
+              <a:schemeClr val="accent1"/>
+            </a:fillRef>
+            <a:effectRef idx="0">
+              <a:schemeClr val="accent1"/>
+            </a:effectRef>
+            <a:fontRef idx="minor">
+              <a:schemeClr val="tx1"/>
+            </a:fontRef>
+          </p:style>
+        </p:cxnSp>
+      </p:grpSp>
+      <p:grpSp>
+        <p:nvGrpSpPr>
+          <p:cNvPr id="11" name="Group 10">
+            <a:extLst>
+              <a:ext uri="{FF2B5EF4-FFF2-40B4-BE49-F238E27FC236}">
+                <a16:creationId xmlns:a16="http://schemas.microsoft.com/office/drawing/2014/main" id="{6E2EA53B-C502-49A0-9903-BAA48762D534}"/>
+              </a:ext>
+            </a:extLst>
+          </p:cNvPr>
+          <p:cNvGrpSpPr/>
+          <p:nvPr/>
+        </p:nvGrpSpPr>
+        <p:grpSpPr>
+          <a:xfrm>
+            <a:off x="6065451" y="1374751"/>
+            <a:ext cx="1099843" cy="971678"/>
+            <a:chOff x="10074283" y="117698"/>
+            <a:chExt cx="1099843" cy="971678"/>
+          </a:xfrm>
+        </p:grpSpPr>
+        <p:cxnSp>
+          <p:nvCxnSpPr>
+            <p:cNvPr id="46" name="Straight Arrow Connector 45">
+              <a:extLst>
+                <a:ext uri="{FF2B5EF4-FFF2-40B4-BE49-F238E27FC236}">
+                  <a16:creationId xmlns:a16="http://schemas.microsoft.com/office/drawing/2014/main" id="{ECAFAB99-2EB6-4F5A-8711-C4891F9C884E}"/>
+                </a:ext>
+              </a:extLst>
+            </p:cNvPr>
+            <p:cNvCxnSpPr>
+              <a:cxnSpLocks/>
+            </p:cNvCxnSpPr>
+            <p:nvPr/>
+          </p:nvCxnSpPr>
+          <p:spPr>
+            <a:xfrm rot="10800000" flipH="1" flipV="1">
+              <a:off x="10083161" y="801278"/>
+              <a:ext cx="300856" cy="288098"/>
+            </a:xfrm>
+            <a:prstGeom prst="straightConnector1">
+              <a:avLst/>
+            </a:prstGeom>
+            <a:ln>
+              <a:solidFill>
+                <a:schemeClr val="tx1"/>
+              </a:solidFill>
+              <a:headEnd type="triangle"/>
+              <a:tailEnd type="triangle"/>
+            </a:ln>
+          </p:spPr>
+          <p:style>
+            <a:lnRef idx="1">
+              <a:schemeClr val="accent1"/>
+            </a:lnRef>
+            <a:fillRef idx="0">
+              <a:schemeClr val="accent1"/>
+            </a:fillRef>
+            <a:effectRef idx="0">
+              <a:schemeClr val="accent1"/>
+            </a:effectRef>
+            <a:fontRef idx="minor">
+              <a:schemeClr val="tx1"/>
+            </a:fontRef>
+          </p:style>
+        </p:cxnSp>
+        <p:cxnSp>
+          <p:nvCxnSpPr>
+            <p:cNvPr id="47" name="Straight Arrow Connector 46">
+              <a:extLst>
+                <a:ext uri="{FF2B5EF4-FFF2-40B4-BE49-F238E27FC236}">
+                  <a16:creationId xmlns:a16="http://schemas.microsoft.com/office/drawing/2014/main" id="{24BCBEFA-C448-4384-9752-22B5CDE8B759}"/>
+                </a:ext>
+              </a:extLst>
+            </p:cNvPr>
+            <p:cNvCxnSpPr>
+              <a:cxnSpLocks/>
+            </p:cNvCxnSpPr>
+            <p:nvPr/>
+          </p:nvCxnSpPr>
+          <p:spPr>
+            <a:xfrm rot="10800000" flipH="1" flipV="1">
+              <a:off x="10074283" y="444355"/>
+              <a:ext cx="727411" cy="645021"/>
+            </a:xfrm>
+            <a:prstGeom prst="straightConnector1">
+              <a:avLst/>
+            </a:prstGeom>
+            <a:ln>
+              <a:solidFill>
+                <a:schemeClr val="tx1"/>
+              </a:solidFill>
+              <a:headEnd type="triangle"/>
+              <a:tailEnd type="triangle"/>
+            </a:ln>
+          </p:spPr>
+          <p:style>
+            <a:lnRef idx="1">
+              <a:schemeClr val="accent1"/>
+            </a:lnRef>
+            <a:fillRef idx="0">
+              <a:schemeClr val="accent1"/>
+            </a:fillRef>
+            <a:effectRef idx="0">
+              <a:schemeClr val="accent1"/>
+            </a:effectRef>
+            <a:fontRef idx="minor">
+              <a:schemeClr val="tx1"/>
+            </a:fontRef>
+          </p:style>
+        </p:cxnSp>
+        <p:cxnSp>
+          <p:nvCxnSpPr>
+            <p:cNvPr id="48" name="Straight Arrow Connector 47">
+              <a:extLst>
+                <a:ext uri="{FF2B5EF4-FFF2-40B4-BE49-F238E27FC236}">
+                  <a16:creationId xmlns:a16="http://schemas.microsoft.com/office/drawing/2014/main" id="{E547A711-E74D-4A32-B300-8DDD65F0CEA4}"/>
+                </a:ext>
+              </a:extLst>
+            </p:cNvPr>
+            <p:cNvCxnSpPr>
+              <a:cxnSpLocks/>
+            </p:cNvCxnSpPr>
+            <p:nvPr/>
+          </p:nvCxnSpPr>
+          <p:spPr>
+            <a:xfrm rot="10800000" flipH="1" flipV="1">
+              <a:off x="10083161" y="117698"/>
+              <a:ext cx="1090965" cy="971677"/>
+            </a:xfrm>
+            <a:prstGeom prst="straightConnector1">
+              <a:avLst/>
+            </a:prstGeom>
+            <a:ln>
+              <a:solidFill>
+                <a:schemeClr val="tx1"/>
+              </a:solidFill>
+              <a:headEnd type="triangle"/>
+              <a:tailEnd type="triangle"/>
+            </a:ln>
+          </p:spPr>
+          <p:style>
+            <a:lnRef idx="1">
+              <a:schemeClr val="accent1"/>
+            </a:lnRef>
+            <a:fillRef idx="0">
+              <a:schemeClr val="accent1"/>
+            </a:fillRef>
+            <a:effectRef idx="0">
+              <a:schemeClr val="accent1"/>
+            </a:effectRef>
+            <a:fontRef idx="minor">
+              <a:schemeClr val="tx1"/>
+            </a:fontRef>
+          </p:style>
+        </p:cxnSp>
+      </p:grpSp>
+      <p:sp>
+        <p:nvSpPr>
+          <p:cNvPr id="12" name="TextBox 11">
+            <a:extLst>
+              <a:ext uri="{FF2B5EF4-FFF2-40B4-BE49-F238E27FC236}">
+                <a16:creationId xmlns:a16="http://schemas.microsoft.com/office/drawing/2014/main" id="{42E9B424-57EB-4597-8F95-5E46C8F1B65A}"/>
+              </a:ext>
+            </a:extLst>
+          </p:cNvPr>
+          <p:cNvSpPr txBox="1"/>
+          <p:nvPr/>
+        </p:nvSpPr>
+        <p:spPr>
+          <a:xfrm>
+            <a:off x="9144000" y="2388092"/>
+            <a:ext cx="2823099" cy="3416320"/>
+          </a:xfrm>
+          <a:prstGeom prst="rect">
+            <a:avLst/>
+          </a:prstGeom>
+          <a:noFill/>
+        </p:spPr>
+        <p:txBody>
+          <a:bodyPr wrap="square" rtlCol="0">
+            <a:spAutoFit/>
+          </a:bodyPr>
+          <a:lstStyle/>
+          <a:p>
+            <a:r>
+              <a:rPr lang="en-US" dirty="0">
+                <a:latin typeface="Abel" panose="02000506030000020004" pitchFamily="2" charset="0"/>
+              </a:rPr>
+              <a:t>Rotate right:</a:t>
+            </a:r>
+          </a:p>
+          <a:p>
+            <a:r>
+              <a:rPr lang="en-US" dirty="0">
+                <a:latin typeface="Abel" panose="02000506030000020004" pitchFamily="2" charset="0"/>
+              </a:rPr>
+              <a:t>Row 1</a:t>
+            </a:r>
+          </a:p>
+          <a:p>
+            <a:pPr marL="285750" indent="-285750">
+              <a:buFont typeface="Arial" panose="020B0604020202020204" pitchFamily="34" charset="0"/>
+              <a:buChar char="•"/>
+            </a:pPr>
+            <a:r>
+              <a:rPr lang="en-US" dirty="0">
+                <a:latin typeface="Abel" panose="02000506030000020004" pitchFamily="2" charset="0"/>
+              </a:rPr>
+              <a:t>9 – 20: </a:t>
+            </a:r>
+            <a:r>
+              <a:rPr lang="en-US" dirty="0" err="1">
+                <a:latin typeface="Abel" panose="02000506030000020004" pitchFamily="2" charset="0"/>
+              </a:rPr>
+              <a:t>shiftRight</a:t>
+            </a:r>
+            <a:r>
+              <a:rPr lang="en-US" dirty="0">
+                <a:latin typeface="Abel" panose="02000506030000020004" pitchFamily="2" charset="0"/>
+              </a:rPr>
+              <a:t> x 3</a:t>
+            </a:r>
+          </a:p>
+          <a:p>
+            <a:pPr marL="285750" indent="-285750">
+              <a:buFont typeface="Arial" panose="020B0604020202020204" pitchFamily="34" charset="0"/>
+              <a:buChar char="•"/>
+            </a:pPr>
+            <a:r>
+              <a:rPr lang="en-US" dirty="0">
+                <a:latin typeface="Abel" panose="02000506030000020004" pitchFamily="2" charset="0"/>
+              </a:rPr>
+              <a:t>0 – 8: rotate CCW 90 degrees </a:t>
+            </a:r>
+          </a:p>
+          <a:p>
+            <a:r>
+              <a:rPr lang="en-US" dirty="0">
+                <a:latin typeface="Abel" panose="02000506030000020004" pitchFamily="2" charset="0"/>
+              </a:rPr>
+              <a:t>Row 2 </a:t>
+            </a:r>
+          </a:p>
+          <a:p>
+            <a:pPr marL="285750" indent="-285750">
+              <a:buFont typeface="Arial" panose="020B0604020202020204" pitchFamily="34" charset="0"/>
+              <a:buChar char="•"/>
+            </a:pPr>
+            <a:r>
+              <a:rPr lang="en-US" dirty="0">
+                <a:latin typeface="Abel" panose="02000506030000020004" pitchFamily="2" charset="0"/>
+              </a:rPr>
+              <a:t>21 – 32 </a:t>
+            </a:r>
+            <a:r>
+              <a:rPr lang="en-US" dirty="0" err="1">
+                <a:latin typeface="Abel" panose="02000506030000020004" pitchFamily="2" charset="0"/>
+              </a:rPr>
+              <a:t>shiftRight</a:t>
+            </a:r>
+            <a:r>
+              <a:rPr lang="en-US" dirty="0">
+                <a:latin typeface="Abel" panose="02000506030000020004" pitchFamily="2" charset="0"/>
+              </a:rPr>
+              <a:t> x 3</a:t>
+            </a:r>
+          </a:p>
+          <a:p>
+            <a:r>
+              <a:rPr lang="en-US" dirty="0">
+                <a:latin typeface="Abel" panose="02000506030000020004" pitchFamily="2" charset="0"/>
+              </a:rPr>
+              <a:t>Row 3</a:t>
+            </a:r>
+          </a:p>
+          <a:p>
+            <a:pPr marL="285750" indent="-285750">
+              <a:buFont typeface="Arial" panose="020B0604020202020204" pitchFamily="34" charset="0"/>
+              <a:buChar char="•"/>
+            </a:pPr>
+            <a:r>
+              <a:rPr lang="en-US" dirty="0">
+                <a:latin typeface="Abel" panose="02000506030000020004" pitchFamily="2" charset="0"/>
+              </a:rPr>
+              <a:t>33 – 44 </a:t>
+            </a:r>
+            <a:r>
+              <a:rPr lang="en-US" dirty="0" err="1">
+                <a:latin typeface="Abel" panose="02000506030000020004" pitchFamily="2" charset="0"/>
+              </a:rPr>
+              <a:t>shiftRight</a:t>
+            </a:r>
+            <a:r>
+              <a:rPr lang="en-US" dirty="0">
+                <a:latin typeface="Abel" panose="02000506030000020004" pitchFamily="2" charset="0"/>
+              </a:rPr>
+              <a:t> x 3</a:t>
+            </a:r>
+          </a:p>
+          <a:p>
+            <a:pPr marL="285750" indent="-285750">
+              <a:buFont typeface="Arial" panose="020B0604020202020204" pitchFamily="34" charset="0"/>
+              <a:buChar char="•"/>
+            </a:pPr>
+            <a:r>
+              <a:rPr lang="en-US" dirty="0">
+                <a:latin typeface="Abel" panose="02000506030000020004" pitchFamily="2" charset="0"/>
+              </a:rPr>
+              <a:t>45 – 53 rotate CW 90 degrees</a:t>
+            </a:r>
+          </a:p>
+          <a:p>
+            <a:pPr marL="285750" indent="-285750">
+              <a:buFont typeface="Arial" panose="020B0604020202020204" pitchFamily="34" charset="0"/>
+              <a:buChar char="•"/>
+            </a:pPr>
+            <a:endParaRPr lang="en-US" dirty="0"/>
+          </a:p>
+        </p:txBody>
+      </p:sp>
+      <p:sp>
+        <p:nvSpPr>
+          <p:cNvPr id="14" name="Arrow: Right 13">
+            <a:extLst>
+              <a:ext uri="{FF2B5EF4-FFF2-40B4-BE49-F238E27FC236}">
+                <a16:creationId xmlns:a16="http://schemas.microsoft.com/office/drawing/2014/main" id="{8D5B9DD9-F05B-4EB0-A14B-EA54E85B430D}"/>
+              </a:ext>
+            </a:extLst>
+          </p:cNvPr>
+          <p:cNvSpPr/>
+          <p:nvPr/>
+        </p:nvSpPr>
+        <p:spPr>
+          <a:xfrm>
+            <a:off x="10449017" y="2547890"/>
+            <a:ext cx="1207364" cy="230819"/>
+          </a:xfrm>
+          <a:prstGeom prst="rightArrow">
+            <a:avLst/>
+          </a:prstGeom>
+          <a:solidFill>
+            <a:srgbClr val="C00000"/>
+          </a:solidFill>
+        </p:spPr>
+        <p:style>
+          <a:lnRef idx="2">
+            <a:schemeClr val="accent1">
+              <a:shade val="50000"/>
+            </a:schemeClr>
+          </a:lnRef>
+          <a:fillRef idx="1">
+            <a:schemeClr val="accent1"/>
+          </a:fillRef>
+          <a:effectRef idx="0">
+            <a:schemeClr val="accent1"/>
+          </a:effectRef>
+          <a:fontRef idx="minor">
+            <a:schemeClr val="lt1"/>
+          </a:fontRef>
+        </p:style>
+        <p:txBody>
+          <a:bodyPr rtlCol="0" anchor="ctr"/>
+          <a:lstStyle/>
+          <a:p>
+            <a:pPr algn="ctr"/>
+            <a:endParaRPr lang="en-US"/>
+          </a:p>
+        </p:txBody>
+      </p:sp>
+      <p:sp>
+        <p:nvSpPr>
+          <p:cNvPr id="30" name="TextBox 29">
+            <a:extLst>
+              <a:ext uri="{FF2B5EF4-FFF2-40B4-BE49-F238E27FC236}">
+                <a16:creationId xmlns:a16="http://schemas.microsoft.com/office/drawing/2014/main" id="{542B919F-04E9-42D6-8CEA-E902C57BE7A4}"/>
+              </a:ext>
+            </a:extLst>
+          </p:cNvPr>
+          <p:cNvSpPr txBox="1"/>
+          <p:nvPr/>
+        </p:nvSpPr>
+        <p:spPr>
+          <a:xfrm>
+            <a:off x="409825" y="2442834"/>
+            <a:ext cx="2823099" cy="3416320"/>
+          </a:xfrm>
+          <a:prstGeom prst="rect">
+            <a:avLst/>
+          </a:prstGeom>
+          <a:noFill/>
+        </p:spPr>
+        <p:txBody>
+          <a:bodyPr wrap="square" rtlCol="0">
+            <a:spAutoFit/>
+          </a:bodyPr>
+          <a:lstStyle/>
+          <a:p>
+            <a:r>
+              <a:rPr lang="en-US" dirty="0">
+                <a:latin typeface="Abel" panose="02000506030000020004" pitchFamily="2" charset="0"/>
+              </a:rPr>
+              <a:t>Rotate left:</a:t>
+            </a:r>
+          </a:p>
+          <a:p>
+            <a:r>
+              <a:rPr lang="en-US" dirty="0">
+                <a:latin typeface="Abel" panose="02000506030000020004" pitchFamily="2" charset="0"/>
+              </a:rPr>
+              <a:t>Row 1</a:t>
+            </a:r>
+          </a:p>
+          <a:p>
+            <a:pPr marL="285750" indent="-285750">
+              <a:buFont typeface="Arial" panose="020B0604020202020204" pitchFamily="34" charset="0"/>
+              <a:buChar char="•"/>
+            </a:pPr>
+            <a:r>
+              <a:rPr lang="en-US" dirty="0">
+                <a:latin typeface="Abel" panose="02000506030000020004" pitchFamily="2" charset="0"/>
+              </a:rPr>
+              <a:t>9 – 20: </a:t>
+            </a:r>
+            <a:r>
+              <a:rPr lang="en-US" dirty="0" err="1">
+                <a:latin typeface="Abel" panose="02000506030000020004" pitchFamily="2" charset="0"/>
+              </a:rPr>
+              <a:t>shiftLeft</a:t>
+            </a:r>
+            <a:r>
+              <a:rPr lang="en-US" dirty="0">
+                <a:latin typeface="Abel" panose="02000506030000020004" pitchFamily="2" charset="0"/>
+              </a:rPr>
+              <a:t> x 3</a:t>
+            </a:r>
+          </a:p>
+          <a:p>
+            <a:pPr marL="285750" indent="-285750">
+              <a:buFont typeface="Arial" panose="020B0604020202020204" pitchFamily="34" charset="0"/>
+              <a:buChar char="•"/>
+            </a:pPr>
+            <a:r>
+              <a:rPr lang="en-US" dirty="0">
+                <a:latin typeface="Abel" panose="02000506030000020004" pitchFamily="2" charset="0"/>
+              </a:rPr>
+              <a:t>0 – 8: rotate CW 90 degrees </a:t>
+            </a:r>
+          </a:p>
+          <a:p>
+            <a:r>
+              <a:rPr lang="en-US" dirty="0">
+                <a:latin typeface="Abel" panose="02000506030000020004" pitchFamily="2" charset="0"/>
+              </a:rPr>
+              <a:t>Row 2 </a:t>
+            </a:r>
+          </a:p>
+          <a:p>
+            <a:pPr marL="285750" indent="-285750">
+              <a:buFont typeface="Arial" panose="020B0604020202020204" pitchFamily="34" charset="0"/>
+              <a:buChar char="•"/>
+            </a:pPr>
+            <a:r>
+              <a:rPr lang="en-US" dirty="0">
+                <a:latin typeface="Abel" panose="02000506030000020004" pitchFamily="2" charset="0"/>
+              </a:rPr>
+              <a:t>21 – 32 </a:t>
+            </a:r>
+            <a:r>
+              <a:rPr lang="en-US" dirty="0" err="1">
+                <a:latin typeface="Abel" panose="02000506030000020004" pitchFamily="2" charset="0"/>
+              </a:rPr>
+              <a:t>shiftLeft</a:t>
+            </a:r>
+            <a:r>
+              <a:rPr lang="en-US" dirty="0">
+                <a:latin typeface="Abel" panose="02000506030000020004" pitchFamily="2" charset="0"/>
+              </a:rPr>
+              <a:t> x 3</a:t>
+            </a:r>
+          </a:p>
+          <a:p>
+            <a:r>
+              <a:rPr lang="en-US" dirty="0">
+                <a:latin typeface="Abel" panose="02000506030000020004" pitchFamily="2" charset="0"/>
+              </a:rPr>
+              <a:t>Row 3</a:t>
+            </a:r>
+          </a:p>
+          <a:p>
+            <a:pPr marL="285750" indent="-285750">
+              <a:buFont typeface="Arial" panose="020B0604020202020204" pitchFamily="34" charset="0"/>
+              <a:buChar char="•"/>
+            </a:pPr>
+            <a:r>
+              <a:rPr lang="en-US" dirty="0">
+                <a:latin typeface="Abel" panose="02000506030000020004" pitchFamily="2" charset="0"/>
+              </a:rPr>
+              <a:t>33 – 44 </a:t>
+            </a:r>
+            <a:r>
+              <a:rPr lang="en-US" dirty="0" err="1">
+                <a:latin typeface="Abel" panose="02000506030000020004" pitchFamily="2" charset="0"/>
+              </a:rPr>
+              <a:t>shiftLeft</a:t>
+            </a:r>
+            <a:r>
+              <a:rPr lang="en-US" dirty="0">
+                <a:latin typeface="Abel" panose="02000506030000020004" pitchFamily="2" charset="0"/>
+              </a:rPr>
+              <a:t> x 3</a:t>
+            </a:r>
+          </a:p>
+          <a:p>
+            <a:pPr marL="285750" indent="-285750">
+              <a:buFont typeface="Arial" panose="020B0604020202020204" pitchFamily="34" charset="0"/>
+              <a:buChar char="•"/>
+            </a:pPr>
+            <a:r>
+              <a:rPr lang="en-US" dirty="0">
+                <a:latin typeface="Abel" panose="02000506030000020004" pitchFamily="2" charset="0"/>
+              </a:rPr>
+              <a:t>45 – 53 rotate CCW 90 degrees</a:t>
+            </a:r>
+          </a:p>
+          <a:p>
+            <a:pPr marL="285750" indent="-285750">
+              <a:buFont typeface="Arial" panose="020B0604020202020204" pitchFamily="34" charset="0"/>
+              <a:buChar char="•"/>
+            </a:pPr>
+            <a:endParaRPr lang="en-US" dirty="0"/>
+          </a:p>
+        </p:txBody>
+      </p:sp>
+      <p:sp>
+        <p:nvSpPr>
+          <p:cNvPr id="31" name="Arrow: Right 30">
+            <a:extLst>
+              <a:ext uri="{FF2B5EF4-FFF2-40B4-BE49-F238E27FC236}">
+                <a16:creationId xmlns:a16="http://schemas.microsoft.com/office/drawing/2014/main" id="{552FFB70-7B5A-4845-888E-A5386A09225A}"/>
+              </a:ext>
+            </a:extLst>
+          </p:cNvPr>
+          <p:cNvSpPr/>
+          <p:nvPr/>
+        </p:nvSpPr>
+        <p:spPr>
+          <a:xfrm rot="10800000">
+            <a:off x="1714842" y="2602632"/>
+            <a:ext cx="1207364" cy="230819"/>
+          </a:xfrm>
+          <a:prstGeom prst="rightArrow">
+            <a:avLst/>
+          </a:prstGeom>
+        </p:spPr>
+        <p:style>
+          <a:lnRef idx="2">
+            <a:schemeClr val="accent1">
+              <a:shade val="50000"/>
+            </a:schemeClr>
+          </a:lnRef>
+          <a:fillRef idx="1">
+            <a:schemeClr val="accent1"/>
+          </a:fillRef>
+          <a:effectRef idx="0">
+            <a:schemeClr val="accent1"/>
+          </a:effectRef>
+          <a:fontRef idx="minor">
+            <a:schemeClr val="lt1"/>
+          </a:fontRef>
+        </p:style>
+        <p:txBody>
+          <a:bodyPr rtlCol="0" anchor="ctr"/>
+          <a:lstStyle/>
+          <a:p>
+            <a:pPr algn="ctr"/>
+            <a:endParaRPr lang="en-US"/>
+          </a:p>
+        </p:txBody>
+      </p:sp>
+    </p:spTree>
+    <p:extLst>
+      <p:ext uri="{BB962C8B-B14F-4D97-AF65-F5344CB8AC3E}">
+        <p14:creationId xmlns:p14="http://schemas.microsoft.com/office/powerpoint/2010/main" val="830433930"/>
+      </p:ext>
+    </p:extLst>
+  </p:cSld>
+  <p:clrMapOvr>
+    <a:masterClrMapping/>
+  </p:clrMapOvr>
+</p:sld>
+</file>
+
+<file path=ppt/slides/slide4.xml><?xml version="1.0" encoding="utf-8"?>
+<p:sld xmlns:a="http://schemas.openxmlformats.org/drawingml/2006/main" xmlns:r="http://schemas.openxmlformats.org/officeDocument/2006/relationships" xmlns:p="http://schemas.openxmlformats.org/presentationml/2006/main">
+  <p:cSld>
+    <p:spTree>
+      <p:nvGrpSpPr>
+        <p:cNvPr id="1" name=""/>
+        <p:cNvGrpSpPr/>
+        <p:nvPr/>
+      </p:nvGrpSpPr>
+      <p:grpSpPr>
+        <a:xfrm>
+          <a:off x="0" y="0"/>
+          <a:ext cx="0" cy="0"/>
+          <a:chOff x="0" y="0"/>
+          <a:chExt cx="0" cy="0"/>
+        </a:xfrm>
+      </p:grpSpPr>
+      <p:graphicFrame>
+        <p:nvGraphicFramePr>
+          <p:cNvPr id="2" name="Table 1">
+            <a:extLst>
+              <a:ext uri="{FF2B5EF4-FFF2-40B4-BE49-F238E27FC236}">
+                <a16:creationId xmlns:a16="http://schemas.microsoft.com/office/drawing/2014/main" id="{84FB2953-C23B-4D9B-9C6B-96656091FD62}"/>
+              </a:ext>
+            </a:extLst>
+          </p:cNvPr>
+          <p:cNvGraphicFramePr>
+            <a:graphicFrameLocks noGrp="1"/>
+          </p:cNvGraphicFramePr>
+          <p:nvPr>
+            <p:extLst>
+              <p:ext uri="{D42A27DB-BD31-4B8C-83A1-F6EECF244321}">
+                <p14:modId xmlns:p14="http://schemas.microsoft.com/office/powerpoint/2010/main" val="768173587"/>
+              </p:ext>
+            </p:extLst>
+          </p:nvPr>
+        </p:nvGraphicFramePr>
+        <p:xfrm>
+          <a:off x="3342441" y="2412592"/>
+          <a:ext cx="1294297" cy="1112520"/>
+        </p:xfrm>
+        <a:graphic>
+          <a:graphicData uri="http://schemas.openxmlformats.org/drawingml/2006/table">
+            <a:tbl>
+              <a:tblPr firstRow="1" bandRow="1">
+                <a:tableStyleId>{D113A9D2-9D6B-4929-AA2D-F23B5EE8CBE7}</a:tableStyleId>
+              </a:tblPr>
+              <a:tblGrid>
+                <a:gridCol w="463423">
+                  <a:extLst>
+                    <a:ext uri="{9D8B030D-6E8A-4147-A177-3AD203B41FA5}">
+                      <a16:colId xmlns:a16="http://schemas.microsoft.com/office/drawing/2014/main" val="1038572778"/>
+                    </a:ext>
+                  </a:extLst>
+                </a:gridCol>
+                <a:gridCol w="415437">
+                  <a:extLst>
+                    <a:ext uri="{9D8B030D-6E8A-4147-A177-3AD203B41FA5}">
+                      <a16:colId xmlns:a16="http://schemas.microsoft.com/office/drawing/2014/main" val="2574731819"/>
+                    </a:ext>
+                  </a:extLst>
+                </a:gridCol>
+                <a:gridCol w="415437">
+                  <a:extLst>
+                    <a:ext uri="{9D8B030D-6E8A-4147-A177-3AD203B41FA5}">
+                      <a16:colId xmlns:a16="http://schemas.microsoft.com/office/drawing/2014/main" val="3702273779"/>
+                    </a:ext>
+                  </a:extLst>
+                </a:gridCol>
+              </a:tblGrid>
+              <a:tr h="370840">
+                <a:tc>
+                  <a:txBody>
+                    <a:bodyPr/>
+                    <a:lstStyle/>
+                    <a:p>
+                      <a:pPr algn="ctr"/>
+                      <a:r>
+                        <a:rPr lang="en-US" b="0" dirty="0">
+                          <a:solidFill>
+                            <a:schemeClr val="bg1"/>
+                          </a:solidFill>
+                          <a:latin typeface="+mn-lt"/>
+                          <a:cs typeface="Courier New" panose="02070309020205020404" pitchFamily="49" charset="0"/>
+                        </a:rPr>
+                        <a:t>9</a:t>
+                      </a:r>
+                    </a:p>
+                  </a:txBody>
+                  <a:tcPr>
+                    <a:lnL w="12700" cap="flat" cmpd="sng" algn="ctr">
+                      <a:solidFill>
+                        <a:schemeClr val="tx1"/>
+                      </a:solidFill>
+                      <a:prstDash val="solid"/>
+                      <a:round/>
+                      <a:headEnd type="none" w="med" len="med"/>
+                      <a:tailEnd type="none" w="med" len="med"/>
+                    </a:lnL>
+                    <a:lnR w="12700" cap="flat" cmpd="sng" algn="ctr">
+                      <a:solidFill>
+                        <a:schemeClr val="tx1"/>
+                      </a:solidFill>
+                      <a:prstDash val="solid"/>
+                      <a:round/>
+                      <a:headEnd type="none" w="med" len="med"/>
+                      <a:tailEnd type="none" w="med" len="med"/>
+                    </a:lnR>
+                    <a:lnT w="12700" cap="flat" cmpd="sng" algn="ctr">
+                      <a:solidFill>
+                        <a:schemeClr val="tx1"/>
+                      </a:solidFill>
+                      <a:prstDash val="solid"/>
+                      <a:round/>
+                      <a:headEnd type="none" w="med" len="med"/>
+                      <a:tailEnd type="none" w="med" len="med"/>
+                    </a:lnT>
+                    <a:lnB w="12700" cap="flat" cmpd="sng" algn="ctr">
+                      <a:solidFill>
+                        <a:schemeClr val="tx1"/>
+                      </a:solidFill>
+                      <a:prstDash val="solid"/>
+                      <a:round/>
+                      <a:headEnd type="none" w="med" len="med"/>
+                      <a:tailEnd type="none" w="med" len="med"/>
+                    </a:lnB>
+                    <a:solidFill>
+                      <a:schemeClr val="accent1"/>
+                    </a:solidFill>
+                  </a:tcPr>
+                </a:tc>
+                <a:tc>
+                  <a:txBody>
+                    <a:bodyPr/>
+                    <a:lstStyle/>
+                    <a:p>
+                      <a:pPr algn="ctr"/>
+                      <a:r>
+                        <a:rPr lang="en-US" b="0" dirty="0">
+                          <a:solidFill>
+                            <a:schemeClr val="bg1"/>
+                          </a:solidFill>
+                          <a:latin typeface="+mn-lt"/>
+                        </a:rPr>
+                        <a:t>10</a:t>
+                      </a:r>
+                    </a:p>
+                  </a:txBody>
+                  <a:tcPr>
+                    <a:lnL w="12700" cap="flat" cmpd="sng" algn="ctr">
+                      <a:solidFill>
+                        <a:schemeClr val="tx1"/>
+                      </a:solidFill>
+                      <a:prstDash val="solid"/>
+                      <a:round/>
+                      <a:headEnd type="none" w="med" len="med"/>
+                      <a:tailEnd type="none" w="med" len="med"/>
+                    </a:lnL>
+                    <a:lnR w="12700" cap="flat" cmpd="sng" algn="ctr">
+                      <a:solidFill>
+                        <a:schemeClr val="tx1"/>
+                      </a:solidFill>
+                      <a:prstDash val="solid"/>
+                      <a:round/>
+                      <a:headEnd type="none" w="med" len="med"/>
+                      <a:tailEnd type="none" w="med" len="med"/>
+                    </a:lnR>
+                    <a:lnT w="12700" cap="flat" cmpd="sng" algn="ctr">
+                      <a:solidFill>
+                        <a:schemeClr val="tx1"/>
+                      </a:solidFill>
+                      <a:prstDash val="solid"/>
+                      <a:round/>
+                      <a:headEnd type="none" w="med" len="med"/>
+                      <a:tailEnd type="none" w="med" len="med"/>
+                    </a:lnT>
+                    <a:lnB w="12700" cap="flat" cmpd="sng" algn="ctr">
+                      <a:solidFill>
+                        <a:schemeClr val="tx1"/>
+                      </a:solidFill>
+                      <a:prstDash val="solid"/>
+                      <a:round/>
+                      <a:headEnd type="none" w="med" len="med"/>
+                      <a:tailEnd type="none" w="med" len="med"/>
+                    </a:lnB>
+                    <a:solidFill>
+                      <a:schemeClr val="accent1"/>
+                    </a:solidFill>
+                  </a:tcPr>
+                </a:tc>
+                <a:tc>
+                  <a:txBody>
+                    <a:bodyPr/>
+                    <a:lstStyle/>
+                    <a:p>
+                      <a:pPr algn="ctr"/>
+                      <a:r>
+                        <a:rPr lang="en-US" b="0" dirty="0">
+                          <a:solidFill>
+                            <a:schemeClr val="bg1"/>
+                          </a:solidFill>
+                          <a:latin typeface="+mn-lt"/>
+                        </a:rPr>
+                        <a:t>11</a:t>
+                      </a:r>
+                    </a:p>
+                  </a:txBody>
+                  <a:tcPr>
+                    <a:lnL w="12700" cap="flat" cmpd="sng" algn="ctr">
+                      <a:solidFill>
+                        <a:schemeClr val="tx1"/>
+                      </a:solidFill>
+                      <a:prstDash val="solid"/>
+                      <a:round/>
+                      <a:headEnd type="none" w="med" len="med"/>
+                      <a:tailEnd type="none" w="med" len="med"/>
+                    </a:lnL>
+                    <a:lnR w="12700" cap="flat" cmpd="sng" algn="ctr">
+                      <a:solidFill>
+                        <a:schemeClr val="tx1"/>
+                      </a:solidFill>
+                      <a:prstDash val="solid"/>
+                      <a:round/>
+                      <a:headEnd type="none" w="med" len="med"/>
+                      <a:tailEnd type="none" w="med" len="med"/>
+                    </a:lnR>
+                    <a:lnT w="12700" cap="flat" cmpd="sng" algn="ctr">
+                      <a:solidFill>
+                        <a:schemeClr val="tx1"/>
+                      </a:solidFill>
+                      <a:prstDash val="solid"/>
+                      <a:round/>
+                      <a:headEnd type="none" w="med" len="med"/>
+                      <a:tailEnd type="none" w="med" len="med"/>
+                    </a:lnT>
+                    <a:lnB w="12700" cap="flat" cmpd="sng" algn="ctr">
+                      <a:solidFill>
+                        <a:schemeClr val="tx1"/>
+                      </a:solidFill>
+                      <a:prstDash val="solid"/>
+                      <a:round/>
+                      <a:headEnd type="none" w="med" len="med"/>
+                      <a:tailEnd type="none" w="med" len="med"/>
+                    </a:lnB>
+                    <a:solidFill>
+                      <a:schemeClr val="accent1"/>
+                    </a:solidFill>
+                  </a:tcPr>
+                </a:tc>
+                <a:extLst>
+                  <a:ext uri="{0D108BD9-81ED-4DB2-BD59-A6C34878D82A}">
+                    <a16:rowId xmlns:a16="http://schemas.microsoft.com/office/drawing/2014/main" val="750636996"/>
+                  </a:ext>
+                </a:extLst>
+              </a:tr>
+              <a:tr h="370840">
+                <a:tc>
+                  <a:txBody>
+                    <a:bodyPr/>
+                    <a:lstStyle/>
+                    <a:p>
+                      <a:pPr/>
+                      <a:r>
+                        <a:rPr lang="en-US" dirty="0">
+                          <a:solidFill>
+                            <a:schemeClr val="bg1"/>
+                          </a:solidFill>
+                        </a:rPr>
+                        <a:t>21</a:t>
+                      </a:r>
+                    </a:p>
+                  </a:txBody>
+                  <a:tcPr>
+                    <a:lnL w="12700" cap="flat" cmpd="sng" algn="ctr">
+                      <a:solidFill>
+                        <a:schemeClr val="tx1"/>
+                      </a:solidFill>
+                      <a:prstDash val="solid"/>
+                      <a:round/>
+                      <a:headEnd type="none" w="med" len="med"/>
+                      <a:tailEnd type="none" w="med" len="med"/>
+                    </a:lnL>
+                    <a:lnR w="12700" cap="flat" cmpd="sng" algn="ctr">
+                      <a:solidFill>
+                        <a:schemeClr val="tx1"/>
+                      </a:solidFill>
+                      <a:prstDash val="solid"/>
+                      <a:round/>
+                      <a:headEnd type="none" w="med" len="med"/>
+                      <a:tailEnd type="none" w="med" len="med"/>
+                    </a:lnR>
+                    <a:lnT w="12700" cap="flat" cmpd="sng" algn="ctr">
+                      <a:solidFill>
+                        <a:schemeClr val="tx1"/>
+                      </a:solidFill>
+                      <a:prstDash val="solid"/>
+                      <a:round/>
+                      <a:headEnd type="none" w="med" len="med"/>
+                      <a:tailEnd type="none" w="med" len="med"/>
+                    </a:lnT>
+                    <a:lnB w="12700" cap="flat" cmpd="sng" algn="ctr">
+                      <a:solidFill>
+                        <a:schemeClr val="tx1"/>
+                      </a:solidFill>
+                      <a:prstDash val="solid"/>
+                      <a:round/>
+                      <a:headEnd type="none" w="med" len="med"/>
+                      <a:tailEnd type="none" w="med" len="med"/>
+                    </a:lnB>
+                    <a:solidFill>
+                      <a:schemeClr val="accent1"/>
+                    </a:solidFill>
+                  </a:tcPr>
+                </a:tc>
+                <a:tc>
+                  <a:txBody>
+                    <a:bodyPr/>
+                    <a:lstStyle/>
+                    <a:p>
+                      <a:pPr/>
+                      <a:r>
+                        <a:rPr lang="en-US" dirty="0">
+                          <a:solidFill>
+                            <a:schemeClr val="bg1"/>
+                          </a:solidFill>
+                        </a:rPr>
+                        <a:t>22</a:t>
+                      </a:r>
+                    </a:p>
+                  </a:txBody>
+                  <a:tcPr>
+                    <a:lnL w="12700" cap="flat" cmpd="sng" algn="ctr">
+                      <a:solidFill>
+                        <a:schemeClr val="tx1"/>
+                      </a:solidFill>
+                      <a:prstDash val="solid"/>
+                      <a:round/>
+                      <a:headEnd type="none" w="med" len="med"/>
+                      <a:tailEnd type="none" w="med" len="med"/>
+                    </a:lnL>
+                    <a:lnR w="12700" cap="flat" cmpd="sng" algn="ctr">
+                      <a:solidFill>
+                        <a:schemeClr val="tx1"/>
+                      </a:solidFill>
+                      <a:prstDash val="solid"/>
+                      <a:round/>
+                      <a:headEnd type="none" w="med" len="med"/>
+                      <a:tailEnd type="none" w="med" len="med"/>
+                    </a:lnR>
+                    <a:lnT w="12700" cap="flat" cmpd="sng" algn="ctr">
+                      <a:solidFill>
+                        <a:schemeClr val="tx1"/>
+                      </a:solidFill>
+                      <a:prstDash val="solid"/>
+                      <a:round/>
+                      <a:headEnd type="none" w="med" len="med"/>
+                      <a:tailEnd type="none" w="med" len="med"/>
+                    </a:lnT>
+                    <a:lnB w="12700" cap="flat" cmpd="sng" algn="ctr">
+                      <a:solidFill>
+                        <a:schemeClr val="tx1"/>
+                      </a:solidFill>
+                      <a:prstDash val="solid"/>
+                      <a:round/>
+                      <a:headEnd type="none" w="med" len="med"/>
+                      <a:tailEnd type="none" w="med" len="med"/>
+                    </a:lnB>
+                    <a:solidFill>
+                      <a:schemeClr val="accent1"/>
+                    </a:solidFill>
+                  </a:tcPr>
+                </a:tc>
+                <a:tc>
+                  <a:txBody>
+                    <a:bodyPr/>
+                    <a:lstStyle/>
+                    <a:p>
+                      <a:pPr/>
+                      <a:r>
+                        <a:rPr lang="en-US" dirty="0">
+                          <a:solidFill>
+                            <a:schemeClr val="bg1"/>
+                          </a:solidFill>
+                        </a:rPr>
+                        <a:t>23</a:t>
+                      </a:r>
+                    </a:p>
+                  </a:txBody>
+                  <a:tcPr>
+                    <a:lnL w="12700" cap="flat" cmpd="sng" algn="ctr">
+                      <a:solidFill>
+                        <a:schemeClr val="tx1"/>
+                      </a:solidFill>
+                      <a:prstDash val="solid"/>
+                      <a:round/>
+                      <a:headEnd type="none" w="med" len="med"/>
+                      <a:tailEnd type="none" w="med" len="med"/>
+                    </a:lnL>
+                    <a:lnR w="12700" cap="flat" cmpd="sng" algn="ctr">
+                      <a:solidFill>
+                        <a:schemeClr val="tx1"/>
+                      </a:solidFill>
+                      <a:prstDash val="solid"/>
+                      <a:round/>
+                      <a:headEnd type="none" w="med" len="med"/>
+                      <a:tailEnd type="none" w="med" len="med"/>
+                    </a:lnR>
+                    <a:lnT w="12700" cap="flat" cmpd="sng" algn="ctr">
+                      <a:solidFill>
+                        <a:schemeClr val="tx1"/>
+                      </a:solidFill>
+                      <a:prstDash val="solid"/>
+                      <a:round/>
+                      <a:headEnd type="none" w="med" len="med"/>
+                      <a:tailEnd type="none" w="med" len="med"/>
+                    </a:lnT>
+                    <a:lnB w="12700" cap="flat" cmpd="sng" algn="ctr">
+                      <a:solidFill>
+                        <a:schemeClr val="tx1"/>
+                      </a:solidFill>
+                      <a:prstDash val="solid"/>
+                      <a:round/>
+                      <a:headEnd type="none" w="med" len="med"/>
+                      <a:tailEnd type="none" w="med" len="med"/>
+                    </a:lnB>
+                    <a:solidFill>
+                      <a:schemeClr val="accent1"/>
+                    </a:solidFill>
+                  </a:tcPr>
+                </a:tc>
+                <a:extLst>
+                  <a:ext uri="{0D108BD9-81ED-4DB2-BD59-A6C34878D82A}">
+                    <a16:rowId xmlns:a16="http://schemas.microsoft.com/office/drawing/2014/main" val="3792294900"/>
+                  </a:ext>
+                </a:extLst>
+              </a:tr>
+              <a:tr h="370840">
+                <a:tc>
+                  <a:txBody>
+                    <a:bodyPr/>
+                    <a:lstStyle/>
+                    <a:p>
+                      <a:pPr/>
+                      <a:r>
+                        <a:rPr lang="en-US" dirty="0">
+                          <a:solidFill>
+                            <a:schemeClr val="bg1"/>
+                          </a:solidFill>
+                        </a:rPr>
+                        <a:t>33</a:t>
+                      </a:r>
+                    </a:p>
+                  </a:txBody>
+                  <a:tcPr>
+                    <a:lnL w="12700" cap="flat" cmpd="sng" algn="ctr">
+                      <a:solidFill>
+                        <a:schemeClr val="tx1"/>
+                      </a:solidFill>
+                      <a:prstDash val="solid"/>
+                      <a:round/>
+                      <a:headEnd type="none" w="med" len="med"/>
+                      <a:tailEnd type="none" w="med" len="med"/>
+                    </a:lnL>
+                    <a:lnR w="12700" cap="flat" cmpd="sng" algn="ctr">
+                      <a:solidFill>
+                        <a:schemeClr val="tx1"/>
+                      </a:solidFill>
+                      <a:prstDash val="solid"/>
+                      <a:round/>
+                      <a:headEnd type="none" w="med" len="med"/>
+                      <a:tailEnd type="none" w="med" len="med"/>
+                    </a:lnR>
+                    <a:lnT w="12700" cap="flat" cmpd="sng" algn="ctr">
+                      <a:solidFill>
+                        <a:schemeClr val="tx1"/>
+                      </a:solidFill>
+                      <a:prstDash val="solid"/>
+                      <a:round/>
+                      <a:headEnd type="none" w="med" len="med"/>
+                      <a:tailEnd type="none" w="med" len="med"/>
+                    </a:lnT>
+                    <a:lnB w="12700" cap="flat" cmpd="sng" algn="ctr">
+                      <a:solidFill>
+                        <a:schemeClr val="tx1"/>
+                      </a:solidFill>
+                      <a:prstDash val="solid"/>
+                      <a:round/>
+                      <a:headEnd type="none" w="med" len="med"/>
+                      <a:tailEnd type="none" w="med" len="med"/>
+                    </a:lnB>
+                    <a:solidFill>
+                      <a:schemeClr val="accent1"/>
+                    </a:solidFill>
+                  </a:tcPr>
+                </a:tc>
+                <a:tc>
+                  <a:txBody>
+                    <a:bodyPr/>
+                    <a:lstStyle/>
+                    <a:p>
+                      <a:pPr/>
+                      <a:r>
+                        <a:rPr lang="en-US" dirty="0">
+                          <a:solidFill>
+                            <a:schemeClr val="bg1"/>
+                          </a:solidFill>
+                        </a:rPr>
+                        <a:t>34</a:t>
+                      </a:r>
+                    </a:p>
+                  </a:txBody>
+                  <a:tcPr>
+                    <a:lnL w="12700" cap="flat" cmpd="sng" algn="ctr">
+                      <a:solidFill>
+                        <a:schemeClr val="tx1"/>
+                      </a:solidFill>
+                      <a:prstDash val="solid"/>
+                      <a:round/>
+                      <a:headEnd type="none" w="med" len="med"/>
+                      <a:tailEnd type="none" w="med" len="med"/>
+                    </a:lnL>
+                    <a:lnR w="12700" cap="flat" cmpd="sng" algn="ctr">
+                      <a:solidFill>
+                        <a:schemeClr val="tx1"/>
+                      </a:solidFill>
+                      <a:prstDash val="solid"/>
+                      <a:round/>
+                      <a:headEnd type="none" w="med" len="med"/>
+                      <a:tailEnd type="none" w="med" len="med"/>
+                    </a:lnR>
+                    <a:lnT w="12700" cap="flat" cmpd="sng" algn="ctr">
+                      <a:solidFill>
+                        <a:schemeClr val="tx1"/>
+                      </a:solidFill>
+                      <a:prstDash val="solid"/>
+                      <a:round/>
+                      <a:headEnd type="none" w="med" len="med"/>
+                      <a:tailEnd type="none" w="med" len="med"/>
+                    </a:lnT>
+                    <a:lnB w="12700" cap="flat" cmpd="sng" algn="ctr">
+                      <a:solidFill>
+                        <a:schemeClr val="tx1"/>
+                      </a:solidFill>
+                      <a:prstDash val="solid"/>
+                      <a:round/>
+                      <a:headEnd type="none" w="med" len="med"/>
+                      <a:tailEnd type="none" w="med" len="med"/>
+                    </a:lnB>
+                    <a:solidFill>
+                      <a:schemeClr val="accent1"/>
+                    </a:solidFill>
+                  </a:tcPr>
+                </a:tc>
+                <a:tc>
+                  <a:txBody>
+                    <a:bodyPr/>
+                    <a:lstStyle/>
+                    <a:p>
+                      <a:pPr/>
+                      <a:r>
+                        <a:rPr lang="en-US" dirty="0">
+                          <a:solidFill>
+                            <a:schemeClr val="bg1"/>
+                          </a:solidFill>
+                        </a:rPr>
+                        <a:t>35</a:t>
+                      </a:r>
+                    </a:p>
+                  </a:txBody>
+                  <a:tcPr>
+                    <a:lnL w="12700" cap="flat" cmpd="sng" algn="ctr">
+                      <a:solidFill>
+                        <a:schemeClr val="tx1"/>
+                      </a:solidFill>
+                      <a:prstDash val="solid"/>
+                      <a:round/>
+                      <a:headEnd type="none" w="med" len="med"/>
+                      <a:tailEnd type="none" w="med" len="med"/>
+                    </a:lnL>
+                    <a:lnR w="12700" cap="flat" cmpd="sng" algn="ctr">
+                      <a:solidFill>
+                        <a:schemeClr val="tx1"/>
+                      </a:solidFill>
+                      <a:prstDash val="solid"/>
+                      <a:round/>
+                      <a:headEnd type="none" w="med" len="med"/>
+                      <a:tailEnd type="none" w="med" len="med"/>
+                    </a:lnR>
+                    <a:lnT w="12700" cap="flat" cmpd="sng" algn="ctr">
+                      <a:solidFill>
+                        <a:schemeClr val="tx1"/>
+                      </a:solidFill>
+                      <a:prstDash val="solid"/>
+                      <a:round/>
+                      <a:headEnd type="none" w="med" len="med"/>
+                      <a:tailEnd type="none" w="med" len="med"/>
+                    </a:lnT>
+                    <a:lnB w="12700" cap="flat" cmpd="sng" algn="ctr">
+                      <a:solidFill>
+                        <a:schemeClr val="tx1"/>
+                      </a:solidFill>
+                      <a:prstDash val="solid"/>
+                      <a:round/>
+                      <a:headEnd type="none" w="med" len="med"/>
+                      <a:tailEnd type="none" w="med" len="med"/>
+                    </a:lnB>
+                    <a:solidFill>
+                      <a:schemeClr val="accent1"/>
+                    </a:solidFill>
+                  </a:tcPr>
+                </a:tc>
+                <a:extLst>
+                  <a:ext uri="{0D108BD9-81ED-4DB2-BD59-A6C34878D82A}">
+                    <a16:rowId xmlns:a16="http://schemas.microsoft.com/office/drawing/2014/main" val="4103855044"/>
+                  </a:ext>
+                </a:extLst>
+              </a:tr>
+            </a:tbl>
+          </a:graphicData>
+        </a:graphic>
+      </p:graphicFrame>
+      <p:graphicFrame>
+        <p:nvGraphicFramePr>
+          <p:cNvPr id="3" name="Table 2">
+            <a:extLst>
+              <a:ext uri="{FF2B5EF4-FFF2-40B4-BE49-F238E27FC236}">
+                <a16:creationId xmlns:a16="http://schemas.microsoft.com/office/drawing/2014/main" id="{F767BB98-EB5A-4CCD-ADE9-389C911EE1E4}"/>
+              </a:ext>
+            </a:extLst>
+          </p:cNvPr>
+          <p:cNvGraphicFramePr>
+            <a:graphicFrameLocks noGrp="1"/>
+          </p:cNvGraphicFramePr>
+          <p:nvPr>
+            <p:extLst>
+              <p:ext uri="{D42A27DB-BD31-4B8C-83A1-F6EECF244321}">
+                <p14:modId xmlns:p14="http://schemas.microsoft.com/office/powerpoint/2010/main" val="4148270007"/>
+              </p:ext>
+            </p:extLst>
+          </p:nvPr>
+        </p:nvGraphicFramePr>
+        <p:xfrm>
+          <a:off x="4721441" y="2412592"/>
+          <a:ext cx="1294296" cy="1112520"/>
+        </p:xfrm>
+        <a:graphic>
+          <a:graphicData uri="http://schemas.openxmlformats.org/drawingml/2006/table">
+            <a:tbl>
+              <a:tblPr firstRow="1" bandRow="1">
+                <a:tableStyleId>{D113A9D2-9D6B-4929-AA2D-F23B5EE8CBE7}</a:tableStyleId>
+              </a:tblPr>
+              <a:tblGrid>
+                <a:gridCol w="431432">
+                  <a:extLst>
+                    <a:ext uri="{9D8B030D-6E8A-4147-A177-3AD203B41FA5}">
+                      <a16:colId xmlns:a16="http://schemas.microsoft.com/office/drawing/2014/main" val="1038572778"/>
+                    </a:ext>
+                  </a:extLst>
+                </a:gridCol>
+                <a:gridCol w="431432">
+                  <a:extLst>
+                    <a:ext uri="{9D8B030D-6E8A-4147-A177-3AD203B41FA5}">
+                      <a16:colId xmlns:a16="http://schemas.microsoft.com/office/drawing/2014/main" val="2574731819"/>
+                    </a:ext>
+                  </a:extLst>
+                </a:gridCol>
+                <a:gridCol w="431432">
+                  <a:extLst>
+                    <a:ext uri="{9D8B030D-6E8A-4147-A177-3AD203B41FA5}">
+                      <a16:colId xmlns:a16="http://schemas.microsoft.com/office/drawing/2014/main" val="3702273779"/>
+                    </a:ext>
+                  </a:extLst>
+                </a:gridCol>
+              </a:tblGrid>
+              <a:tr h="370840">
+                <a:tc>
+                  <a:txBody>
+                    <a:bodyPr/>
+                    <a:lstStyle/>
+                    <a:p>
+                      <a:pPr/>
+                      <a:r>
+                        <a:rPr lang="en-US" b="0" dirty="0">
+                          <a:solidFill>
+                            <a:schemeClr val="bg1"/>
+                          </a:solidFill>
+                        </a:rPr>
+                        <a:t>12</a:t>
+                      </a:r>
+                    </a:p>
+                  </a:txBody>
+                  <a:tcPr>
+                    <a:lnL w="12700" cap="flat" cmpd="sng" algn="ctr">
+                      <a:solidFill>
+                        <a:schemeClr val="tx1"/>
+                      </a:solidFill>
+                      <a:prstDash val="solid"/>
+                      <a:round/>
+                      <a:headEnd type="none" w="med" len="med"/>
+                      <a:tailEnd type="none" w="med" len="med"/>
+                    </a:lnL>
+                    <a:lnR w="12700" cap="flat" cmpd="sng" algn="ctr">
+                      <a:solidFill>
+                        <a:schemeClr val="tx1"/>
+                      </a:solidFill>
+                      <a:prstDash val="solid"/>
+                      <a:round/>
+                      <a:headEnd type="none" w="med" len="med"/>
+                      <a:tailEnd type="none" w="med" len="med"/>
+                    </a:lnR>
+                    <a:lnT w="12700" cap="flat" cmpd="sng" algn="ctr">
+                      <a:solidFill>
+                        <a:schemeClr val="tx1"/>
+                      </a:solidFill>
+                      <a:prstDash val="solid"/>
+                      <a:round/>
+                      <a:headEnd type="none" w="med" len="med"/>
+                      <a:tailEnd type="none" w="med" len="med"/>
+                    </a:lnT>
+                    <a:lnB w="12700" cap="flat" cmpd="sng" algn="ctr">
+                      <a:solidFill>
+                        <a:schemeClr val="tx1"/>
+                      </a:solidFill>
+                      <a:prstDash val="solid"/>
+                      <a:round/>
+                      <a:headEnd type="none" w="med" len="med"/>
+                      <a:tailEnd type="none" w="med" len="med"/>
+                    </a:lnB>
+                    <a:solidFill>
+                      <a:schemeClr val="accent6"/>
+                    </a:solidFill>
+                  </a:tcPr>
+                </a:tc>
+                <a:tc>
+                  <a:txBody>
+                    <a:bodyPr/>
+                    <a:lstStyle/>
+                    <a:p>
+                      <a:pPr marL="0" marR="0" lvl="0" indent="0" algn="l" defTabSz="914400" rtl="0" eaLnBrk="1" fontAlgn="auto" latinLnBrk="0" hangingPunct="1">
+                        <a:lnSpc>
+                          <a:spcPct val="100000"/>
+                        </a:lnSpc>
+                        <a:spcBef>
+                          <a:spcPts val="0"/>
+                        </a:spcBef>
+                        <a:spcAft>
+                          <a:spcPts val="0"/>
+                        </a:spcAft>
+                        <a:buClrTx/>
+                        <a:buSzTx/>
+                        <a:buFontTx/>
+                        <a:buNone/>
+                        <a:tabLst/>
+                        <a:defRPr/>
+                      </a:pPr>
+                      <a:r>
+                        <a:rPr lang="en-US" b="0" dirty="0">
+                          <a:solidFill>
+                            <a:schemeClr val="bg1"/>
+                          </a:solidFill>
+                        </a:rPr>
+                        <a:t>13</a:t>
+                      </a:r>
+                    </a:p>
+                  </a:txBody>
+                  <a:tcPr>
+                    <a:lnL w="12700" cap="flat" cmpd="sng" algn="ctr">
+                      <a:solidFill>
+                        <a:schemeClr val="tx1"/>
+                      </a:solidFill>
+                      <a:prstDash val="solid"/>
+                      <a:round/>
+                      <a:headEnd type="none" w="med" len="med"/>
+                      <a:tailEnd type="none" w="med" len="med"/>
+                    </a:lnL>
+                    <a:lnR w="12700" cap="flat" cmpd="sng" algn="ctr">
+                      <a:solidFill>
+                        <a:schemeClr val="tx1"/>
+                      </a:solidFill>
+                      <a:prstDash val="solid"/>
+                      <a:round/>
+                      <a:headEnd type="none" w="med" len="med"/>
+                      <a:tailEnd type="none" w="med" len="med"/>
+                    </a:lnR>
+                    <a:lnT w="12700" cap="flat" cmpd="sng" algn="ctr">
+                      <a:solidFill>
+                        <a:schemeClr val="tx1"/>
+                      </a:solidFill>
+                      <a:prstDash val="solid"/>
+                      <a:round/>
+                      <a:headEnd type="none" w="med" len="med"/>
+                      <a:tailEnd type="none" w="med" len="med"/>
+                    </a:lnT>
+                    <a:lnB w="12700" cap="flat" cmpd="sng" algn="ctr">
+                      <a:solidFill>
+                        <a:schemeClr val="tx1"/>
+                      </a:solidFill>
+                      <a:prstDash val="solid"/>
+                      <a:round/>
+                      <a:headEnd type="none" w="med" len="med"/>
+                      <a:tailEnd type="none" w="med" len="med"/>
+                    </a:lnB>
+                    <a:solidFill>
+                      <a:schemeClr val="accent6"/>
+                    </a:solidFill>
+                  </a:tcPr>
+                </a:tc>
+                <a:tc>
+                  <a:txBody>
+                    <a:bodyPr/>
+                    <a:lstStyle/>
+                    <a:p>
+                      <a:pPr/>
+                      <a:r>
+                        <a:rPr lang="en-US" b="0" dirty="0">
+                          <a:solidFill>
+                            <a:schemeClr val="bg1"/>
+                          </a:solidFill>
+                        </a:rPr>
+                        <a:t>14</a:t>
+                      </a:r>
+                    </a:p>
+                  </a:txBody>
+                  <a:tcPr>
+                    <a:lnL w="12700" cap="flat" cmpd="sng" algn="ctr">
+                      <a:solidFill>
+                        <a:schemeClr val="tx1"/>
+                      </a:solidFill>
+                      <a:prstDash val="solid"/>
+                      <a:round/>
+                      <a:headEnd type="none" w="med" len="med"/>
+                      <a:tailEnd type="none" w="med" len="med"/>
+                    </a:lnL>
+                    <a:lnR w="12700" cap="flat" cmpd="sng" algn="ctr">
+                      <a:solidFill>
+                        <a:schemeClr val="tx1"/>
+                      </a:solidFill>
+                      <a:prstDash val="solid"/>
+                      <a:round/>
+                      <a:headEnd type="none" w="med" len="med"/>
+                      <a:tailEnd type="none" w="med" len="med"/>
+                    </a:lnR>
+                    <a:lnT w="12700" cap="flat" cmpd="sng" algn="ctr">
+                      <a:solidFill>
+                        <a:schemeClr val="tx1"/>
+                      </a:solidFill>
+                      <a:prstDash val="solid"/>
+                      <a:round/>
+                      <a:headEnd type="none" w="med" len="med"/>
+                      <a:tailEnd type="none" w="med" len="med"/>
+                    </a:lnT>
+                    <a:lnB w="12700" cap="flat" cmpd="sng" algn="ctr">
+                      <a:solidFill>
+                        <a:schemeClr val="tx1"/>
+                      </a:solidFill>
+                      <a:prstDash val="solid"/>
+                      <a:round/>
+                      <a:headEnd type="none" w="med" len="med"/>
+                      <a:tailEnd type="none" w="med" len="med"/>
+                    </a:lnB>
+                    <a:solidFill>
+                      <a:schemeClr val="accent6"/>
+                    </a:solidFill>
+                  </a:tcPr>
+                </a:tc>
+                <a:extLst>
+                  <a:ext uri="{0D108BD9-81ED-4DB2-BD59-A6C34878D82A}">
+                    <a16:rowId xmlns:a16="http://schemas.microsoft.com/office/drawing/2014/main" val="750636996"/>
+                  </a:ext>
+                </a:extLst>
+              </a:tr>
+              <a:tr h="370840">
+                <a:tc>
+                  <a:txBody>
+                    <a:bodyPr/>
+                    <a:lstStyle/>
+                    <a:p>
+                      <a:pPr/>
+                      <a:r>
+                        <a:rPr lang="en-US" dirty="0">
+                          <a:solidFill>
+                            <a:schemeClr val="bg1"/>
+                          </a:solidFill>
+                        </a:rPr>
+                        <a:t>24</a:t>
+                      </a:r>
+                    </a:p>
+                  </a:txBody>
+                  <a:tcPr>
+                    <a:lnL w="12700" cap="flat" cmpd="sng" algn="ctr">
+                      <a:solidFill>
+                        <a:schemeClr val="tx1"/>
+                      </a:solidFill>
+                      <a:prstDash val="solid"/>
+                      <a:round/>
+                      <a:headEnd type="none" w="med" len="med"/>
+                      <a:tailEnd type="none" w="med" len="med"/>
+                    </a:lnL>
+                    <a:lnR w="12700" cap="flat" cmpd="sng" algn="ctr">
+                      <a:solidFill>
+                        <a:schemeClr val="tx1"/>
+                      </a:solidFill>
+                      <a:prstDash val="solid"/>
+                      <a:round/>
+                      <a:headEnd type="none" w="med" len="med"/>
+                      <a:tailEnd type="none" w="med" len="med"/>
+                    </a:lnR>
+                    <a:lnT w="12700" cap="flat" cmpd="sng" algn="ctr">
+                      <a:solidFill>
+                        <a:schemeClr val="tx1"/>
+                      </a:solidFill>
+                      <a:prstDash val="solid"/>
+                      <a:round/>
+                      <a:headEnd type="none" w="med" len="med"/>
+                      <a:tailEnd type="none" w="med" len="med"/>
+                    </a:lnT>
+                    <a:lnB w="12700" cap="flat" cmpd="sng" algn="ctr">
+                      <a:solidFill>
+                        <a:schemeClr val="tx1"/>
+                      </a:solidFill>
+                      <a:prstDash val="solid"/>
+                      <a:round/>
+                      <a:headEnd type="none" w="med" len="med"/>
+                      <a:tailEnd type="none" w="med" len="med"/>
+                    </a:lnB>
+                    <a:solidFill>
+                      <a:schemeClr val="accent6"/>
+                    </a:solidFill>
+                  </a:tcPr>
+                </a:tc>
+                <a:tc>
+                  <a:txBody>
+                    <a:bodyPr/>
+                    <a:lstStyle/>
+                    <a:p>
+                      <a:pPr/>
+                      <a:r>
+                        <a:rPr lang="en-US" dirty="0">
+                          <a:solidFill>
+                            <a:schemeClr val="bg1"/>
+                          </a:solidFill>
+                        </a:rPr>
+                        <a:t>25</a:t>
+                      </a:r>
+                    </a:p>
+                  </a:txBody>
+                  <a:tcPr>
+                    <a:lnL w="12700" cap="flat" cmpd="sng" algn="ctr">
+                      <a:solidFill>
+                        <a:schemeClr val="tx1"/>
+                      </a:solidFill>
+                      <a:prstDash val="solid"/>
+                      <a:round/>
+                      <a:headEnd type="none" w="med" len="med"/>
+                      <a:tailEnd type="none" w="med" len="med"/>
+                    </a:lnL>
+                    <a:lnR w="12700" cap="flat" cmpd="sng" algn="ctr">
+                      <a:solidFill>
+                        <a:schemeClr val="tx1"/>
+                      </a:solidFill>
+                      <a:prstDash val="solid"/>
+                      <a:round/>
+                      <a:headEnd type="none" w="med" len="med"/>
+                      <a:tailEnd type="none" w="med" len="med"/>
+                    </a:lnR>
+                    <a:lnT w="12700" cap="flat" cmpd="sng" algn="ctr">
+                      <a:solidFill>
+                        <a:schemeClr val="tx1"/>
+                      </a:solidFill>
+                      <a:prstDash val="solid"/>
+                      <a:round/>
+                      <a:headEnd type="none" w="med" len="med"/>
+                      <a:tailEnd type="none" w="med" len="med"/>
+                    </a:lnT>
+                    <a:lnB w="12700" cap="flat" cmpd="sng" algn="ctr">
+                      <a:solidFill>
+                        <a:schemeClr val="tx1"/>
+                      </a:solidFill>
+                      <a:prstDash val="solid"/>
+                      <a:round/>
+                      <a:headEnd type="none" w="med" len="med"/>
+                      <a:tailEnd type="none" w="med" len="med"/>
+                    </a:lnB>
+                    <a:solidFill>
+                      <a:schemeClr val="accent6"/>
+                    </a:solidFill>
+                  </a:tcPr>
+                </a:tc>
+                <a:tc>
+                  <a:txBody>
+                    <a:bodyPr/>
+                    <a:lstStyle/>
+                    <a:p>
+                      <a:pPr/>
+                      <a:r>
+                        <a:rPr lang="en-US" dirty="0">
+                          <a:solidFill>
+                            <a:schemeClr val="bg1"/>
+                          </a:solidFill>
+                        </a:rPr>
+                        <a:t>26</a:t>
+                      </a:r>
+                    </a:p>
+                  </a:txBody>
+                  <a:tcPr>
+                    <a:lnL w="12700" cap="flat" cmpd="sng" algn="ctr">
+                      <a:solidFill>
+                        <a:schemeClr val="tx1"/>
+                      </a:solidFill>
+                      <a:prstDash val="solid"/>
+                      <a:round/>
+                      <a:headEnd type="none" w="med" len="med"/>
+                      <a:tailEnd type="none" w="med" len="med"/>
+                    </a:lnL>
+                    <a:lnR w="12700" cap="flat" cmpd="sng" algn="ctr">
+                      <a:solidFill>
+                        <a:schemeClr val="tx1"/>
+                      </a:solidFill>
+                      <a:prstDash val="solid"/>
+                      <a:round/>
+                      <a:headEnd type="none" w="med" len="med"/>
+                      <a:tailEnd type="none" w="med" len="med"/>
+                    </a:lnR>
+                    <a:lnT w="12700" cap="flat" cmpd="sng" algn="ctr">
+                      <a:solidFill>
+                        <a:schemeClr val="tx1"/>
+                      </a:solidFill>
+                      <a:prstDash val="solid"/>
+                      <a:round/>
+                      <a:headEnd type="none" w="med" len="med"/>
+                      <a:tailEnd type="none" w="med" len="med"/>
+                    </a:lnT>
+                    <a:lnB w="12700" cap="flat" cmpd="sng" algn="ctr">
+                      <a:solidFill>
+                        <a:schemeClr val="tx1"/>
+                      </a:solidFill>
+                      <a:prstDash val="solid"/>
+                      <a:round/>
+                      <a:headEnd type="none" w="med" len="med"/>
+                      <a:tailEnd type="none" w="med" len="med"/>
+                    </a:lnB>
+                    <a:solidFill>
+                      <a:schemeClr val="accent6"/>
+                    </a:solidFill>
+                  </a:tcPr>
+                </a:tc>
+                <a:extLst>
+                  <a:ext uri="{0D108BD9-81ED-4DB2-BD59-A6C34878D82A}">
+                    <a16:rowId xmlns:a16="http://schemas.microsoft.com/office/drawing/2014/main" val="3792294900"/>
+                  </a:ext>
+                </a:extLst>
+              </a:tr>
+              <a:tr h="370840">
+                <a:tc>
+                  <a:txBody>
+                    <a:bodyPr/>
+                    <a:lstStyle/>
+                    <a:p>
+                      <a:pPr/>
+                      <a:r>
+                        <a:rPr lang="en-US" dirty="0">
+                          <a:solidFill>
+                            <a:schemeClr val="bg1"/>
+                          </a:solidFill>
+                        </a:rPr>
+                        <a:t>36</a:t>
+                      </a:r>
+                    </a:p>
+                  </a:txBody>
+                  <a:tcPr>
+                    <a:lnL w="12700" cap="flat" cmpd="sng" algn="ctr">
+                      <a:solidFill>
+                        <a:schemeClr val="tx1"/>
+                      </a:solidFill>
+                      <a:prstDash val="solid"/>
+                      <a:round/>
+                      <a:headEnd type="none" w="med" len="med"/>
+                      <a:tailEnd type="none" w="med" len="med"/>
+                    </a:lnL>
+                    <a:lnR w="12700" cap="flat" cmpd="sng" algn="ctr">
+                      <a:solidFill>
+                        <a:schemeClr val="tx1"/>
+                      </a:solidFill>
+                      <a:prstDash val="solid"/>
+                      <a:round/>
+                      <a:headEnd type="none" w="med" len="med"/>
+                      <a:tailEnd type="none" w="med" len="med"/>
+                    </a:lnR>
+                    <a:lnT w="12700" cap="flat" cmpd="sng" algn="ctr">
+                      <a:solidFill>
+                        <a:schemeClr val="tx1"/>
+                      </a:solidFill>
+                      <a:prstDash val="solid"/>
+                      <a:round/>
+                      <a:headEnd type="none" w="med" len="med"/>
+                      <a:tailEnd type="none" w="med" len="med"/>
+                    </a:lnT>
+                    <a:lnB w="12700" cap="flat" cmpd="sng" algn="ctr">
+                      <a:solidFill>
+                        <a:schemeClr val="tx1"/>
+                      </a:solidFill>
+                      <a:prstDash val="solid"/>
+                      <a:round/>
+                      <a:headEnd type="none" w="med" len="med"/>
+                      <a:tailEnd type="none" w="med" len="med"/>
+                    </a:lnB>
+                    <a:solidFill>
+                      <a:schemeClr val="accent6"/>
+                    </a:solidFill>
+                  </a:tcPr>
+                </a:tc>
+                <a:tc>
+                  <a:txBody>
+                    <a:bodyPr/>
+                    <a:lstStyle/>
+                    <a:p>
+                      <a:pPr/>
+                      <a:r>
+                        <a:rPr lang="en-US" dirty="0">
+                          <a:solidFill>
+                            <a:schemeClr val="bg1"/>
+                          </a:solidFill>
+                        </a:rPr>
+                        <a:t>37</a:t>
+                      </a:r>
+                    </a:p>
+                  </a:txBody>
+                  <a:tcPr>
+                    <a:lnL w="12700" cap="flat" cmpd="sng" algn="ctr">
+                      <a:solidFill>
+                        <a:schemeClr val="tx1"/>
+                      </a:solidFill>
+                      <a:prstDash val="solid"/>
+                      <a:round/>
+                      <a:headEnd type="none" w="med" len="med"/>
+                      <a:tailEnd type="none" w="med" len="med"/>
+                    </a:lnL>
+                    <a:lnR w="12700" cap="flat" cmpd="sng" algn="ctr">
+                      <a:solidFill>
+                        <a:schemeClr val="tx1"/>
+                      </a:solidFill>
+                      <a:prstDash val="solid"/>
+                      <a:round/>
+                      <a:headEnd type="none" w="med" len="med"/>
+                      <a:tailEnd type="none" w="med" len="med"/>
+                    </a:lnR>
+                    <a:lnT w="12700" cap="flat" cmpd="sng" algn="ctr">
+                      <a:solidFill>
+                        <a:schemeClr val="tx1"/>
+                      </a:solidFill>
+                      <a:prstDash val="solid"/>
+                      <a:round/>
+                      <a:headEnd type="none" w="med" len="med"/>
+                      <a:tailEnd type="none" w="med" len="med"/>
+                    </a:lnT>
+                    <a:lnB w="12700" cap="flat" cmpd="sng" algn="ctr">
+                      <a:solidFill>
+                        <a:schemeClr val="tx1"/>
+                      </a:solidFill>
+                      <a:prstDash val="solid"/>
+                      <a:round/>
+                      <a:headEnd type="none" w="med" len="med"/>
+                      <a:tailEnd type="none" w="med" len="med"/>
+                    </a:lnB>
+                    <a:solidFill>
+                      <a:schemeClr val="accent6"/>
+                    </a:solidFill>
+                  </a:tcPr>
+                </a:tc>
+                <a:tc>
+                  <a:txBody>
+                    <a:bodyPr/>
+                    <a:lstStyle/>
+                    <a:p>
+                      <a:pPr/>
+                      <a:r>
+                        <a:rPr lang="en-US" dirty="0">
+                          <a:solidFill>
+                            <a:schemeClr val="bg1"/>
+                          </a:solidFill>
+                        </a:rPr>
+                        <a:t>38</a:t>
+                      </a:r>
+                    </a:p>
+                  </a:txBody>
+                  <a:tcPr>
+                    <a:lnL w="12700" cap="flat" cmpd="sng" algn="ctr">
+                      <a:solidFill>
+                        <a:schemeClr val="tx1"/>
+                      </a:solidFill>
+                      <a:prstDash val="solid"/>
+                      <a:round/>
+                      <a:headEnd type="none" w="med" len="med"/>
+                      <a:tailEnd type="none" w="med" len="med"/>
+                    </a:lnL>
+                    <a:lnR w="12700" cap="flat" cmpd="sng" algn="ctr">
+                      <a:solidFill>
+                        <a:schemeClr val="tx1"/>
+                      </a:solidFill>
+                      <a:prstDash val="solid"/>
+                      <a:round/>
+                      <a:headEnd type="none" w="med" len="med"/>
+                      <a:tailEnd type="none" w="med" len="med"/>
+                    </a:lnR>
+                    <a:lnT w="12700" cap="flat" cmpd="sng" algn="ctr">
+                      <a:solidFill>
+                        <a:schemeClr val="tx1"/>
+                      </a:solidFill>
+                      <a:prstDash val="solid"/>
+                      <a:round/>
+                      <a:headEnd type="none" w="med" len="med"/>
+                      <a:tailEnd type="none" w="med" len="med"/>
+                    </a:lnT>
+                    <a:lnB w="12700" cap="flat" cmpd="sng" algn="ctr">
+                      <a:solidFill>
+                        <a:schemeClr val="tx1"/>
+                      </a:solidFill>
+                      <a:prstDash val="solid"/>
+                      <a:round/>
+                      <a:headEnd type="none" w="med" len="med"/>
+                      <a:tailEnd type="none" w="med" len="med"/>
+                    </a:lnB>
+                    <a:solidFill>
+                      <a:schemeClr val="accent6"/>
+                    </a:solidFill>
+                  </a:tcPr>
+                </a:tc>
+                <a:extLst>
+                  <a:ext uri="{0D108BD9-81ED-4DB2-BD59-A6C34878D82A}">
+                    <a16:rowId xmlns:a16="http://schemas.microsoft.com/office/drawing/2014/main" val="4103855044"/>
+                  </a:ext>
+                </a:extLst>
+              </a:tr>
+            </a:tbl>
+          </a:graphicData>
+        </a:graphic>
+      </p:graphicFrame>
+      <p:graphicFrame>
+        <p:nvGraphicFramePr>
+          <p:cNvPr id="4" name="Table 3">
+            <a:extLst>
+              <a:ext uri="{FF2B5EF4-FFF2-40B4-BE49-F238E27FC236}">
+                <a16:creationId xmlns:a16="http://schemas.microsoft.com/office/drawing/2014/main" id="{711761C6-7F52-43BA-A823-4A2C8FF24585}"/>
+              </a:ext>
+            </a:extLst>
+          </p:cNvPr>
+          <p:cNvGraphicFramePr>
+            <a:graphicFrameLocks noGrp="1"/>
+          </p:cNvGraphicFramePr>
+          <p:nvPr>
+            <p:extLst>
+              <p:ext uri="{D42A27DB-BD31-4B8C-83A1-F6EECF244321}">
+                <p14:modId xmlns:p14="http://schemas.microsoft.com/office/powerpoint/2010/main" val="3616746426"/>
+              </p:ext>
+            </p:extLst>
+          </p:nvPr>
+        </p:nvGraphicFramePr>
+        <p:xfrm>
+          <a:off x="4721441" y="1185275"/>
+          <a:ext cx="1294296" cy="1112520"/>
+        </p:xfrm>
+        <a:graphic>
+          <a:graphicData uri="http://schemas.openxmlformats.org/drawingml/2006/table">
+            <a:tbl>
+              <a:tblPr firstRow="1" bandRow="1">
+                <a:tableStyleId>{D113A9D2-9D6B-4929-AA2D-F23B5EE8CBE7}</a:tableStyleId>
+              </a:tblPr>
+              <a:tblGrid>
+                <a:gridCol w="431432">
+                  <a:extLst>
+                    <a:ext uri="{9D8B030D-6E8A-4147-A177-3AD203B41FA5}">
+                      <a16:colId xmlns:a16="http://schemas.microsoft.com/office/drawing/2014/main" val="1038572778"/>
+                    </a:ext>
+                  </a:extLst>
+                </a:gridCol>
+                <a:gridCol w="431432">
+                  <a:extLst>
+                    <a:ext uri="{9D8B030D-6E8A-4147-A177-3AD203B41FA5}">
+                      <a16:colId xmlns:a16="http://schemas.microsoft.com/office/drawing/2014/main" val="2574731819"/>
+                    </a:ext>
+                  </a:extLst>
+                </a:gridCol>
+                <a:gridCol w="431432">
+                  <a:extLst>
+                    <a:ext uri="{9D8B030D-6E8A-4147-A177-3AD203B41FA5}">
+                      <a16:colId xmlns:a16="http://schemas.microsoft.com/office/drawing/2014/main" val="3702273779"/>
+                    </a:ext>
+                  </a:extLst>
+                </a:gridCol>
+              </a:tblGrid>
+              <a:tr h="370840">
+                <a:tc>
+                  <a:txBody>
+                    <a:bodyPr/>
+                    <a:lstStyle/>
+                    <a:p>
+                      <a:pPr algn="ctr"/>
+                      <a:r>
+                        <a:rPr lang="en-US" sz="1800" b="0" dirty="0">
+                          <a:solidFill>
+                            <a:schemeClr val="bg1"/>
+                          </a:solidFill>
+                          <a:latin typeface="+mn-lt"/>
+                          <a:ea typeface="Cambria Math" panose="02040503050406030204" pitchFamily="18" charset="0"/>
+                          <a:cs typeface="Courier New" panose="02070309020205020404" pitchFamily="49" charset="0"/>
+                        </a:rPr>
+                        <a:t>0</a:t>
+                      </a:r>
+                    </a:p>
+                  </a:txBody>
+                  <a:tcPr>
+                    <a:lnL w="12700" cap="flat" cmpd="sng" algn="ctr">
+                      <a:solidFill>
+                        <a:schemeClr val="tx1"/>
+                      </a:solidFill>
+                      <a:prstDash val="solid"/>
+                      <a:round/>
+                      <a:headEnd type="none" w="med" len="med"/>
+                      <a:tailEnd type="none" w="med" len="med"/>
+                    </a:lnL>
+                    <a:lnR w="12700" cap="flat" cmpd="sng" algn="ctr">
+                      <a:solidFill>
+                        <a:schemeClr val="tx1"/>
+                      </a:solidFill>
+                      <a:prstDash val="solid"/>
+                      <a:round/>
+                      <a:headEnd type="none" w="med" len="med"/>
+                      <a:tailEnd type="none" w="med" len="med"/>
+                    </a:lnR>
+                    <a:lnT w="12700" cap="flat" cmpd="sng" algn="ctr">
+                      <a:solidFill>
+                        <a:schemeClr val="tx1"/>
+                      </a:solidFill>
+                      <a:prstDash val="solid"/>
+                      <a:round/>
+                      <a:headEnd type="none" w="med" len="med"/>
+                      <a:tailEnd type="none" w="med" len="med"/>
+                    </a:lnT>
+                    <a:lnB w="12700" cap="flat" cmpd="sng" algn="ctr">
+                      <a:solidFill>
+                        <a:schemeClr val="tx1"/>
+                      </a:solidFill>
+                      <a:prstDash val="solid"/>
+                      <a:round/>
+                      <a:headEnd type="none" w="med" len="med"/>
+                      <a:tailEnd type="none" w="med" len="med"/>
+                    </a:lnB>
+                    <a:solidFill>
+                      <a:schemeClr val="bg1">
+                        <a:lumMod val="50000"/>
+                      </a:schemeClr>
+                    </a:solidFill>
+                  </a:tcPr>
+                </a:tc>
+                <a:tc>
+                  <a:txBody>
+                    <a:bodyPr/>
+                    <a:lstStyle/>
+                    <a:p>
+                      <a:pPr algn="ctr"/>
+                      <a:r>
+                        <a:rPr lang="en-US" sz="1800" b="0" dirty="0">
+                          <a:solidFill>
+                            <a:schemeClr val="bg1"/>
+                          </a:solidFill>
+                          <a:latin typeface="+mn-lt"/>
+                          <a:cs typeface="Courier New" panose="02070309020205020404" pitchFamily="49" charset="0"/>
+                        </a:rPr>
+                        <a:t>1</a:t>
+                      </a:r>
+                    </a:p>
+                  </a:txBody>
+                  <a:tcPr>
+                    <a:lnL w="12700" cap="flat" cmpd="sng" algn="ctr">
+                      <a:solidFill>
+                        <a:schemeClr val="tx1"/>
+                      </a:solidFill>
+                      <a:prstDash val="solid"/>
+                      <a:round/>
+                      <a:headEnd type="none" w="med" len="med"/>
+                      <a:tailEnd type="none" w="med" len="med"/>
+                    </a:lnL>
+                    <a:lnR w="12700" cap="flat" cmpd="sng" algn="ctr">
+                      <a:solidFill>
+                        <a:schemeClr val="tx1"/>
+                      </a:solidFill>
+                      <a:prstDash val="solid"/>
+                      <a:round/>
+                      <a:headEnd type="none" w="med" len="med"/>
+                      <a:tailEnd type="none" w="med" len="med"/>
+                    </a:lnR>
+                    <a:lnT w="12700" cap="flat" cmpd="sng" algn="ctr">
+                      <a:solidFill>
+                        <a:schemeClr val="tx1"/>
+                      </a:solidFill>
+                      <a:prstDash val="solid"/>
+                      <a:round/>
+                      <a:headEnd type="none" w="med" len="med"/>
+                      <a:tailEnd type="none" w="med" len="med"/>
+                    </a:lnT>
+                    <a:lnB w="12700" cap="flat" cmpd="sng" algn="ctr">
+                      <a:solidFill>
+                        <a:schemeClr val="tx1"/>
+                      </a:solidFill>
+                      <a:prstDash val="solid"/>
+                      <a:round/>
+                      <a:headEnd type="none" w="med" len="med"/>
+                      <a:tailEnd type="none" w="med" len="med"/>
+                    </a:lnB>
+                    <a:solidFill>
+                      <a:schemeClr val="bg1">
+                        <a:lumMod val="50000"/>
+                      </a:schemeClr>
+                    </a:solidFill>
+                  </a:tcPr>
+                </a:tc>
+                <a:tc>
+                  <a:txBody>
+                    <a:bodyPr/>
+                    <a:lstStyle/>
+                    <a:p>
+                      <a:pPr algn="ctr"/>
+                      <a:r>
+                        <a:rPr lang="en-US" sz="1800" b="0" dirty="0">
+                          <a:solidFill>
+                            <a:schemeClr val="bg1"/>
+                          </a:solidFill>
+                          <a:latin typeface="+mn-lt"/>
+                          <a:cs typeface="Courier New" panose="02070309020205020404" pitchFamily="49" charset="0"/>
+                        </a:rPr>
+                        <a:t>2</a:t>
+                      </a:r>
+                    </a:p>
+                  </a:txBody>
+                  <a:tcPr>
+                    <a:lnL w="12700" cap="flat" cmpd="sng" algn="ctr">
+                      <a:solidFill>
+                        <a:schemeClr val="tx1"/>
+                      </a:solidFill>
+                      <a:prstDash val="solid"/>
+                      <a:round/>
+                      <a:headEnd type="none" w="med" len="med"/>
+                      <a:tailEnd type="none" w="med" len="med"/>
+                    </a:lnL>
+                    <a:lnR w="12700" cap="flat" cmpd="sng" algn="ctr">
+                      <a:solidFill>
+                        <a:schemeClr val="tx1"/>
+                      </a:solidFill>
+                      <a:prstDash val="solid"/>
+                      <a:round/>
+                      <a:headEnd type="none" w="med" len="med"/>
+                      <a:tailEnd type="none" w="med" len="med"/>
+                    </a:lnR>
+                    <a:lnT w="12700" cap="flat" cmpd="sng" algn="ctr">
+                      <a:solidFill>
+                        <a:schemeClr val="tx1"/>
+                      </a:solidFill>
+                      <a:prstDash val="solid"/>
+                      <a:round/>
+                      <a:headEnd type="none" w="med" len="med"/>
+                      <a:tailEnd type="none" w="med" len="med"/>
+                    </a:lnT>
+                    <a:lnB w="12700" cap="flat" cmpd="sng" algn="ctr">
+                      <a:solidFill>
+                        <a:schemeClr val="tx1"/>
+                      </a:solidFill>
+                      <a:prstDash val="solid"/>
+                      <a:round/>
+                      <a:headEnd type="none" w="med" len="med"/>
+                      <a:tailEnd type="none" w="med" len="med"/>
+                    </a:lnB>
+                    <a:solidFill>
+                      <a:schemeClr val="bg1">
+                        <a:lumMod val="50000"/>
+                      </a:schemeClr>
+                    </a:solidFill>
+                  </a:tcPr>
+                </a:tc>
+                <a:extLst>
+                  <a:ext uri="{0D108BD9-81ED-4DB2-BD59-A6C34878D82A}">
+                    <a16:rowId xmlns:a16="http://schemas.microsoft.com/office/drawing/2014/main" val="750636996"/>
+                  </a:ext>
+                </a:extLst>
+              </a:tr>
+              <a:tr h="370840">
+                <a:tc>
+                  <a:txBody>
+                    <a:bodyPr/>
+                    <a:lstStyle/>
+                    <a:p>
+                      <a:pPr algn="ctr"/>
+                      <a:r>
+                        <a:rPr lang="en-US" sz="1800" b="0" dirty="0">
+                          <a:solidFill>
+                            <a:schemeClr val="bg1"/>
+                          </a:solidFill>
+                          <a:latin typeface="+mn-lt"/>
+                          <a:cs typeface="Courier New" panose="02070309020205020404" pitchFamily="49" charset="0"/>
+                        </a:rPr>
+                        <a:t>3</a:t>
+                      </a:r>
+                    </a:p>
+                  </a:txBody>
+                  <a:tcPr>
+                    <a:lnL w="12700" cap="flat" cmpd="sng" algn="ctr">
+                      <a:solidFill>
+                        <a:schemeClr val="tx1"/>
+                      </a:solidFill>
+                      <a:prstDash val="solid"/>
+                      <a:round/>
+                      <a:headEnd type="none" w="med" len="med"/>
+                      <a:tailEnd type="none" w="med" len="med"/>
+                    </a:lnL>
+                    <a:lnR w="12700" cap="flat" cmpd="sng" algn="ctr">
+                      <a:solidFill>
+                        <a:schemeClr val="tx1"/>
+                      </a:solidFill>
+                      <a:prstDash val="solid"/>
+                      <a:round/>
+                      <a:headEnd type="none" w="med" len="med"/>
+                      <a:tailEnd type="none" w="med" len="med"/>
+                    </a:lnR>
+                    <a:lnT w="12700" cap="flat" cmpd="sng" algn="ctr">
+                      <a:solidFill>
+                        <a:schemeClr val="tx1"/>
+                      </a:solidFill>
+                      <a:prstDash val="solid"/>
+                      <a:round/>
+                      <a:headEnd type="none" w="med" len="med"/>
+                      <a:tailEnd type="none" w="med" len="med"/>
+                    </a:lnT>
+                    <a:lnB w="12700" cap="flat" cmpd="sng" algn="ctr">
+                      <a:solidFill>
+                        <a:schemeClr val="tx1"/>
+                      </a:solidFill>
+                      <a:prstDash val="solid"/>
+                      <a:round/>
+                      <a:headEnd type="none" w="med" len="med"/>
+                      <a:tailEnd type="none" w="med" len="med"/>
+                    </a:lnB>
+                    <a:solidFill>
+                      <a:schemeClr val="bg1">
+                        <a:lumMod val="50000"/>
+                      </a:schemeClr>
+                    </a:solidFill>
+                  </a:tcPr>
+                </a:tc>
+                <a:tc>
+                  <a:txBody>
+                    <a:bodyPr/>
+                    <a:lstStyle/>
+                    <a:p>
+                      <a:pPr algn="ctr"/>
+                      <a:r>
+                        <a:rPr lang="en-US" sz="1800" b="0" dirty="0">
+                          <a:solidFill>
+                            <a:schemeClr val="bg1"/>
+                          </a:solidFill>
+                          <a:latin typeface="+mn-lt"/>
+                          <a:cs typeface="Courier New" panose="02070309020205020404" pitchFamily="49" charset="0"/>
+                        </a:rPr>
+                        <a:t>4</a:t>
+                      </a:r>
+                    </a:p>
+                  </a:txBody>
+                  <a:tcPr>
+                    <a:lnL w="12700" cap="flat" cmpd="sng" algn="ctr">
+                      <a:solidFill>
+                        <a:schemeClr val="tx1"/>
+                      </a:solidFill>
+                      <a:prstDash val="solid"/>
+                      <a:round/>
+                      <a:headEnd type="none" w="med" len="med"/>
+                      <a:tailEnd type="none" w="med" len="med"/>
+                    </a:lnL>
+                    <a:lnR w="12700" cap="flat" cmpd="sng" algn="ctr">
+                      <a:solidFill>
+                        <a:schemeClr val="tx1"/>
+                      </a:solidFill>
+                      <a:prstDash val="solid"/>
+                      <a:round/>
+                      <a:headEnd type="none" w="med" len="med"/>
+                      <a:tailEnd type="none" w="med" len="med"/>
+                    </a:lnR>
+                    <a:lnT w="12700" cap="flat" cmpd="sng" algn="ctr">
+                      <a:solidFill>
+                        <a:schemeClr val="tx1"/>
+                      </a:solidFill>
+                      <a:prstDash val="solid"/>
+                      <a:round/>
+                      <a:headEnd type="none" w="med" len="med"/>
+                      <a:tailEnd type="none" w="med" len="med"/>
+                    </a:lnT>
+                    <a:lnB w="12700" cap="flat" cmpd="sng" algn="ctr">
+                      <a:solidFill>
+                        <a:schemeClr val="tx1"/>
+                      </a:solidFill>
+                      <a:prstDash val="solid"/>
+                      <a:round/>
+                      <a:headEnd type="none" w="med" len="med"/>
+                      <a:tailEnd type="none" w="med" len="med"/>
+                    </a:lnB>
+                    <a:solidFill>
+                      <a:schemeClr val="bg1">
+                        <a:lumMod val="50000"/>
+                      </a:schemeClr>
+                    </a:solidFill>
+                  </a:tcPr>
+                </a:tc>
+                <a:tc>
+                  <a:txBody>
+                    <a:bodyPr/>
+                    <a:lstStyle/>
+                    <a:p>
+                      <a:pPr algn="ctr"/>
+                      <a:r>
+                        <a:rPr lang="en-US" sz="1800" b="0" dirty="0">
+                          <a:solidFill>
+                            <a:schemeClr val="bg1"/>
+                          </a:solidFill>
+                          <a:latin typeface="+mn-lt"/>
+                          <a:cs typeface="Courier New" panose="02070309020205020404" pitchFamily="49" charset="0"/>
+                        </a:rPr>
+                        <a:t>5</a:t>
+                      </a:r>
+                    </a:p>
+                  </a:txBody>
+                  <a:tcPr>
+                    <a:lnL w="12700" cap="flat" cmpd="sng" algn="ctr">
+                      <a:solidFill>
+                        <a:schemeClr val="tx1"/>
+                      </a:solidFill>
+                      <a:prstDash val="solid"/>
+                      <a:round/>
+                      <a:headEnd type="none" w="med" len="med"/>
+                      <a:tailEnd type="none" w="med" len="med"/>
+                    </a:lnL>
+                    <a:lnR w="12700" cap="flat" cmpd="sng" algn="ctr">
+                      <a:solidFill>
+                        <a:schemeClr val="tx1"/>
+                      </a:solidFill>
+                      <a:prstDash val="solid"/>
+                      <a:round/>
+                      <a:headEnd type="none" w="med" len="med"/>
+                      <a:tailEnd type="none" w="med" len="med"/>
+                    </a:lnR>
+                    <a:lnT w="12700" cap="flat" cmpd="sng" algn="ctr">
+                      <a:solidFill>
+                        <a:schemeClr val="tx1"/>
+                      </a:solidFill>
+                      <a:prstDash val="solid"/>
+                      <a:round/>
+                      <a:headEnd type="none" w="med" len="med"/>
+                      <a:tailEnd type="none" w="med" len="med"/>
+                    </a:lnT>
+                    <a:lnB w="12700" cap="flat" cmpd="sng" algn="ctr">
+                      <a:solidFill>
+                        <a:schemeClr val="tx1"/>
+                      </a:solidFill>
+                      <a:prstDash val="solid"/>
+                      <a:round/>
+                      <a:headEnd type="none" w="med" len="med"/>
+                      <a:tailEnd type="none" w="med" len="med"/>
+                    </a:lnB>
+                    <a:solidFill>
+                      <a:schemeClr val="bg1">
+                        <a:lumMod val="50000"/>
+                      </a:schemeClr>
+                    </a:solidFill>
+                  </a:tcPr>
+                </a:tc>
+                <a:extLst>
+                  <a:ext uri="{0D108BD9-81ED-4DB2-BD59-A6C34878D82A}">
+                    <a16:rowId xmlns:a16="http://schemas.microsoft.com/office/drawing/2014/main" val="3792294900"/>
+                  </a:ext>
+                </a:extLst>
+              </a:tr>
+              <a:tr h="370840">
+                <a:tc>
+                  <a:txBody>
+                    <a:bodyPr/>
+                    <a:lstStyle/>
+                    <a:p>
+                      <a:pPr algn="ctr"/>
+                      <a:r>
+                        <a:rPr lang="en-US" sz="1800" b="0" dirty="0">
+                          <a:solidFill>
+                            <a:schemeClr val="bg1"/>
+                          </a:solidFill>
+                          <a:latin typeface="+mn-lt"/>
+                          <a:cs typeface="Courier New" panose="02070309020205020404" pitchFamily="49" charset="0"/>
+                        </a:rPr>
+                        <a:t>6</a:t>
+                      </a:r>
+                    </a:p>
+                  </a:txBody>
+                  <a:tcPr>
+                    <a:lnL w="12700" cap="flat" cmpd="sng" algn="ctr">
+                      <a:solidFill>
+                        <a:schemeClr val="tx1"/>
+                      </a:solidFill>
+                      <a:prstDash val="solid"/>
+                      <a:round/>
+                      <a:headEnd type="none" w="med" len="med"/>
+                      <a:tailEnd type="none" w="med" len="med"/>
+                    </a:lnL>
+                    <a:lnR w="12700" cap="flat" cmpd="sng" algn="ctr">
+                      <a:solidFill>
+                        <a:schemeClr val="tx1"/>
+                      </a:solidFill>
+                      <a:prstDash val="solid"/>
+                      <a:round/>
+                      <a:headEnd type="none" w="med" len="med"/>
+                      <a:tailEnd type="none" w="med" len="med"/>
+                    </a:lnR>
+                    <a:lnT w="12700" cap="flat" cmpd="sng" algn="ctr">
+                      <a:solidFill>
+                        <a:schemeClr val="tx1"/>
+                      </a:solidFill>
+                      <a:prstDash val="solid"/>
+                      <a:round/>
+                      <a:headEnd type="none" w="med" len="med"/>
+                      <a:tailEnd type="none" w="med" len="med"/>
+                    </a:lnT>
+                    <a:lnB w="12700" cap="flat" cmpd="sng" algn="ctr">
+                      <a:solidFill>
+                        <a:schemeClr val="tx1"/>
+                      </a:solidFill>
+                      <a:prstDash val="solid"/>
+                      <a:round/>
+                      <a:headEnd type="none" w="med" len="med"/>
+                      <a:tailEnd type="none" w="med" len="med"/>
+                    </a:lnB>
+                    <a:solidFill>
+                      <a:schemeClr val="bg1">
+                        <a:lumMod val="50000"/>
+                      </a:schemeClr>
+                    </a:solidFill>
+                  </a:tcPr>
+                </a:tc>
+                <a:tc>
+                  <a:txBody>
+                    <a:bodyPr/>
+                    <a:lstStyle/>
+                    <a:p>
+                      <a:pPr algn="ctr"/>
+                      <a:r>
+                        <a:rPr lang="en-US" sz="1800" b="0" dirty="0">
+                          <a:solidFill>
+                            <a:schemeClr val="bg1"/>
+                          </a:solidFill>
+                          <a:latin typeface="+mn-lt"/>
+                          <a:cs typeface="Courier New" panose="02070309020205020404" pitchFamily="49" charset="0"/>
+                        </a:rPr>
+                        <a:t>7</a:t>
+                      </a:r>
+                    </a:p>
+                  </a:txBody>
+                  <a:tcPr>
+                    <a:lnL w="12700" cap="flat" cmpd="sng" algn="ctr">
+                      <a:solidFill>
+                        <a:schemeClr val="tx1"/>
+                      </a:solidFill>
+                      <a:prstDash val="solid"/>
+                      <a:round/>
+                      <a:headEnd type="none" w="med" len="med"/>
+                      <a:tailEnd type="none" w="med" len="med"/>
+                    </a:lnL>
+                    <a:lnR w="12700" cap="flat" cmpd="sng" algn="ctr">
+                      <a:solidFill>
+                        <a:schemeClr val="tx1"/>
+                      </a:solidFill>
+                      <a:prstDash val="solid"/>
+                      <a:round/>
+                      <a:headEnd type="none" w="med" len="med"/>
+                      <a:tailEnd type="none" w="med" len="med"/>
+                    </a:lnR>
+                    <a:lnT w="12700" cap="flat" cmpd="sng" algn="ctr">
+                      <a:solidFill>
+                        <a:schemeClr val="tx1"/>
+                      </a:solidFill>
+                      <a:prstDash val="solid"/>
+                      <a:round/>
+                      <a:headEnd type="none" w="med" len="med"/>
+                      <a:tailEnd type="none" w="med" len="med"/>
+                    </a:lnT>
+                    <a:lnB w="12700" cap="flat" cmpd="sng" algn="ctr">
+                      <a:solidFill>
+                        <a:schemeClr val="tx1"/>
+                      </a:solidFill>
+                      <a:prstDash val="solid"/>
+                      <a:round/>
+                      <a:headEnd type="none" w="med" len="med"/>
+                      <a:tailEnd type="none" w="med" len="med"/>
+                    </a:lnB>
+                    <a:solidFill>
+                      <a:schemeClr val="bg1">
+                        <a:lumMod val="50000"/>
+                      </a:schemeClr>
+                    </a:solidFill>
+                  </a:tcPr>
+                </a:tc>
+                <a:tc>
+                  <a:txBody>
+                    <a:bodyPr/>
+                    <a:lstStyle/>
+                    <a:p>
+                      <a:pPr marL="0" marR="0" lvl="0" indent="0" algn="ctr" defTabSz="914400" rtl="0" eaLnBrk="1" fontAlgn="auto" latinLnBrk="0" hangingPunct="1">
+                        <a:lnSpc>
+                          <a:spcPct val="100000"/>
+                        </a:lnSpc>
+                        <a:spcBef>
+                          <a:spcPts val="0"/>
+                        </a:spcBef>
+                        <a:spcAft>
+                          <a:spcPts val="0"/>
+                        </a:spcAft>
+                        <a:buClrTx/>
+                        <a:buSzTx/>
+                        <a:buFontTx/>
+                        <a:buNone/>
+                        <a:tabLst/>
+                        <a:defRPr/>
+                      </a:pPr>
+                      <a:r>
+                        <a:rPr lang="en-US" sz="1800" b="0" dirty="0">
+                          <a:solidFill>
+                            <a:schemeClr val="bg1"/>
+                          </a:solidFill>
+                          <a:latin typeface="+mn-lt"/>
+                          <a:cs typeface="Courier New" panose="02070309020205020404" pitchFamily="49" charset="0"/>
+                        </a:rPr>
+                        <a:t>8</a:t>
+                      </a:r>
+                    </a:p>
+                  </a:txBody>
+                  <a:tcPr>
+                    <a:lnL w="12700" cap="flat" cmpd="sng" algn="ctr">
+                      <a:solidFill>
+                        <a:schemeClr val="tx1"/>
+                      </a:solidFill>
+                      <a:prstDash val="solid"/>
+                      <a:round/>
+                      <a:headEnd type="none" w="med" len="med"/>
+                      <a:tailEnd type="none" w="med" len="med"/>
+                    </a:lnL>
+                    <a:lnR w="12700" cap="flat" cmpd="sng" algn="ctr">
+                      <a:solidFill>
+                        <a:schemeClr val="tx1"/>
+                      </a:solidFill>
+                      <a:prstDash val="solid"/>
+                      <a:round/>
+                      <a:headEnd type="none" w="med" len="med"/>
+                      <a:tailEnd type="none" w="med" len="med"/>
+                    </a:lnR>
+                    <a:lnT w="12700" cap="flat" cmpd="sng" algn="ctr">
+                      <a:solidFill>
+                        <a:schemeClr val="tx1"/>
+                      </a:solidFill>
+                      <a:prstDash val="solid"/>
+                      <a:round/>
+                      <a:headEnd type="none" w="med" len="med"/>
+                      <a:tailEnd type="none" w="med" len="med"/>
+                    </a:lnT>
+                    <a:lnB w="12700" cap="flat" cmpd="sng" algn="ctr">
+                      <a:solidFill>
+                        <a:schemeClr val="tx1"/>
+                      </a:solidFill>
+                      <a:prstDash val="solid"/>
+                      <a:round/>
+                      <a:headEnd type="none" w="med" len="med"/>
+                      <a:tailEnd type="none" w="med" len="med"/>
+                    </a:lnB>
+                    <a:solidFill>
+                      <a:schemeClr val="bg1">
+                        <a:lumMod val="50000"/>
+                      </a:schemeClr>
+                    </a:solidFill>
+                  </a:tcPr>
+                </a:tc>
+                <a:extLst>
+                  <a:ext uri="{0D108BD9-81ED-4DB2-BD59-A6C34878D82A}">
+                    <a16:rowId xmlns:a16="http://schemas.microsoft.com/office/drawing/2014/main" val="4103855044"/>
+                  </a:ext>
+                </a:extLst>
+              </a:tr>
+            </a:tbl>
+          </a:graphicData>
+        </a:graphic>
+      </p:graphicFrame>
+      <p:graphicFrame>
+        <p:nvGraphicFramePr>
+          <p:cNvPr id="5" name="Table 4">
+            <a:extLst>
+              <a:ext uri="{FF2B5EF4-FFF2-40B4-BE49-F238E27FC236}">
+                <a16:creationId xmlns:a16="http://schemas.microsoft.com/office/drawing/2014/main" id="{1DA543DF-BBA8-47CC-937B-0256FB60B410}"/>
+              </a:ext>
+            </a:extLst>
+          </p:cNvPr>
+          <p:cNvGraphicFramePr>
+            <a:graphicFrameLocks noGrp="1"/>
+          </p:cNvGraphicFramePr>
+          <p:nvPr>
+            <p:extLst>
+              <p:ext uri="{D42A27DB-BD31-4B8C-83A1-F6EECF244321}">
+                <p14:modId xmlns:p14="http://schemas.microsoft.com/office/powerpoint/2010/main" val="545093922"/>
+              </p:ext>
+            </p:extLst>
+          </p:nvPr>
+        </p:nvGraphicFramePr>
+        <p:xfrm>
+          <a:off x="4721441" y="3636464"/>
+          <a:ext cx="1294296" cy="1112520"/>
+        </p:xfrm>
+        <a:graphic>
+          <a:graphicData uri="http://schemas.openxmlformats.org/drawingml/2006/table">
+            <a:tbl>
+              <a:tblPr firstRow="1" bandRow="1">
+                <a:tableStyleId>{D113A9D2-9D6B-4929-AA2D-F23B5EE8CBE7}</a:tableStyleId>
+              </a:tblPr>
+              <a:tblGrid>
+                <a:gridCol w="431432">
+                  <a:extLst>
+                    <a:ext uri="{9D8B030D-6E8A-4147-A177-3AD203B41FA5}">
+                      <a16:colId xmlns:a16="http://schemas.microsoft.com/office/drawing/2014/main" val="1038572778"/>
+                    </a:ext>
+                  </a:extLst>
+                </a:gridCol>
+                <a:gridCol w="431432">
+                  <a:extLst>
+                    <a:ext uri="{9D8B030D-6E8A-4147-A177-3AD203B41FA5}">
+                      <a16:colId xmlns:a16="http://schemas.microsoft.com/office/drawing/2014/main" val="2574731819"/>
+                    </a:ext>
+                  </a:extLst>
+                </a:gridCol>
+                <a:gridCol w="431432">
+                  <a:extLst>
+                    <a:ext uri="{9D8B030D-6E8A-4147-A177-3AD203B41FA5}">
+                      <a16:colId xmlns:a16="http://schemas.microsoft.com/office/drawing/2014/main" val="3702273779"/>
+                    </a:ext>
+                  </a:extLst>
+                </a:gridCol>
+              </a:tblGrid>
+              <a:tr h="370840">
+                <a:tc>
+                  <a:txBody>
+                    <a:bodyPr/>
+                    <a:lstStyle/>
+                    <a:p>
+                      <a:pPr/>
+                      <a:r>
+                        <a:rPr lang="en-US" b="0" dirty="0">
+                          <a:solidFill>
+                            <a:schemeClr val="bg1"/>
+                          </a:solidFill>
+                        </a:rPr>
+                        <a:t>45</a:t>
+                      </a:r>
+                    </a:p>
+                  </a:txBody>
+                  <a:tcPr>
+                    <a:lnL w="12700" cap="flat" cmpd="sng" algn="ctr">
+                      <a:solidFill>
+                        <a:schemeClr val="tx1"/>
+                      </a:solidFill>
+                      <a:prstDash val="solid"/>
+                      <a:round/>
+                      <a:headEnd type="none" w="med" len="med"/>
+                      <a:tailEnd type="none" w="med" len="med"/>
+                    </a:lnL>
+                    <a:lnR w="12700" cap="flat" cmpd="sng" algn="ctr">
+                      <a:solidFill>
+                        <a:schemeClr val="tx1"/>
+                      </a:solidFill>
+                      <a:prstDash val="solid"/>
+                      <a:round/>
+                      <a:headEnd type="none" w="med" len="med"/>
+                      <a:tailEnd type="none" w="med" len="med"/>
+                    </a:lnR>
+                    <a:lnT w="12700" cap="flat" cmpd="sng" algn="ctr">
+                      <a:solidFill>
+                        <a:schemeClr val="tx1"/>
+                      </a:solidFill>
+                      <a:prstDash val="solid"/>
+                      <a:round/>
+                      <a:headEnd type="none" w="med" len="med"/>
+                      <a:tailEnd type="none" w="med" len="med"/>
+                    </a:lnT>
+                    <a:lnB w="12700" cap="flat" cmpd="sng" algn="ctr">
+                      <a:solidFill>
+                        <a:schemeClr val="tx1"/>
+                      </a:solidFill>
+                      <a:prstDash val="solid"/>
+                      <a:round/>
+                      <a:headEnd type="none" w="med" len="med"/>
+                      <a:tailEnd type="none" w="med" len="med"/>
+                    </a:lnB>
+                    <a:solidFill>
+                      <a:schemeClr val="accent4"/>
+                    </a:solidFill>
+                  </a:tcPr>
+                </a:tc>
+                <a:tc>
+                  <a:txBody>
+                    <a:bodyPr/>
+                    <a:lstStyle/>
+                    <a:p>
+                      <a:pPr marL="0" marR="0" lvl="0" indent="0" algn="l" defTabSz="914400" rtl="0" eaLnBrk="1" fontAlgn="auto" latinLnBrk="0" hangingPunct="1">
+                        <a:lnSpc>
+                          <a:spcPct val="100000"/>
+                        </a:lnSpc>
+                        <a:spcBef>
+                          <a:spcPts val="0"/>
+                        </a:spcBef>
+                        <a:spcAft>
+                          <a:spcPts val="0"/>
+                        </a:spcAft>
+                        <a:buClrTx/>
+                        <a:buSzTx/>
+                        <a:buFontTx/>
+                        <a:buNone/>
+                        <a:tabLst/>
+                        <a:defRPr/>
+                      </a:pPr>
+                      <a:r>
+                        <a:rPr lang="en-US" b="0" dirty="0">
+                          <a:solidFill>
+                            <a:schemeClr val="bg1"/>
+                          </a:solidFill>
+                        </a:rPr>
+                        <a:t>46</a:t>
+                      </a:r>
+                    </a:p>
+                  </a:txBody>
+                  <a:tcPr>
+                    <a:lnL w="12700" cap="flat" cmpd="sng" algn="ctr">
+                      <a:solidFill>
+                        <a:schemeClr val="tx1"/>
+                      </a:solidFill>
+                      <a:prstDash val="solid"/>
+                      <a:round/>
+                      <a:headEnd type="none" w="med" len="med"/>
+                      <a:tailEnd type="none" w="med" len="med"/>
+                    </a:lnL>
+                    <a:lnR w="12700" cap="flat" cmpd="sng" algn="ctr">
+                      <a:solidFill>
+                        <a:schemeClr val="tx1"/>
+                      </a:solidFill>
+                      <a:prstDash val="solid"/>
+                      <a:round/>
+                      <a:headEnd type="none" w="med" len="med"/>
+                      <a:tailEnd type="none" w="med" len="med"/>
+                    </a:lnR>
+                    <a:lnT w="12700" cap="flat" cmpd="sng" algn="ctr">
+                      <a:solidFill>
+                        <a:schemeClr val="tx1"/>
+                      </a:solidFill>
+                      <a:prstDash val="solid"/>
+                      <a:round/>
+                      <a:headEnd type="none" w="med" len="med"/>
+                      <a:tailEnd type="none" w="med" len="med"/>
+                    </a:lnT>
+                    <a:lnB w="12700" cap="flat" cmpd="sng" algn="ctr">
+                      <a:solidFill>
+                        <a:schemeClr val="tx1"/>
+                      </a:solidFill>
+                      <a:prstDash val="solid"/>
+                      <a:round/>
+                      <a:headEnd type="none" w="med" len="med"/>
+                      <a:tailEnd type="none" w="med" len="med"/>
+                    </a:lnB>
+                    <a:solidFill>
+                      <a:schemeClr val="accent4"/>
+                    </a:solidFill>
+                  </a:tcPr>
+                </a:tc>
+                <a:tc>
+                  <a:txBody>
+                    <a:bodyPr/>
+                    <a:lstStyle/>
+                    <a:p>
+                      <a:pPr/>
+                      <a:r>
+                        <a:rPr lang="en-US" b="0" dirty="0">
+                          <a:solidFill>
+                            <a:schemeClr val="bg1"/>
+                          </a:solidFill>
+                        </a:rPr>
+                        <a:t>47</a:t>
+                      </a:r>
+                    </a:p>
+                  </a:txBody>
+                  <a:tcPr>
+                    <a:lnL w="12700" cap="flat" cmpd="sng" algn="ctr">
+                      <a:solidFill>
+                        <a:schemeClr val="tx1"/>
+                      </a:solidFill>
+                      <a:prstDash val="solid"/>
+                      <a:round/>
+                      <a:headEnd type="none" w="med" len="med"/>
+                      <a:tailEnd type="none" w="med" len="med"/>
+                    </a:lnL>
+                    <a:lnR w="12700" cap="flat" cmpd="sng" algn="ctr">
+                      <a:solidFill>
+                        <a:schemeClr val="tx1"/>
+                      </a:solidFill>
+                      <a:prstDash val="solid"/>
+                      <a:round/>
+                      <a:headEnd type="none" w="med" len="med"/>
+                      <a:tailEnd type="none" w="med" len="med"/>
+                    </a:lnR>
+                    <a:lnT w="12700" cap="flat" cmpd="sng" algn="ctr">
+                      <a:solidFill>
+                        <a:schemeClr val="tx1"/>
+                      </a:solidFill>
+                      <a:prstDash val="solid"/>
+                      <a:round/>
+                      <a:headEnd type="none" w="med" len="med"/>
+                      <a:tailEnd type="none" w="med" len="med"/>
+                    </a:lnT>
+                    <a:lnB w="12700" cap="flat" cmpd="sng" algn="ctr">
+                      <a:solidFill>
+                        <a:schemeClr val="tx1"/>
+                      </a:solidFill>
+                      <a:prstDash val="solid"/>
+                      <a:round/>
+                      <a:headEnd type="none" w="med" len="med"/>
+                      <a:tailEnd type="none" w="med" len="med"/>
+                    </a:lnB>
+                    <a:solidFill>
+                      <a:schemeClr val="accent4"/>
+                    </a:solidFill>
+                  </a:tcPr>
+                </a:tc>
+                <a:extLst>
+                  <a:ext uri="{0D108BD9-81ED-4DB2-BD59-A6C34878D82A}">
+                    <a16:rowId xmlns:a16="http://schemas.microsoft.com/office/drawing/2014/main" val="750636996"/>
+                  </a:ext>
+                </a:extLst>
+              </a:tr>
+              <a:tr h="370840">
+                <a:tc>
+                  <a:txBody>
+                    <a:bodyPr/>
+                    <a:lstStyle/>
+                    <a:p>
+                      <a:pPr/>
+                      <a:r>
+                        <a:rPr lang="en-US" dirty="0">
+                          <a:solidFill>
+                            <a:schemeClr val="bg1"/>
+                          </a:solidFill>
+                        </a:rPr>
+                        <a:t>48</a:t>
+                      </a:r>
+                    </a:p>
+                  </a:txBody>
+                  <a:tcPr>
+                    <a:lnL w="12700" cap="flat" cmpd="sng" algn="ctr">
+                      <a:solidFill>
+                        <a:schemeClr val="tx1"/>
+                      </a:solidFill>
+                      <a:prstDash val="solid"/>
+                      <a:round/>
+                      <a:headEnd type="none" w="med" len="med"/>
+                      <a:tailEnd type="none" w="med" len="med"/>
+                    </a:lnL>
+                    <a:lnR w="12700" cap="flat" cmpd="sng" algn="ctr">
+                      <a:solidFill>
+                        <a:schemeClr val="tx1"/>
+                      </a:solidFill>
+                      <a:prstDash val="solid"/>
+                      <a:round/>
+                      <a:headEnd type="none" w="med" len="med"/>
+                      <a:tailEnd type="none" w="med" len="med"/>
+                    </a:lnR>
+                    <a:lnT w="12700" cap="flat" cmpd="sng" algn="ctr">
+                      <a:solidFill>
+                        <a:schemeClr val="tx1"/>
+                      </a:solidFill>
+                      <a:prstDash val="solid"/>
+                      <a:round/>
+                      <a:headEnd type="none" w="med" len="med"/>
+                      <a:tailEnd type="none" w="med" len="med"/>
+                    </a:lnT>
+                    <a:lnB w="12700" cap="flat" cmpd="sng" algn="ctr">
+                      <a:solidFill>
+                        <a:schemeClr val="tx1"/>
+                      </a:solidFill>
+                      <a:prstDash val="solid"/>
+                      <a:round/>
+                      <a:headEnd type="none" w="med" len="med"/>
+                      <a:tailEnd type="none" w="med" len="med"/>
+                    </a:lnB>
+                    <a:solidFill>
+                      <a:schemeClr val="accent4"/>
+                    </a:solidFill>
+                  </a:tcPr>
+                </a:tc>
+                <a:tc>
+                  <a:txBody>
+                    <a:bodyPr/>
+                    <a:lstStyle/>
+                    <a:p>
+                      <a:pPr/>
+                      <a:r>
+                        <a:rPr lang="en-US" dirty="0">
+                          <a:solidFill>
+                            <a:schemeClr val="bg1"/>
+                          </a:solidFill>
+                        </a:rPr>
+                        <a:t>49</a:t>
+                      </a:r>
+                    </a:p>
+                  </a:txBody>
+                  <a:tcPr>
+                    <a:lnL w="12700" cap="flat" cmpd="sng" algn="ctr">
+                      <a:solidFill>
+                        <a:schemeClr val="tx1"/>
+                      </a:solidFill>
+                      <a:prstDash val="solid"/>
+                      <a:round/>
+                      <a:headEnd type="none" w="med" len="med"/>
+                      <a:tailEnd type="none" w="med" len="med"/>
+                    </a:lnL>
+                    <a:lnR w="12700" cap="flat" cmpd="sng" algn="ctr">
+                      <a:solidFill>
+                        <a:schemeClr val="tx1"/>
+                      </a:solidFill>
+                      <a:prstDash val="solid"/>
+                      <a:round/>
+                      <a:headEnd type="none" w="med" len="med"/>
+                      <a:tailEnd type="none" w="med" len="med"/>
+                    </a:lnR>
+                    <a:lnT w="12700" cap="flat" cmpd="sng" algn="ctr">
+                      <a:solidFill>
+                        <a:schemeClr val="tx1"/>
+                      </a:solidFill>
+                      <a:prstDash val="solid"/>
+                      <a:round/>
+                      <a:headEnd type="none" w="med" len="med"/>
+                      <a:tailEnd type="none" w="med" len="med"/>
+                    </a:lnT>
+                    <a:lnB w="12700" cap="flat" cmpd="sng" algn="ctr">
+                      <a:solidFill>
+                        <a:schemeClr val="tx1"/>
+                      </a:solidFill>
+                      <a:prstDash val="solid"/>
+                      <a:round/>
+                      <a:headEnd type="none" w="med" len="med"/>
+                      <a:tailEnd type="none" w="med" len="med"/>
+                    </a:lnB>
+                    <a:solidFill>
+                      <a:schemeClr val="accent4"/>
+                    </a:solidFill>
+                  </a:tcPr>
+                </a:tc>
+                <a:tc>
+                  <a:txBody>
+                    <a:bodyPr/>
+                    <a:lstStyle/>
+                    <a:p>
+                      <a:pPr/>
+                      <a:r>
+                        <a:rPr lang="en-US" dirty="0">
+                          <a:solidFill>
+                            <a:schemeClr val="bg1"/>
+                          </a:solidFill>
+                        </a:rPr>
+                        <a:t>50</a:t>
+                      </a:r>
+                    </a:p>
+                  </a:txBody>
+                  <a:tcPr>
+                    <a:lnL w="12700" cap="flat" cmpd="sng" algn="ctr">
+                      <a:solidFill>
+                        <a:schemeClr val="tx1"/>
+                      </a:solidFill>
+                      <a:prstDash val="solid"/>
+                      <a:round/>
+                      <a:headEnd type="none" w="med" len="med"/>
+                      <a:tailEnd type="none" w="med" len="med"/>
+                    </a:lnL>
+                    <a:lnR w="12700" cap="flat" cmpd="sng" algn="ctr">
+                      <a:solidFill>
+                        <a:schemeClr val="tx1"/>
+                      </a:solidFill>
+                      <a:prstDash val="solid"/>
+                      <a:round/>
+                      <a:headEnd type="none" w="med" len="med"/>
+                      <a:tailEnd type="none" w="med" len="med"/>
+                    </a:lnR>
+                    <a:lnT w="12700" cap="flat" cmpd="sng" algn="ctr">
+                      <a:solidFill>
+                        <a:schemeClr val="tx1"/>
+                      </a:solidFill>
+                      <a:prstDash val="solid"/>
+                      <a:round/>
+                      <a:headEnd type="none" w="med" len="med"/>
+                      <a:tailEnd type="none" w="med" len="med"/>
+                    </a:lnT>
+                    <a:lnB w="12700" cap="flat" cmpd="sng" algn="ctr">
+                      <a:solidFill>
+                        <a:schemeClr val="tx1"/>
+                      </a:solidFill>
+                      <a:prstDash val="solid"/>
+                      <a:round/>
+                      <a:headEnd type="none" w="med" len="med"/>
+                      <a:tailEnd type="none" w="med" len="med"/>
+                    </a:lnB>
+                    <a:solidFill>
+                      <a:schemeClr val="accent4"/>
+                    </a:solidFill>
+                  </a:tcPr>
+                </a:tc>
+                <a:extLst>
+                  <a:ext uri="{0D108BD9-81ED-4DB2-BD59-A6C34878D82A}">
+                    <a16:rowId xmlns:a16="http://schemas.microsoft.com/office/drawing/2014/main" val="3792294900"/>
+                  </a:ext>
+                </a:extLst>
+              </a:tr>
+              <a:tr h="370840">
+                <a:tc>
+                  <a:txBody>
+                    <a:bodyPr/>
+                    <a:lstStyle/>
+                    <a:p>
+                      <a:pPr/>
+                      <a:r>
+                        <a:rPr lang="en-US" dirty="0">
+                          <a:solidFill>
+                            <a:schemeClr val="bg1"/>
+                          </a:solidFill>
+                        </a:rPr>
+                        <a:t>51</a:t>
+                      </a:r>
+                    </a:p>
+                  </a:txBody>
+                  <a:tcPr>
+                    <a:lnL w="12700" cap="flat" cmpd="sng" algn="ctr">
+                      <a:solidFill>
+                        <a:schemeClr val="tx1"/>
+                      </a:solidFill>
+                      <a:prstDash val="solid"/>
+                      <a:round/>
+                      <a:headEnd type="none" w="med" len="med"/>
+                      <a:tailEnd type="none" w="med" len="med"/>
+                    </a:lnL>
+                    <a:lnR w="12700" cap="flat" cmpd="sng" algn="ctr">
+                      <a:solidFill>
+                        <a:schemeClr val="tx1"/>
+                      </a:solidFill>
+                      <a:prstDash val="solid"/>
+                      <a:round/>
+                      <a:headEnd type="none" w="med" len="med"/>
+                      <a:tailEnd type="none" w="med" len="med"/>
+                    </a:lnR>
+                    <a:lnT w="12700" cap="flat" cmpd="sng" algn="ctr">
+                      <a:solidFill>
+                        <a:schemeClr val="tx1"/>
+                      </a:solidFill>
+                      <a:prstDash val="solid"/>
+                      <a:round/>
+                      <a:headEnd type="none" w="med" len="med"/>
+                      <a:tailEnd type="none" w="med" len="med"/>
+                    </a:lnT>
+                    <a:lnB w="12700" cap="flat" cmpd="sng" algn="ctr">
+                      <a:solidFill>
+                        <a:schemeClr val="tx1"/>
+                      </a:solidFill>
+                      <a:prstDash val="solid"/>
+                      <a:round/>
+                      <a:headEnd type="none" w="med" len="med"/>
+                      <a:tailEnd type="none" w="med" len="med"/>
+                    </a:lnB>
+                    <a:solidFill>
+                      <a:schemeClr val="accent4"/>
+                    </a:solidFill>
+                  </a:tcPr>
+                </a:tc>
+                <a:tc>
+                  <a:txBody>
+                    <a:bodyPr/>
+                    <a:lstStyle/>
+                    <a:p>
+                      <a:pPr/>
+                      <a:r>
+                        <a:rPr lang="en-US" dirty="0">
+                          <a:solidFill>
+                            <a:schemeClr val="bg1"/>
+                          </a:solidFill>
+                        </a:rPr>
+                        <a:t>52</a:t>
+                      </a:r>
+                    </a:p>
+                  </a:txBody>
+                  <a:tcPr>
+                    <a:lnL w="12700" cap="flat" cmpd="sng" algn="ctr">
+                      <a:solidFill>
+                        <a:schemeClr val="tx1"/>
+                      </a:solidFill>
+                      <a:prstDash val="solid"/>
+                      <a:round/>
+                      <a:headEnd type="none" w="med" len="med"/>
+                      <a:tailEnd type="none" w="med" len="med"/>
+                    </a:lnL>
+                    <a:lnR w="12700" cap="flat" cmpd="sng" algn="ctr">
+                      <a:solidFill>
+                        <a:schemeClr val="tx1"/>
+                      </a:solidFill>
+                      <a:prstDash val="solid"/>
+                      <a:round/>
+                      <a:headEnd type="none" w="med" len="med"/>
+                      <a:tailEnd type="none" w="med" len="med"/>
+                    </a:lnR>
+                    <a:lnT w="12700" cap="flat" cmpd="sng" algn="ctr">
+                      <a:solidFill>
+                        <a:schemeClr val="tx1"/>
+                      </a:solidFill>
+                      <a:prstDash val="solid"/>
+                      <a:round/>
+                      <a:headEnd type="none" w="med" len="med"/>
+                      <a:tailEnd type="none" w="med" len="med"/>
+                    </a:lnT>
+                    <a:lnB w="12700" cap="flat" cmpd="sng" algn="ctr">
+                      <a:solidFill>
+                        <a:schemeClr val="tx1"/>
+                      </a:solidFill>
+                      <a:prstDash val="solid"/>
+                      <a:round/>
+                      <a:headEnd type="none" w="med" len="med"/>
+                      <a:tailEnd type="none" w="med" len="med"/>
+                    </a:lnB>
+                    <a:solidFill>
+                      <a:schemeClr val="accent4"/>
+                    </a:solidFill>
+                  </a:tcPr>
+                </a:tc>
+                <a:tc>
+                  <a:txBody>
+                    <a:bodyPr/>
+                    <a:lstStyle/>
+                    <a:p>
+                      <a:pPr/>
+                      <a:r>
+                        <a:rPr lang="en-US" dirty="0">
+                          <a:solidFill>
+                            <a:schemeClr val="bg1"/>
+                          </a:solidFill>
+                        </a:rPr>
+                        <a:t>53</a:t>
+                      </a:r>
+                    </a:p>
+                  </a:txBody>
+                  <a:tcPr>
+                    <a:lnL w="12700" cap="flat" cmpd="sng" algn="ctr">
+                      <a:solidFill>
+                        <a:schemeClr val="tx1"/>
+                      </a:solidFill>
+                      <a:prstDash val="solid"/>
+                      <a:round/>
+                      <a:headEnd type="none" w="med" len="med"/>
+                      <a:tailEnd type="none" w="med" len="med"/>
+                    </a:lnL>
+                    <a:lnR w="12700" cap="flat" cmpd="sng" algn="ctr">
+                      <a:solidFill>
+                        <a:schemeClr val="tx1"/>
+                      </a:solidFill>
+                      <a:prstDash val="solid"/>
+                      <a:round/>
+                      <a:headEnd type="none" w="med" len="med"/>
+                      <a:tailEnd type="none" w="med" len="med"/>
+                    </a:lnR>
+                    <a:lnT w="12700" cap="flat" cmpd="sng" algn="ctr">
+                      <a:solidFill>
+                        <a:schemeClr val="tx1"/>
+                      </a:solidFill>
+                      <a:prstDash val="solid"/>
+                      <a:round/>
+                      <a:headEnd type="none" w="med" len="med"/>
+                      <a:tailEnd type="none" w="med" len="med"/>
+                    </a:lnT>
+                    <a:lnB w="12700" cap="flat" cmpd="sng" algn="ctr">
+                      <a:solidFill>
+                        <a:schemeClr val="tx1"/>
+                      </a:solidFill>
+                      <a:prstDash val="solid"/>
+                      <a:round/>
+                      <a:headEnd type="none" w="med" len="med"/>
+                      <a:tailEnd type="none" w="med" len="med"/>
+                    </a:lnB>
+                    <a:solidFill>
+                      <a:schemeClr val="accent4"/>
+                    </a:solidFill>
+                  </a:tcPr>
+                </a:tc>
+                <a:extLst>
+                  <a:ext uri="{0D108BD9-81ED-4DB2-BD59-A6C34878D82A}">
+                    <a16:rowId xmlns:a16="http://schemas.microsoft.com/office/drawing/2014/main" val="4103855044"/>
+                  </a:ext>
+                </a:extLst>
+              </a:tr>
+            </a:tbl>
+          </a:graphicData>
+        </a:graphic>
+      </p:graphicFrame>
+      <p:graphicFrame>
+        <p:nvGraphicFramePr>
+          <p:cNvPr id="6" name="Table 5">
+            <a:extLst>
+              <a:ext uri="{FF2B5EF4-FFF2-40B4-BE49-F238E27FC236}">
+                <a16:creationId xmlns:a16="http://schemas.microsoft.com/office/drawing/2014/main" id="{7B1D03AF-EF87-4225-B857-A66533BDFE47}"/>
+              </a:ext>
+            </a:extLst>
+          </p:cNvPr>
+          <p:cNvGraphicFramePr>
+            <a:graphicFrameLocks noGrp="1"/>
+          </p:cNvGraphicFramePr>
+          <p:nvPr>
+            <p:extLst>
+              <p:ext uri="{D42A27DB-BD31-4B8C-83A1-F6EECF244321}">
+                <p14:modId xmlns:p14="http://schemas.microsoft.com/office/powerpoint/2010/main" val="1859807208"/>
+              </p:ext>
+            </p:extLst>
+          </p:nvPr>
+        </p:nvGraphicFramePr>
+        <p:xfrm>
+          <a:off x="6096000" y="2407375"/>
+          <a:ext cx="1294296" cy="1112520"/>
+        </p:xfrm>
+        <a:graphic>
+          <a:graphicData uri="http://schemas.openxmlformats.org/drawingml/2006/table">
+            <a:tbl>
+              <a:tblPr firstRow="1" bandRow="1">
+                <a:tableStyleId>{D113A9D2-9D6B-4929-AA2D-F23B5EE8CBE7}</a:tableStyleId>
+              </a:tblPr>
+              <a:tblGrid>
+                <a:gridCol w="431432">
+                  <a:extLst>
+                    <a:ext uri="{9D8B030D-6E8A-4147-A177-3AD203B41FA5}">
+                      <a16:colId xmlns:a16="http://schemas.microsoft.com/office/drawing/2014/main" val="1038572778"/>
+                    </a:ext>
+                  </a:extLst>
+                </a:gridCol>
+                <a:gridCol w="431432">
+                  <a:extLst>
+                    <a:ext uri="{9D8B030D-6E8A-4147-A177-3AD203B41FA5}">
+                      <a16:colId xmlns:a16="http://schemas.microsoft.com/office/drawing/2014/main" val="2574731819"/>
+                    </a:ext>
+                  </a:extLst>
+                </a:gridCol>
+                <a:gridCol w="431432">
+                  <a:extLst>
+                    <a:ext uri="{9D8B030D-6E8A-4147-A177-3AD203B41FA5}">
+                      <a16:colId xmlns:a16="http://schemas.microsoft.com/office/drawing/2014/main" val="3702273779"/>
+                    </a:ext>
+                  </a:extLst>
+                </a:gridCol>
+              </a:tblGrid>
+              <a:tr h="370840">
+                <a:tc>
+                  <a:txBody>
+                    <a:bodyPr/>
+                    <a:lstStyle/>
+                    <a:p>
+                      <a:pPr/>
+                      <a:r>
+                        <a:rPr lang="en-US" b="0" dirty="0">
+                          <a:solidFill>
+                            <a:schemeClr val="bg1"/>
+                          </a:solidFill>
+                        </a:rPr>
+                        <a:t>15</a:t>
+                      </a:r>
+                    </a:p>
+                  </a:txBody>
+                  <a:tcPr>
+                    <a:lnL w="12700" cap="flat" cmpd="sng" algn="ctr">
+                      <a:solidFill>
+                        <a:schemeClr val="tx1"/>
+                      </a:solidFill>
+                      <a:prstDash val="solid"/>
+                      <a:round/>
+                      <a:headEnd type="none" w="med" len="med"/>
+                      <a:tailEnd type="none" w="med" len="med"/>
+                    </a:lnL>
+                    <a:lnR w="12700" cap="flat" cmpd="sng" algn="ctr">
+                      <a:solidFill>
+                        <a:schemeClr val="tx1"/>
+                      </a:solidFill>
+                      <a:prstDash val="solid"/>
+                      <a:round/>
+                      <a:headEnd type="none" w="med" len="med"/>
+                      <a:tailEnd type="none" w="med" len="med"/>
+                    </a:lnR>
+                    <a:lnT w="12700" cap="flat" cmpd="sng" algn="ctr">
+                      <a:solidFill>
+                        <a:schemeClr val="tx1"/>
+                      </a:solidFill>
+                      <a:prstDash val="solid"/>
+                      <a:round/>
+                      <a:headEnd type="none" w="med" len="med"/>
+                      <a:tailEnd type="none" w="med" len="med"/>
+                    </a:lnT>
+                    <a:lnB w="12700" cap="flat" cmpd="sng" algn="ctr">
+                      <a:solidFill>
+                        <a:schemeClr val="tx1"/>
+                      </a:solidFill>
+                      <a:prstDash val="solid"/>
+                      <a:round/>
+                      <a:headEnd type="none" w="med" len="med"/>
+                      <a:tailEnd type="none" w="med" len="med"/>
+                    </a:lnB>
+                    <a:solidFill>
+                      <a:schemeClr val="accent2"/>
+                    </a:solidFill>
+                  </a:tcPr>
+                </a:tc>
+                <a:tc>
+                  <a:txBody>
+                    <a:bodyPr/>
+                    <a:lstStyle/>
+                    <a:p>
+                      <a:pPr marL="0" marR="0" lvl="0" indent="0" algn="l" defTabSz="914400" rtl="0" eaLnBrk="1" fontAlgn="auto" latinLnBrk="0" hangingPunct="1">
+                        <a:lnSpc>
+                          <a:spcPct val="100000"/>
+                        </a:lnSpc>
+                        <a:spcBef>
+                          <a:spcPts val="0"/>
+                        </a:spcBef>
+                        <a:spcAft>
+                          <a:spcPts val="0"/>
+                        </a:spcAft>
+                        <a:buClrTx/>
+                        <a:buSzTx/>
+                        <a:buFontTx/>
+                        <a:buNone/>
+                        <a:tabLst/>
+                        <a:defRPr/>
+                      </a:pPr>
+                      <a:r>
+                        <a:rPr lang="en-US" b="0" dirty="0">
+                          <a:solidFill>
+                            <a:schemeClr val="bg1"/>
+                          </a:solidFill>
+                        </a:rPr>
+                        <a:t>16</a:t>
+                      </a:r>
+                    </a:p>
+                  </a:txBody>
+                  <a:tcPr>
+                    <a:lnL w="12700" cap="flat" cmpd="sng" algn="ctr">
+                      <a:solidFill>
+                        <a:schemeClr val="tx1"/>
+                      </a:solidFill>
+                      <a:prstDash val="solid"/>
+                      <a:round/>
+                      <a:headEnd type="none" w="med" len="med"/>
+                      <a:tailEnd type="none" w="med" len="med"/>
+                    </a:lnL>
+                    <a:lnR w="12700" cap="flat" cmpd="sng" algn="ctr">
+                      <a:solidFill>
+                        <a:schemeClr val="tx1"/>
+                      </a:solidFill>
+                      <a:prstDash val="solid"/>
+                      <a:round/>
+                      <a:headEnd type="none" w="med" len="med"/>
+                      <a:tailEnd type="none" w="med" len="med"/>
+                    </a:lnR>
+                    <a:lnT w="12700" cap="flat" cmpd="sng" algn="ctr">
+                      <a:solidFill>
+                        <a:schemeClr val="tx1"/>
+                      </a:solidFill>
+                      <a:prstDash val="solid"/>
+                      <a:round/>
+                      <a:headEnd type="none" w="med" len="med"/>
+                      <a:tailEnd type="none" w="med" len="med"/>
+                    </a:lnT>
+                    <a:lnB w="12700" cap="flat" cmpd="sng" algn="ctr">
+                      <a:solidFill>
+                        <a:schemeClr val="tx1"/>
+                      </a:solidFill>
+                      <a:prstDash val="solid"/>
+                      <a:round/>
+                      <a:headEnd type="none" w="med" len="med"/>
+                      <a:tailEnd type="none" w="med" len="med"/>
+                    </a:lnB>
+                    <a:solidFill>
+                      <a:schemeClr val="accent2"/>
+                    </a:solidFill>
+                  </a:tcPr>
+                </a:tc>
+                <a:tc>
+                  <a:txBody>
+                    <a:bodyPr/>
+                    <a:lstStyle/>
+                    <a:p>
+                      <a:pPr/>
+                      <a:r>
+                        <a:rPr lang="en-US" b="0" dirty="0">
+                          <a:solidFill>
+                            <a:schemeClr val="bg1"/>
+                          </a:solidFill>
+                        </a:rPr>
+                        <a:t>17</a:t>
+                      </a:r>
+                    </a:p>
+                  </a:txBody>
+                  <a:tcPr>
+                    <a:lnL w="12700" cap="flat" cmpd="sng" algn="ctr">
+                      <a:solidFill>
+                        <a:schemeClr val="tx1"/>
+                      </a:solidFill>
+                      <a:prstDash val="solid"/>
+                      <a:round/>
+                      <a:headEnd type="none" w="med" len="med"/>
+                      <a:tailEnd type="none" w="med" len="med"/>
+                    </a:lnL>
+                    <a:lnR w="12700" cap="flat" cmpd="sng" algn="ctr">
+                      <a:solidFill>
+                        <a:schemeClr val="tx1"/>
+                      </a:solidFill>
+                      <a:prstDash val="solid"/>
+                      <a:round/>
+                      <a:headEnd type="none" w="med" len="med"/>
+                      <a:tailEnd type="none" w="med" len="med"/>
+                    </a:lnR>
+                    <a:lnT w="12700" cap="flat" cmpd="sng" algn="ctr">
+                      <a:solidFill>
+                        <a:schemeClr val="tx1"/>
+                      </a:solidFill>
+                      <a:prstDash val="solid"/>
+                      <a:round/>
+                      <a:headEnd type="none" w="med" len="med"/>
+                      <a:tailEnd type="none" w="med" len="med"/>
+                    </a:lnT>
+                    <a:lnB w="12700" cap="flat" cmpd="sng" algn="ctr">
+                      <a:solidFill>
+                        <a:schemeClr val="tx1"/>
+                      </a:solidFill>
+                      <a:prstDash val="solid"/>
+                      <a:round/>
+                      <a:headEnd type="none" w="med" len="med"/>
+                      <a:tailEnd type="none" w="med" len="med"/>
+                    </a:lnB>
+                    <a:solidFill>
+                      <a:schemeClr val="accent2"/>
+                    </a:solidFill>
+                  </a:tcPr>
+                </a:tc>
+                <a:extLst>
+                  <a:ext uri="{0D108BD9-81ED-4DB2-BD59-A6C34878D82A}">
+                    <a16:rowId xmlns:a16="http://schemas.microsoft.com/office/drawing/2014/main" val="750636996"/>
+                  </a:ext>
+                </a:extLst>
+              </a:tr>
+              <a:tr h="370840">
+                <a:tc>
+                  <a:txBody>
+                    <a:bodyPr/>
+                    <a:lstStyle/>
+                    <a:p>
+                      <a:pPr/>
+                      <a:r>
+                        <a:rPr lang="en-US" dirty="0">
+                          <a:solidFill>
+                            <a:schemeClr val="bg1"/>
+                          </a:solidFill>
+                        </a:rPr>
+                        <a:t>27</a:t>
+                      </a:r>
+                    </a:p>
+                  </a:txBody>
+                  <a:tcPr>
+                    <a:lnL w="12700" cap="flat" cmpd="sng" algn="ctr">
+                      <a:solidFill>
+                        <a:schemeClr val="tx1"/>
+                      </a:solidFill>
+                      <a:prstDash val="solid"/>
+                      <a:round/>
+                      <a:headEnd type="none" w="med" len="med"/>
+                      <a:tailEnd type="none" w="med" len="med"/>
+                    </a:lnL>
+                    <a:lnR w="12700" cap="flat" cmpd="sng" algn="ctr">
+                      <a:solidFill>
+                        <a:schemeClr val="tx1"/>
+                      </a:solidFill>
+                      <a:prstDash val="solid"/>
+                      <a:round/>
+                      <a:headEnd type="none" w="med" len="med"/>
+                      <a:tailEnd type="none" w="med" len="med"/>
+                    </a:lnR>
+                    <a:lnT w="12700" cap="flat" cmpd="sng" algn="ctr">
+                      <a:solidFill>
+                        <a:schemeClr val="tx1"/>
+                      </a:solidFill>
+                      <a:prstDash val="solid"/>
+                      <a:round/>
+                      <a:headEnd type="none" w="med" len="med"/>
+                      <a:tailEnd type="none" w="med" len="med"/>
+                    </a:lnT>
+                    <a:lnB w="12700" cap="flat" cmpd="sng" algn="ctr">
+                      <a:solidFill>
+                        <a:schemeClr val="tx1"/>
+                      </a:solidFill>
+                      <a:prstDash val="solid"/>
+                      <a:round/>
+                      <a:headEnd type="none" w="med" len="med"/>
+                      <a:tailEnd type="none" w="med" len="med"/>
+                    </a:lnB>
+                    <a:solidFill>
+                      <a:schemeClr val="accent2"/>
+                    </a:solidFill>
+                  </a:tcPr>
+                </a:tc>
+                <a:tc>
+                  <a:txBody>
+                    <a:bodyPr/>
+                    <a:lstStyle/>
+                    <a:p>
+                      <a:pPr/>
+                      <a:r>
+                        <a:rPr lang="en-US" dirty="0">
+                          <a:solidFill>
+                            <a:schemeClr val="bg1"/>
+                          </a:solidFill>
+                        </a:rPr>
+                        <a:t>28</a:t>
+                      </a:r>
+                    </a:p>
+                  </a:txBody>
+                  <a:tcPr>
+                    <a:lnL w="12700" cap="flat" cmpd="sng" algn="ctr">
+                      <a:solidFill>
+                        <a:schemeClr val="tx1"/>
+                      </a:solidFill>
+                      <a:prstDash val="solid"/>
+                      <a:round/>
+                      <a:headEnd type="none" w="med" len="med"/>
+                      <a:tailEnd type="none" w="med" len="med"/>
+                    </a:lnL>
+                    <a:lnR w="12700" cap="flat" cmpd="sng" algn="ctr">
+                      <a:solidFill>
+                        <a:schemeClr val="tx1"/>
+                      </a:solidFill>
+                      <a:prstDash val="solid"/>
+                      <a:round/>
+                      <a:headEnd type="none" w="med" len="med"/>
+                      <a:tailEnd type="none" w="med" len="med"/>
+                    </a:lnR>
+                    <a:lnT w="12700" cap="flat" cmpd="sng" algn="ctr">
+                      <a:solidFill>
+                        <a:schemeClr val="tx1"/>
+                      </a:solidFill>
+                      <a:prstDash val="solid"/>
+                      <a:round/>
+                      <a:headEnd type="none" w="med" len="med"/>
+                      <a:tailEnd type="none" w="med" len="med"/>
+                    </a:lnT>
+                    <a:lnB w="12700" cap="flat" cmpd="sng" algn="ctr">
+                      <a:solidFill>
+                        <a:schemeClr val="tx1"/>
+                      </a:solidFill>
+                      <a:prstDash val="solid"/>
+                      <a:round/>
+                      <a:headEnd type="none" w="med" len="med"/>
+                      <a:tailEnd type="none" w="med" len="med"/>
+                    </a:lnB>
+                    <a:solidFill>
+                      <a:schemeClr val="accent2"/>
+                    </a:solidFill>
+                  </a:tcPr>
+                </a:tc>
+                <a:tc>
+                  <a:txBody>
+                    <a:bodyPr/>
+                    <a:lstStyle/>
+                    <a:p>
+                      <a:pPr/>
+                      <a:r>
+                        <a:rPr lang="en-US" dirty="0">
+                          <a:solidFill>
+                            <a:schemeClr val="bg1"/>
+                          </a:solidFill>
+                        </a:rPr>
+                        <a:t>29</a:t>
+                      </a:r>
+                    </a:p>
+                  </a:txBody>
+                  <a:tcPr>
+                    <a:lnL w="12700" cap="flat" cmpd="sng" algn="ctr">
+                      <a:solidFill>
+                        <a:schemeClr val="tx1"/>
+                      </a:solidFill>
+                      <a:prstDash val="solid"/>
+                      <a:round/>
+                      <a:headEnd type="none" w="med" len="med"/>
+                      <a:tailEnd type="none" w="med" len="med"/>
+                    </a:lnL>
+                    <a:lnR w="12700" cap="flat" cmpd="sng" algn="ctr">
+                      <a:solidFill>
+                        <a:schemeClr val="tx1"/>
+                      </a:solidFill>
+                      <a:prstDash val="solid"/>
+                      <a:round/>
+                      <a:headEnd type="none" w="med" len="med"/>
+                      <a:tailEnd type="none" w="med" len="med"/>
+                    </a:lnR>
+                    <a:lnT w="12700" cap="flat" cmpd="sng" algn="ctr">
+                      <a:solidFill>
+                        <a:schemeClr val="tx1"/>
+                      </a:solidFill>
+                      <a:prstDash val="solid"/>
+                      <a:round/>
+                      <a:headEnd type="none" w="med" len="med"/>
+                      <a:tailEnd type="none" w="med" len="med"/>
+                    </a:lnT>
+                    <a:lnB w="12700" cap="flat" cmpd="sng" algn="ctr">
+                      <a:solidFill>
+                        <a:schemeClr val="tx1"/>
+                      </a:solidFill>
+                      <a:prstDash val="solid"/>
+                      <a:round/>
+                      <a:headEnd type="none" w="med" len="med"/>
+                      <a:tailEnd type="none" w="med" len="med"/>
+                    </a:lnB>
+                    <a:solidFill>
+                      <a:schemeClr val="accent2"/>
+                    </a:solidFill>
+                  </a:tcPr>
+                </a:tc>
+                <a:extLst>
+                  <a:ext uri="{0D108BD9-81ED-4DB2-BD59-A6C34878D82A}">
+                    <a16:rowId xmlns:a16="http://schemas.microsoft.com/office/drawing/2014/main" val="3792294900"/>
+                  </a:ext>
+                </a:extLst>
+              </a:tr>
+              <a:tr h="370840">
+                <a:tc>
+                  <a:txBody>
+                    <a:bodyPr/>
+                    <a:lstStyle/>
+                    <a:p>
+                      <a:pPr/>
+                      <a:r>
+                        <a:rPr lang="en-US" dirty="0">
+                          <a:solidFill>
+                            <a:schemeClr val="bg1"/>
+                          </a:solidFill>
+                        </a:rPr>
+                        <a:t>39</a:t>
+                      </a:r>
+                    </a:p>
+                  </a:txBody>
+                  <a:tcPr>
+                    <a:lnL w="12700" cap="flat" cmpd="sng" algn="ctr">
+                      <a:solidFill>
+                        <a:schemeClr val="tx1"/>
+                      </a:solidFill>
+                      <a:prstDash val="solid"/>
+                      <a:round/>
+                      <a:headEnd type="none" w="med" len="med"/>
+                      <a:tailEnd type="none" w="med" len="med"/>
+                    </a:lnL>
+                    <a:lnR w="12700" cap="flat" cmpd="sng" algn="ctr">
+                      <a:solidFill>
+                        <a:schemeClr val="tx1"/>
+                      </a:solidFill>
+                      <a:prstDash val="solid"/>
+                      <a:round/>
+                      <a:headEnd type="none" w="med" len="med"/>
+                      <a:tailEnd type="none" w="med" len="med"/>
+                    </a:lnR>
+                    <a:lnT w="12700" cap="flat" cmpd="sng" algn="ctr">
+                      <a:solidFill>
+                        <a:schemeClr val="tx1"/>
+                      </a:solidFill>
+                      <a:prstDash val="solid"/>
+                      <a:round/>
+                      <a:headEnd type="none" w="med" len="med"/>
+                      <a:tailEnd type="none" w="med" len="med"/>
+                    </a:lnT>
+                    <a:lnB w="12700" cap="flat" cmpd="sng" algn="ctr">
+                      <a:solidFill>
+                        <a:schemeClr val="tx1"/>
+                      </a:solidFill>
+                      <a:prstDash val="solid"/>
+                      <a:round/>
+                      <a:headEnd type="none" w="med" len="med"/>
+                      <a:tailEnd type="none" w="med" len="med"/>
+                    </a:lnB>
+                    <a:solidFill>
+                      <a:schemeClr val="accent2"/>
+                    </a:solidFill>
+                  </a:tcPr>
+                </a:tc>
+                <a:tc>
+                  <a:txBody>
+                    <a:bodyPr/>
+                    <a:lstStyle/>
+                    <a:p>
+                      <a:pPr/>
+                      <a:r>
+                        <a:rPr lang="en-US" dirty="0">
+                          <a:solidFill>
+                            <a:schemeClr val="bg1"/>
+                          </a:solidFill>
+                        </a:rPr>
+                        <a:t>40</a:t>
+                      </a:r>
+                    </a:p>
+                  </a:txBody>
+                  <a:tcPr>
+                    <a:lnL w="12700" cap="flat" cmpd="sng" algn="ctr">
+                      <a:solidFill>
+                        <a:schemeClr val="tx1"/>
+                      </a:solidFill>
+                      <a:prstDash val="solid"/>
+                      <a:round/>
+                      <a:headEnd type="none" w="med" len="med"/>
+                      <a:tailEnd type="none" w="med" len="med"/>
+                    </a:lnL>
+                    <a:lnR w="12700" cap="flat" cmpd="sng" algn="ctr">
+                      <a:solidFill>
+                        <a:schemeClr val="tx1"/>
+                      </a:solidFill>
+                      <a:prstDash val="solid"/>
+                      <a:round/>
+                      <a:headEnd type="none" w="med" len="med"/>
+                      <a:tailEnd type="none" w="med" len="med"/>
+                    </a:lnR>
+                    <a:lnT w="12700" cap="flat" cmpd="sng" algn="ctr">
+                      <a:solidFill>
+                        <a:schemeClr val="tx1"/>
+                      </a:solidFill>
+                      <a:prstDash val="solid"/>
+                      <a:round/>
+                      <a:headEnd type="none" w="med" len="med"/>
+                      <a:tailEnd type="none" w="med" len="med"/>
+                    </a:lnT>
+                    <a:lnB w="12700" cap="flat" cmpd="sng" algn="ctr">
+                      <a:solidFill>
+                        <a:schemeClr val="tx1"/>
+                      </a:solidFill>
+                      <a:prstDash val="solid"/>
+                      <a:round/>
+                      <a:headEnd type="none" w="med" len="med"/>
+                      <a:tailEnd type="none" w="med" len="med"/>
+                    </a:lnB>
+                    <a:solidFill>
+                      <a:schemeClr val="accent2"/>
+                    </a:solidFill>
+                  </a:tcPr>
+                </a:tc>
+                <a:tc>
+                  <a:txBody>
+                    <a:bodyPr/>
+                    <a:lstStyle/>
+                    <a:p>
+                      <a:pPr/>
+                      <a:r>
+                        <a:rPr lang="en-US" dirty="0">
+                          <a:solidFill>
+                            <a:schemeClr val="bg1"/>
+                          </a:solidFill>
+                        </a:rPr>
+                        <a:t>41</a:t>
+                      </a:r>
+                    </a:p>
+                  </a:txBody>
+                  <a:tcPr>
+                    <a:lnL w="12700" cap="flat" cmpd="sng" algn="ctr">
+                      <a:solidFill>
+                        <a:schemeClr val="tx1"/>
+                      </a:solidFill>
+                      <a:prstDash val="solid"/>
+                      <a:round/>
+                      <a:headEnd type="none" w="med" len="med"/>
+                      <a:tailEnd type="none" w="med" len="med"/>
+                    </a:lnL>
+                    <a:lnR w="12700" cap="flat" cmpd="sng" algn="ctr">
+                      <a:solidFill>
+                        <a:schemeClr val="tx1"/>
+                      </a:solidFill>
+                      <a:prstDash val="solid"/>
+                      <a:round/>
+                      <a:headEnd type="none" w="med" len="med"/>
+                      <a:tailEnd type="none" w="med" len="med"/>
+                    </a:lnR>
+                    <a:lnT w="12700" cap="flat" cmpd="sng" algn="ctr">
+                      <a:solidFill>
+                        <a:schemeClr val="tx1"/>
+                      </a:solidFill>
+                      <a:prstDash val="solid"/>
+                      <a:round/>
+                      <a:headEnd type="none" w="med" len="med"/>
+                      <a:tailEnd type="none" w="med" len="med"/>
+                    </a:lnT>
+                    <a:lnB w="12700" cap="flat" cmpd="sng" algn="ctr">
+                      <a:solidFill>
+                        <a:schemeClr val="tx1"/>
+                      </a:solidFill>
+                      <a:prstDash val="solid"/>
+                      <a:round/>
+                      <a:headEnd type="none" w="med" len="med"/>
+                      <a:tailEnd type="none" w="med" len="med"/>
+                    </a:lnB>
+                    <a:solidFill>
+                      <a:schemeClr val="accent2"/>
+                    </a:solidFill>
+                  </a:tcPr>
+                </a:tc>
+                <a:extLst>
+                  <a:ext uri="{0D108BD9-81ED-4DB2-BD59-A6C34878D82A}">
+                    <a16:rowId xmlns:a16="http://schemas.microsoft.com/office/drawing/2014/main" val="4103855044"/>
+                  </a:ext>
+                </a:extLst>
+              </a:tr>
+            </a:tbl>
+          </a:graphicData>
+        </a:graphic>
+      </p:graphicFrame>
+      <p:graphicFrame>
+        <p:nvGraphicFramePr>
+          <p:cNvPr id="7" name="Table 6">
+            <a:extLst>
+              <a:ext uri="{FF2B5EF4-FFF2-40B4-BE49-F238E27FC236}">
+                <a16:creationId xmlns:a16="http://schemas.microsoft.com/office/drawing/2014/main" id="{32BDFC11-E570-4A89-A31C-F117612D6D48}"/>
+              </a:ext>
+            </a:extLst>
+          </p:cNvPr>
+          <p:cNvGraphicFramePr>
+            <a:graphicFrameLocks noGrp="1"/>
+          </p:cNvGraphicFramePr>
+          <p:nvPr>
+            <p:extLst>
+              <p:ext uri="{D42A27DB-BD31-4B8C-83A1-F6EECF244321}">
+                <p14:modId xmlns:p14="http://schemas.microsoft.com/office/powerpoint/2010/main" val="1319675668"/>
+              </p:ext>
+            </p:extLst>
+          </p:nvPr>
+        </p:nvGraphicFramePr>
+        <p:xfrm>
+          <a:off x="7470559" y="2419629"/>
+          <a:ext cx="1294296" cy="1112520"/>
+        </p:xfrm>
+        <a:graphic>
+          <a:graphicData uri="http://schemas.openxmlformats.org/drawingml/2006/table">
+            <a:tbl>
+              <a:tblPr firstRow="1" bandRow="1">
+                <a:tableStyleId>{D113A9D2-9D6B-4929-AA2D-F23B5EE8CBE7}</a:tableStyleId>
+              </a:tblPr>
+              <a:tblGrid>
+                <a:gridCol w="431432">
+                  <a:extLst>
+                    <a:ext uri="{9D8B030D-6E8A-4147-A177-3AD203B41FA5}">
+                      <a16:colId xmlns:a16="http://schemas.microsoft.com/office/drawing/2014/main" val="1038572778"/>
+                    </a:ext>
+                  </a:extLst>
+                </a:gridCol>
+                <a:gridCol w="431432">
+                  <a:extLst>
+                    <a:ext uri="{9D8B030D-6E8A-4147-A177-3AD203B41FA5}">
+                      <a16:colId xmlns:a16="http://schemas.microsoft.com/office/drawing/2014/main" val="2574731819"/>
+                    </a:ext>
+                  </a:extLst>
+                </a:gridCol>
+                <a:gridCol w="431432">
+                  <a:extLst>
+                    <a:ext uri="{9D8B030D-6E8A-4147-A177-3AD203B41FA5}">
+                      <a16:colId xmlns:a16="http://schemas.microsoft.com/office/drawing/2014/main" val="3702273779"/>
+                    </a:ext>
+                  </a:extLst>
+                </a:gridCol>
+              </a:tblGrid>
+              <a:tr h="370840">
+                <a:tc>
+                  <a:txBody>
+                    <a:bodyPr/>
+                    <a:lstStyle/>
+                    <a:p>
+                      <a:pPr/>
+                      <a:r>
+                        <a:rPr lang="en-US" b="0" dirty="0">
+                          <a:solidFill>
+                            <a:schemeClr val="bg1"/>
+                          </a:solidFill>
+                        </a:rPr>
+                        <a:t>18</a:t>
+                      </a:r>
+                    </a:p>
+                  </a:txBody>
+                  <a:tcPr>
+                    <a:lnL w="12700" cap="flat" cmpd="sng" algn="ctr">
+                      <a:solidFill>
+                        <a:schemeClr val="tx1"/>
+                      </a:solidFill>
+                      <a:prstDash val="solid"/>
+                      <a:round/>
+                      <a:headEnd type="none" w="med" len="med"/>
+                      <a:tailEnd type="none" w="med" len="med"/>
+                    </a:lnL>
+                    <a:lnR w="12700" cap="flat" cmpd="sng" algn="ctr">
+                      <a:solidFill>
+                        <a:schemeClr val="tx1"/>
+                      </a:solidFill>
+                      <a:prstDash val="solid"/>
+                      <a:round/>
+                      <a:headEnd type="none" w="med" len="med"/>
+                      <a:tailEnd type="none" w="med" len="med"/>
+                    </a:lnR>
+                    <a:lnT w="12700" cap="flat" cmpd="sng" algn="ctr">
+                      <a:solidFill>
+                        <a:schemeClr val="tx1"/>
+                      </a:solidFill>
+                      <a:prstDash val="solid"/>
+                      <a:round/>
+                      <a:headEnd type="none" w="med" len="med"/>
+                      <a:tailEnd type="none" w="med" len="med"/>
+                    </a:lnT>
+                    <a:lnB w="12700" cap="flat" cmpd="sng" algn="ctr">
+                      <a:solidFill>
+                        <a:schemeClr val="tx1"/>
+                      </a:solidFill>
+                      <a:prstDash val="solid"/>
+                      <a:round/>
+                      <a:headEnd type="none" w="med" len="med"/>
+                      <a:tailEnd type="none" w="med" len="med"/>
+                    </a:lnB>
+                    <a:solidFill>
+                      <a:srgbClr val="C00000"/>
+                    </a:solidFill>
+                  </a:tcPr>
+                </a:tc>
+                <a:tc>
+                  <a:txBody>
+                    <a:bodyPr/>
+                    <a:lstStyle/>
+                    <a:p>
+                      <a:pPr marL="0" marR="0" lvl="0" indent="0" algn="l" defTabSz="914400" rtl="0" eaLnBrk="1" fontAlgn="auto" latinLnBrk="0" hangingPunct="1">
+                        <a:lnSpc>
+                          <a:spcPct val="100000"/>
+                        </a:lnSpc>
+                        <a:spcBef>
+                          <a:spcPts val="0"/>
+                        </a:spcBef>
+                        <a:spcAft>
+                          <a:spcPts val="0"/>
+                        </a:spcAft>
+                        <a:buClrTx/>
+                        <a:buSzTx/>
+                        <a:buFontTx/>
+                        <a:buNone/>
+                        <a:tabLst/>
+                        <a:defRPr/>
+                      </a:pPr>
+                      <a:r>
+                        <a:rPr lang="en-US" b="0" dirty="0">
+                          <a:solidFill>
+                            <a:schemeClr val="bg1"/>
+                          </a:solidFill>
+                        </a:rPr>
+                        <a:t>19</a:t>
+                      </a:r>
+                    </a:p>
+                  </a:txBody>
+                  <a:tcPr>
+                    <a:lnL w="12700" cap="flat" cmpd="sng" algn="ctr">
+                      <a:solidFill>
+                        <a:schemeClr val="tx1"/>
+                      </a:solidFill>
+                      <a:prstDash val="solid"/>
+                      <a:round/>
+                      <a:headEnd type="none" w="med" len="med"/>
+                      <a:tailEnd type="none" w="med" len="med"/>
+                    </a:lnL>
+                    <a:lnR w="12700" cap="flat" cmpd="sng" algn="ctr">
+                      <a:solidFill>
+                        <a:schemeClr val="tx1"/>
+                      </a:solidFill>
+                      <a:prstDash val="solid"/>
+                      <a:round/>
+                      <a:headEnd type="none" w="med" len="med"/>
+                      <a:tailEnd type="none" w="med" len="med"/>
+                    </a:lnR>
+                    <a:lnT w="12700" cap="flat" cmpd="sng" algn="ctr">
+                      <a:solidFill>
+                        <a:schemeClr val="tx1"/>
+                      </a:solidFill>
+                      <a:prstDash val="solid"/>
+                      <a:round/>
+                      <a:headEnd type="none" w="med" len="med"/>
+                      <a:tailEnd type="none" w="med" len="med"/>
+                    </a:lnT>
+                    <a:lnB w="12700" cap="flat" cmpd="sng" algn="ctr">
+                      <a:solidFill>
+                        <a:schemeClr val="tx1"/>
+                      </a:solidFill>
+                      <a:prstDash val="solid"/>
+                      <a:round/>
+                      <a:headEnd type="none" w="med" len="med"/>
+                      <a:tailEnd type="none" w="med" len="med"/>
+                    </a:lnB>
+                    <a:solidFill>
+                      <a:srgbClr val="C00000"/>
+                    </a:solidFill>
+                  </a:tcPr>
+                </a:tc>
+                <a:tc>
+                  <a:txBody>
+                    <a:bodyPr/>
+                    <a:lstStyle/>
+                    <a:p>
+                      <a:pPr/>
+                      <a:r>
+                        <a:rPr lang="en-US" b="0" dirty="0">
+                          <a:solidFill>
+                            <a:schemeClr val="bg1"/>
+                          </a:solidFill>
+                        </a:rPr>
+                        <a:t>20</a:t>
+                      </a:r>
+                    </a:p>
+                  </a:txBody>
+                  <a:tcPr>
+                    <a:lnL w="12700" cap="flat" cmpd="sng" algn="ctr">
+                      <a:solidFill>
+                        <a:schemeClr val="tx1"/>
+                      </a:solidFill>
+                      <a:prstDash val="solid"/>
+                      <a:round/>
+                      <a:headEnd type="none" w="med" len="med"/>
+                      <a:tailEnd type="none" w="med" len="med"/>
+                    </a:lnL>
+                    <a:lnR w="12700" cap="flat" cmpd="sng" algn="ctr">
+                      <a:solidFill>
+                        <a:schemeClr val="tx1"/>
+                      </a:solidFill>
+                      <a:prstDash val="solid"/>
+                      <a:round/>
+                      <a:headEnd type="none" w="med" len="med"/>
+                      <a:tailEnd type="none" w="med" len="med"/>
+                    </a:lnR>
+                    <a:lnT w="12700" cap="flat" cmpd="sng" algn="ctr">
+                      <a:solidFill>
+                        <a:schemeClr val="tx1"/>
+                      </a:solidFill>
+                      <a:prstDash val="solid"/>
+                      <a:round/>
+                      <a:headEnd type="none" w="med" len="med"/>
+                      <a:tailEnd type="none" w="med" len="med"/>
+                    </a:lnT>
+                    <a:lnB w="12700" cap="flat" cmpd="sng" algn="ctr">
+                      <a:solidFill>
+                        <a:schemeClr val="tx1"/>
+                      </a:solidFill>
+                      <a:prstDash val="solid"/>
+                      <a:round/>
+                      <a:headEnd type="none" w="med" len="med"/>
+                      <a:tailEnd type="none" w="med" len="med"/>
+                    </a:lnB>
+                    <a:solidFill>
+                      <a:srgbClr val="C00000"/>
+                    </a:solidFill>
+                  </a:tcPr>
+                </a:tc>
+                <a:extLst>
+                  <a:ext uri="{0D108BD9-81ED-4DB2-BD59-A6C34878D82A}">
+                    <a16:rowId xmlns:a16="http://schemas.microsoft.com/office/drawing/2014/main" val="750636996"/>
+                  </a:ext>
+                </a:extLst>
+              </a:tr>
+              <a:tr h="370840">
+                <a:tc>
+                  <a:txBody>
+                    <a:bodyPr/>
+                    <a:lstStyle/>
+                    <a:p>
+                      <a:pPr/>
+                      <a:r>
+                        <a:rPr lang="en-US" dirty="0">
+                          <a:solidFill>
+                            <a:schemeClr val="bg1"/>
+                          </a:solidFill>
+                        </a:rPr>
+                        <a:t>30</a:t>
+                      </a:r>
+                    </a:p>
+                  </a:txBody>
+                  <a:tcPr>
+                    <a:lnL w="12700" cap="flat" cmpd="sng" algn="ctr">
+                      <a:solidFill>
+                        <a:schemeClr val="tx1"/>
+                      </a:solidFill>
+                      <a:prstDash val="solid"/>
+                      <a:round/>
+                      <a:headEnd type="none" w="med" len="med"/>
+                      <a:tailEnd type="none" w="med" len="med"/>
+                    </a:lnL>
+                    <a:lnR w="12700" cap="flat" cmpd="sng" algn="ctr">
+                      <a:solidFill>
+                        <a:schemeClr val="tx1"/>
+                      </a:solidFill>
+                      <a:prstDash val="solid"/>
+                      <a:round/>
+                      <a:headEnd type="none" w="med" len="med"/>
+                      <a:tailEnd type="none" w="med" len="med"/>
+                    </a:lnR>
+                    <a:lnT w="12700" cap="flat" cmpd="sng" algn="ctr">
+                      <a:solidFill>
+                        <a:schemeClr val="tx1"/>
+                      </a:solidFill>
+                      <a:prstDash val="solid"/>
+                      <a:round/>
+                      <a:headEnd type="none" w="med" len="med"/>
+                      <a:tailEnd type="none" w="med" len="med"/>
+                    </a:lnT>
+                    <a:lnB w="12700" cap="flat" cmpd="sng" algn="ctr">
+                      <a:solidFill>
+                        <a:schemeClr val="tx1"/>
+                      </a:solidFill>
+                      <a:prstDash val="solid"/>
+                      <a:round/>
+                      <a:headEnd type="none" w="med" len="med"/>
+                      <a:tailEnd type="none" w="med" len="med"/>
+                    </a:lnB>
+                    <a:solidFill>
+                      <a:srgbClr val="C00000"/>
+                    </a:solidFill>
+                  </a:tcPr>
+                </a:tc>
+                <a:tc>
+                  <a:txBody>
+                    <a:bodyPr/>
+                    <a:lstStyle/>
+                    <a:p>
+                      <a:pPr/>
+                      <a:r>
+                        <a:rPr lang="en-US" dirty="0">
+                          <a:solidFill>
+                            <a:schemeClr val="bg1"/>
+                          </a:solidFill>
+                        </a:rPr>
+                        <a:t>31</a:t>
+                      </a:r>
+                    </a:p>
+                  </a:txBody>
+                  <a:tcPr>
+                    <a:lnL w="12700" cap="flat" cmpd="sng" algn="ctr">
+                      <a:solidFill>
+                        <a:schemeClr val="tx1"/>
+                      </a:solidFill>
+                      <a:prstDash val="solid"/>
+                      <a:round/>
+                      <a:headEnd type="none" w="med" len="med"/>
+                      <a:tailEnd type="none" w="med" len="med"/>
+                    </a:lnL>
+                    <a:lnR w="12700" cap="flat" cmpd="sng" algn="ctr">
+                      <a:solidFill>
+                        <a:schemeClr val="tx1"/>
+                      </a:solidFill>
+                      <a:prstDash val="solid"/>
+                      <a:round/>
+                      <a:headEnd type="none" w="med" len="med"/>
+                      <a:tailEnd type="none" w="med" len="med"/>
+                    </a:lnR>
+                    <a:lnT w="12700" cap="flat" cmpd="sng" algn="ctr">
+                      <a:solidFill>
+                        <a:schemeClr val="tx1"/>
+                      </a:solidFill>
+                      <a:prstDash val="solid"/>
+                      <a:round/>
+                      <a:headEnd type="none" w="med" len="med"/>
+                      <a:tailEnd type="none" w="med" len="med"/>
+                    </a:lnT>
+                    <a:lnB w="12700" cap="flat" cmpd="sng" algn="ctr">
+                      <a:solidFill>
+                        <a:schemeClr val="tx1"/>
+                      </a:solidFill>
+                      <a:prstDash val="solid"/>
+                      <a:round/>
+                      <a:headEnd type="none" w="med" len="med"/>
+                      <a:tailEnd type="none" w="med" len="med"/>
+                    </a:lnB>
+                    <a:solidFill>
+                      <a:srgbClr val="C00000"/>
+                    </a:solidFill>
+                  </a:tcPr>
+                </a:tc>
+                <a:tc>
+                  <a:txBody>
+                    <a:bodyPr/>
+                    <a:lstStyle/>
+                    <a:p>
+                      <a:pPr/>
+                      <a:r>
+                        <a:rPr lang="en-US" dirty="0">
+                          <a:solidFill>
+                            <a:schemeClr val="bg1"/>
+                          </a:solidFill>
+                        </a:rPr>
+                        <a:t>32</a:t>
+                      </a:r>
+                    </a:p>
+                  </a:txBody>
+                  <a:tcPr>
+                    <a:lnL w="12700" cap="flat" cmpd="sng" algn="ctr">
+                      <a:solidFill>
+                        <a:schemeClr val="tx1"/>
+                      </a:solidFill>
+                      <a:prstDash val="solid"/>
+                      <a:round/>
+                      <a:headEnd type="none" w="med" len="med"/>
+                      <a:tailEnd type="none" w="med" len="med"/>
+                    </a:lnL>
+                    <a:lnR w="12700" cap="flat" cmpd="sng" algn="ctr">
+                      <a:solidFill>
+                        <a:schemeClr val="tx1"/>
+                      </a:solidFill>
+                      <a:prstDash val="solid"/>
+                      <a:round/>
+                      <a:headEnd type="none" w="med" len="med"/>
+                      <a:tailEnd type="none" w="med" len="med"/>
+                    </a:lnR>
+                    <a:lnT w="12700" cap="flat" cmpd="sng" algn="ctr">
+                      <a:solidFill>
+                        <a:schemeClr val="tx1"/>
+                      </a:solidFill>
+                      <a:prstDash val="solid"/>
+                      <a:round/>
+                      <a:headEnd type="none" w="med" len="med"/>
+                      <a:tailEnd type="none" w="med" len="med"/>
+                    </a:lnT>
+                    <a:lnB w="12700" cap="flat" cmpd="sng" algn="ctr">
+                      <a:solidFill>
+                        <a:schemeClr val="tx1"/>
+                      </a:solidFill>
+                      <a:prstDash val="solid"/>
+                      <a:round/>
+                      <a:headEnd type="none" w="med" len="med"/>
+                      <a:tailEnd type="none" w="med" len="med"/>
+                    </a:lnB>
+                    <a:solidFill>
+                      <a:srgbClr val="C00000"/>
+                    </a:solidFill>
+                  </a:tcPr>
+                </a:tc>
+                <a:extLst>
+                  <a:ext uri="{0D108BD9-81ED-4DB2-BD59-A6C34878D82A}">
+                    <a16:rowId xmlns:a16="http://schemas.microsoft.com/office/drawing/2014/main" val="3792294900"/>
+                  </a:ext>
+                </a:extLst>
+              </a:tr>
+              <a:tr h="370840">
+                <a:tc>
+                  <a:txBody>
+                    <a:bodyPr/>
+                    <a:lstStyle/>
+                    <a:p>
+                      <a:pPr/>
+                      <a:r>
+                        <a:rPr lang="en-US" dirty="0">
+                          <a:solidFill>
+                            <a:schemeClr val="bg1"/>
+                          </a:solidFill>
+                        </a:rPr>
+                        <a:t>42</a:t>
+                      </a:r>
+                    </a:p>
+                  </a:txBody>
+                  <a:tcPr>
+                    <a:lnL w="12700" cap="flat" cmpd="sng" algn="ctr">
+                      <a:solidFill>
+                        <a:schemeClr val="tx1"/>
+                      </a:solidFill>
+                      <a:prstDash val="solid"/>
+                      <a:round/>
+                      <a:headEnd type="none" w="med" len="med"/>
+                      <a:tailEnd type="none" w="med" len="med"/>
+                    </a:lnL>
+                    <a:lnR w="12700" cap="flat" cmpd="sng" algn="ctr">
+                      <a:solidFill>
+                        <a:schemeClr val="tx1"/>
+                      </a:solidFill>
+                      <a:prstDash val="solid"/>
+                      <a:round/>
+                      <a:headEnd type="none" w="med" len="med"/>
+                      <a:tailEnd type="none" w="med" len="med"/>
+                    </a:lnR>
+                    <a:lnT w="12700" cap="flat" cmpd="sng" algn="ctr">
+                      <a:solidFill>
+                        <a:schemeClr val="tx1"/>
+                      </a:solidFill>
+                      <a:prstDash val="solid"/>
+                      <a:round/>
+                      <a:headEnd type="none" w="med" len="med"/>
+                      <a:tailEnd type="none" w="med" len="med"/>
+                    </a:lnT>
+                    <a:lnB w="12700" cap="flat" cmpd="sng" algn="ctr">
+                      <a:solidFill>
+                        <a:schemeClr val="tx1"/>
+                      </a:solidFill>
+                      <a:prstDash val="solid"/>
+                      <a:round/>
+                      <a:headEnd type="none" w="med" len="med"/>
+                      <a:tailEnd type="none" w="med" len="med"/>
+                    </a:lnB>
+                    <a:solidFill>
+                      <a:srgbClr val="C00000"/>
+                    </a:solidFill>
+                  </a:tcPr>
+                </a:tc>
+                <a:tc>
+                  <a:txBody>
+                    <a:bodyPr/>
+                    <a:lstStyle/>
+                    <a:p>
+                      <a:pPr/>
+                      <a:r>
+                        <a:rPr lang="en-US" dirty="0">
+                          <a:solidFill>
+                            <a:schemeClr val="bg1"/>
+                          </a:solidFill>
+                        </a:rPr>
+                        <a:t>43</a:t>
+                      </a:r>
+                    </a:p>
+                  </a:txBody>
+                  <a:tcPr>
+                    <a:lnL w="12700" cap="flat" cmpd="sng" algn="ctr">
+                      <a:solidFill>
+                        <a:schemeClr val="tx1"/>
+                      </a:solidFill>
+                      <a:prstDash val="solid"/>
+                      <a:round/>
+                      <a:headEnd type="none" w="med" len="med"/>
+                      <a:tailEnd type="none" w="med" len="med"/>
+                    </a:lnL>
+                    <a:lnR w="12700" cap="flat" cmpd="sng" algn="ctr">
+                      <a:solidFill>
+                        <a:schemeClr val="tx1"/>
+                      </a:solidFill>
+                      <a:prstDash val="solid"/>
+                      <a:round/>
+                      <a:headEnd type="none" w="med" len="med"/>
+                      <a:tailEnd type="none" w="med" len="med"/>
+                    </a:lnR>
+                    <a:lnT w="12700" cap="flat" cmpd="sng" algn="ctr">
+                      <a:solidFill>
+                        <a:schemeClr val="tx1"/>
+                      </a:solidFill>
+                      <a:prstDash val="solid"/>
+                      <a:round/>
+                      <a:headEnd type="none" w="med" len="med"/>
+                      <a:tailEnd type="none" w="med" len="med"/>
+                    </a:lnT>
+                    <a:lnB w="12700" cap="flat" cmpd="sng" algn="ctr">
+                      <a:solidFill>
+                        <a:schemeClr val="tx1"/>
+                      </a:solidFill>
+                      <a:prstDash val="solid"/>
+                      <a:round/>
+                      <a:headEnd type="none" w="med" len="med"/>
+                      <a:tailEnd type="none" w="med" len="med"/>
+                    </a:lnB>
+                    <a:solidFill>
+                      <a:srgbClr val="C00000"/>
+                    </a:solidFill>
+                  </a:tcPr>
+                </a:tc>
+                <a:tc>
+                  <a:txBody>
+                    <a:bodyPr/>
+                    <a:lstStyle/>
+                    <a:p>
+                      <a:pPr/>
+                      <a:r>
+                        <a:rPr lang="en-US" dirty="0">
+                          <a:solidFill>
+                            <a:schemeClr val="bg1"/>
+                          </a:solidFill>
+                        </a:rPr>
+                        <a:t>44</a:t>
+                      </a:r>
+                    </a:p>
+                  </a:txBody>
+                  <a:tcPr>
+                    <a:lnL w="12700" cap="flat" cmpd="sng" algn="ctr">
+                      <a:solidFill>
+                        <a:schemeClr val="tx1"/>
+                      </a:solidFill>
+                      <a:prstDash val="solid"/>
+                      <a:round/>
+                      <a:headEnd type="none" w="med" len="med"/>
+                      <a:tailEnd type="none" w="med" len="med"/>
+                    </a:lnL>
+                    <a:lnR w="12700" cap="flat" cmpd="sng" algn="ctr">
+                      <a:solidFill>
+                        <a:schemeClr val="tx1"/>
+                      </a:solidFill>
+                      <a:prstDash val="solid"/>
+                      <a:round/>
+                      <a:headEnd type="none" w="med" len="med"/>
+                      <a:tailEnd type="none" w="med" len="med"/>
+                    </a:lnR>
+                    <a:lnT w="12700" cap="flat" cmpd="sng" algn="ctr">
+                      <a:solidFill>
+                        <a:schemeClr val="tx1"/>
+                      </a:solidFill>
+                      <a:prstDash val="solid"/>
+                      <a:round/>
+                      <a:headEnd type="none" w="med" len="med"/>
+                      <a:tailEnd type="none" w="med" len="med"/>
+                    </a:lnT>
+                    <a:lnB w="12700" cap="flat" cmpd="sng" algn="ctr">
+                      <a:solidFill>
+                        <a:schemeClr val="tx1"/>
+                      </a:solidFill>
+                      <a:prstDash val="solid"/>
+                      <a:round/>
+                      <a:headEnd type="none" w="med" len="med"/>
+                      <a:tailEnd type="none" w="med" len="med"/>
+                    </a:lnB>
+                    <a:solidFill>
+                      <a:srgbClr val="C00000"/>
+                    </a:solidFill>
+                  </a:tcPr>
+                </a:tc>
+                <a:extLst>
+                  <a:ext uri="{0D108BD9-81ED-4DB2-BD59-A6C34878D82A}">
+                    <a16:rowId xmlns:a16="http://schemas.microsoft.com/office/drawing/2014/main" val="4103855044"/>
+                  </a:ext>
+                </a:extLst>
+              </a:tr>
+            </a:tbl>
+          </a:graphicData>
+        </a:graphic>
+      </p:graphicFrame>
+      <p:grpSp>
+        <p:nvGrpSpPr>
+          <p:cNvPr id="8" name="Group 7">
+            <a:extLst>
+              <a:ext uri="{FF2B5EF4-FFF2-40B4-BE49-F238E27FC236}">
+                <a16:creationId xmlns:a16="http://schemas.microsoft.com/office/drawing/2014/main" id="{912DF4E3-22C7-4B09-80C9-B80D58E560D3}"/>
+              </a:ext>
+            </a:extLst>
+          </p:cNvPr>
+          <p:cNvGrpSpPr/>
+          <p:nvPr/>
+        </p:nvGrpSpPr>
+        <p:grpSpPr>
+          <a:xfrm rot="5400000">
+            <a:off x="3627088" y="1330081"/>
+            <a:ext cx="1099843" cy="971678"/>
+            <a:chOff x="3541403" y="5827381"/>
+            <a:chExt cx="1099843" cy="971678"/>
+          </a:xfrm>
+        </p:grpSpPr>
+        <p:cxnSp>
+          <p:nvCxnSpPr>
+            <p:cNvPr id="9" name="Straight Arrow Connector 8">
+              <a:extLst>
+                <a:ext uri="{FF2B5EF4-FFF2-40B4-BE49-F238E27FC236}">
+                  <a16:creationId xmlns:a16="http://schemas.microsoft.com/office/drawing/2014/main" id="{C325CB22-799A-469C-BDC5-771179E573B2}"/>
+                </a:ext>
+              </a:extLst>
+            </p:cNvPr>
+            <p:cNvCxnSpPr>
+              <a:cxnSpLocks/>
+            </p:cNvCxnSpPr>
+            <p:nvPr/>
+          </p:nvCxnSpPr>
+          <p:spPr>
+            <a:xfrm flipH="1" flipV="1">
+              <a:off x="4331512" y="5827381"/>
+              <a:ext cx="300856" cy="288098"/>
+            </a:xfrm>
+            <a:prstGeom prst="straightConnector1">
+              <a:avLst/>
+            </a:prstGeom>
+            <a:ln>
+              <a:solidFill>
+                <a:schemeClr val="tx1"/>
+              </a:solidFill>
+              <a:headEnd type="triangle"/>
+              <a:tailEnd type="triangle"/>
+            </a:ln>
+          </p:spPr>
+          <p:style>
+            <a:lnRef idx="1">
+              <a:schemeClr val="accent1"/>
+            </a:lnRef>
+            <a:fillRef idx="0">
+              <a:schemeClr val="accent1"/>
+            </a:fillRef>
+            <a:effectRef idx="0">
+              <a:schemeClr val="accent1"/>
+            </a:effectRef>
+            <a:fontRef idx="minor">
+              <a:schemeClr val="tx1"/>
+            </a:fontRef>
+          </p:style>
+        </p:cxnSp>
+        <p:cxnSp>
+          <p:nvCxnSpPr>
+            <p:cNvPr id="10" name="Straight Arrow Connector 9">
+              <a:extLst>
+                <a:ext uri="{FF2B5EF4-FFF2-40B4-BE49-F238E27FC236}">
+                  <a16:creationId xmlns:a16="http://schemas.microsoft.com/office/drawing/2014/main" id="{F936B448-1E57-474F-8E56-6C25D254F9B4}"/>
+                </a:ext>
+              </a:extLst>
+            </p:cNvPr>
+            <p:cNvCxnSpPr>
+              <a:cxnSpLocks/>
+            </p:cNvCxnSpPr>
+            <p:nvPr/>
+          </p:nvCxnSpPr>
+          <p:spPr>
+            <a:xfrm flipH="1" flipV="1">
+              <a:off x="3913835" y="5827381"/>
+              <a:ext cx="727411" cy="645021"/>
+            </a:xfrm>
+            <a:prstGeom prst="straightConnector1">
+              <a:avLst/>
+            </a:prstGeom>
+            <a:ln>
+              <a:solidFill>
+                <a:schemeClr val="tx1"/>
+              </a:solidFill>
+              <a:headEnd type="triangle"/>
+              <a:tailEnd type="triangle"/>
+            </a:ln>
+          </p:spPr>
+          <p:style>
+            <a:lnRef idx="1">
+              <a:schemeClr val="accent1"/>
+            </a:lnRef>
+            <a:fillRef idx="0">
+              <a:schemeClr val="accent1"/>
+            </a:fillRef>
+            <a:effectRef idx="0">
+              <a:schemeClr val="accent1"/>
+            </a:effectRef>
+            <a:fontRef idx="minor">
+              <a:schemeClr val="tx1"/>
+            </a:fontRef>
+          </p:style>
+        </p:cxnSp>
+        <p:cxnSp>
+          <p:nvCxnSpPr>
+            <p:cNvPr id="11" name="Straight Arrow Connector 10">
+              <a:extLst>
+                <a:ext uri="{FF2B5EF4-FFF2-40B4-BE49-F238E27FC236}">
+                  <a16:creationId xmlns:a16="http://schemas.microsoft.com/office/drawing/2014/main" id="{F509BB32-CB94-441D-87D2-2E29E351A05C}"/>
+                </a:ext>
+              </a:extLst>
+            </p:cNvPr>
+            <p:cNvCxnSpPr>
+              <a:cxnSpLocks/>
+            </p:cNvCxnSpPr>
+            <p:nvPr/>
+          </p:nvCxnSpPr>
+          <p:spPr>
+            <a:xfrm flipH="1" flipV="1">
+              <a:off x="3541403" y="5827382"/>
+              <a:ext cx="1090965" cy="971677"/>
+            </a:xfrm>
+            <a:prstGeom prst="straightConnector1">
+              <a:avLst/>
+            </a:prstGeom>
+            <a:ln>
+              <a:solidFill>
+                <a:schemeClr val="tx1"/>
+              </a:solidFill>
+              <a:headEnd type="triangle"/>
+              <a:tailEnd type="triangle"/>
+            </a:ln>
+          </p:spPr>
+          <p:style>
+            <a:lnRef idx="1">
+              <a:schemeClr val="accent1"/>
+            </a:lnRef>
+            <a:fillRef idx="0">
+              <a:schemeClr val="accent1"/>
+            </a:fillRef>
+            <a:effectRef idx="0">
+              <a:schemeClr val="accent1"/>
+            </a:effectRef>
+            <a:fontRef idx="minor">
+              <a:schemeClr val="tx1"/>
+            </a:fontRef>
+          </p:style>
+        </p:cxnSp>
+      </p:grpSp>
+      <p:grpSp>
+        <p:nvGrpSpPr>
+          <p:cNvPr id="12" name="Group 11">
+            <a:extLst>
+              <a:ext uri="{FF2B5EF4-FFF2-40B4-BE49-F238E27FC236}">
+                <a16:creationId xmlns:a16="http://schemas.microsoft.com/office/drawing/2014/main" id="{A71079DA-48E4-4B4F-8F82-84F31F19C14B}"/>
+              </a:ext>
+            </a:extLst>
+          </p:cNvPr>
+          <p:cNvGrpSpPr/>
+          <p:nvPr/>
+        </p:nvGrpSpPr>
+        <p:grpSpPr>
+          <a:xfrm>
+            <a:off x="6065451" y="3571862"/>
+            <a:ext cx="1034875" cy="1112521"/>
+            <a:chOff x="10110648" y="2288816"/>
+            <a:chExt cx="1034875" cy="1112521"/>
+          </a:xfrm>
+        </p:grpSpPr>
+        <p:cxnSp>
+          <p:nvCxnSpPr>
+            <p:cNvPr id="13" name="Straight Arrow Connector 12">
+              <a:extLst>
+                <a:ext uri="{FF2B5EF4-FFF2-40B4-BE49-F238E27FC236}">
+                  <a16:creationId xmlns:a16="http://schemas.microsoft.com/office/drawing/2014/main" id="{732D0C10-B5B5-42D7-9A96-43A48D8CB4DE}"/>
+                </a:ext>
+              </a:extLst>
+            </p:cNvPr>
+            <p:cNvCxnSpPr>
+              <a:cxnSpLocks/>
+            </p:cNvCxnSpPr>
+            <p:nvPr/>
+          </p:nvCxnSpPr>
+          <p:spPr>
+            <a:xfrm rot="16200000" flipH="1" flipV="1">
+              <a:off x="10111904" y="2296540"/>
+              <a:ext cx="304324" cy="306835"/>
+            </a:xfrm>
+            <a:prstGeom prst="straightConnector1">
+              <a:avLst/>
+            </a:prstGeom>
+            <a:ln>
+              <a:solidFill>
+                <a:schemeClr val="tx1"/>
+              </a:solidFill>
+              <a:headEnd type="triangle"/>
+              <a:tailEnd type="triangle"/>
+            </a:ln>
+          </p:spPr>
+          <p:style>
+            <a:lnRef idx="1">
+              <a:schemeClr val="accent1"/>
+            </a:lnRef>
+            <a:fillRef idx="0">
+              <a:schemeClr val="accent1"/>
+            </a:fillRef>
+            <a:effectRef idx="0">
+              <a:schemeClr val="accent1"/>
+            </a:effectRef>
+            <a:fontRef idx="minor">
+              <a:schemeClr val="tx1"/>
+            </a:fontRef>
+          </p:style>
+        </p:cxnSp>
+        <p:cxnSp>
+          <p:nvCxnSpPr>
+            <p:cNvPr id="14" name="Straight Arrow Connector 13">
+              <a:extLst>
+                <a:ext uri="{FF2B5EF4-FFF2-40B4-BE49-F238E27FC236}">
+                  <a16:creationId xmlns:a16="http://schemas.microsoft.com/office/drawing/2014/main" id="{305390A3-0AEB-420F-8377-1C9296D842FD}"/>
+                </a:ext>
+              </a:extLst>
+            </p:cNvPr>
+            <p:cNvCxnSpPr>
+              <a:cxnSpLocks/>
+            </p:cNvCxnSpPr>
+            <p:nvPr/>
+          </p:nvCxnSpPr>
+          <p:spPr>
+            <a:xfrm rot="16200000" flipH="1" flipV="1">
+              <a:off x="10086236" y="2313228"/>
+              <a:ext cx="735796" cy="686972"/>
+            </a:xfrm>
+            <a:prstGeom prst="straightConnector1">
+              <a:avLst/>
+            </a:prstGeom>
+            <a:ln>
+              <a:solidFill>
+                <a:schemeClr val="tx1"/>
+              </a:solidFill>
+              <a:headEnd type="triangle"/>
+              <a:tailEnd type="triangle"/>
+            </a:ln>
+          </p:spPr>
+          <p:style>
+            <a:lnRef idx="1">
+              <a:schemeClr val="accent1"/>
+            </a:lnRef>
+            <a:fillRef idx="0">
+              <a:schemeClr val="accent1"/>
+            </a:fillRef>
+            <a:effectRef idx="0">
+              <a:schemeClr val="accent1"/>
+            </a:effectRef>
+            <a:fontRef idx="minor">
+              <a:schemeClr val="tx1"/>
+            </a:fontRef>
+          </p:style>
+        </p:cxnSp>
+        <p:cxnSp>
+          <p:nvCxnSpPr>
+            <p:cNvPr id="15" name="Straight Arrow Connector 14">
+              <a:extLst>
+                <a:ext uri="{FF2B5EF4-FFF2-40B4-BE49-F238E27FC236}">
+                  <a16:creationId xmlns:a16="http://schemas.microsoft.com/office/drawing/2014/main" id="{A16470D5-2158-4023-926C-372B4AABDAA3}"/>
+                </a:ext>
+              </a:extLst>
+            </p:cNvPr>
+            <p:cNvCxnSpPr>
+              <a:cxnSpLocks/>
+            </p:cNvCxnSpPr>
+            <p:nvPr/>
+          </p:nvCxnSpPr>
+          <p:spPr>
+            <a:xfrm rot="16200000" flipH="1" flipV="1">
+              <a:off x="10076316" y="2332130"/>
+              <a:ext cx="1103541" cy="1034873"/>
+            </a:xfrm>
+            <a:prstGeom prst="straightConnector1">
+              <a:avLst/>
+            </a:prstGeom>
+            <a:ln>
+              <a:solidFill>
+                <a:schemeClr val="tx1"/>
+              </a:solidFill>
+              <a:headEnd type="triangle"/>
+              <a:tailEnd type="triangle"/>
+            </a:ln>
+          </p:spPr>
+          <p:style>
+            <a:lnRef idx="1">
+              <a:schemeClr val="accent1"/>
+            </a:lnRef>
+            <a:fillRef idx="0">
+              <a:schemeClr val="accent1"/>
+            </a:fillRef>
+            <a:effectRef idx="0">
+              <a:schemeClr val="accent1"/>
+            </a:effectRef>
+            <a:fontRef idx="minor">
+              <a:schemeClr val="tx1"/>
+            </a:fontRef>
+          </p:style>
+        </p:cxnSp>
+      </p:grpSp>
+      <p:grpSp>
+        <p:nvGrpSpPr>
+          <p:cNvPr id="16" name="Group 15">
+            <a:extLst>
+              <a:ext uri="{FF2B5EF4-FFF2-40B4-BE49-F238E27FC236}">
+                <a16:creationId xmlns:a16="http://schemas.microsoft.com/office/drawing/2014/main" id="{43496348-5471-4498-914B-A98689D89F4A}"/>
+              </a:ext>
+            </a:extLst>
+          </p:cNvPr>
+          <p:cNvGrpSpPr/>
+          <p:nvPr/>
+        </p:nvGrpSpPr>
+        <p:grpSpPr>
+          <a:xfrm rot="16200000">
+            <a:off x="3635966" y="3507779"/>
+            <a:ext cx="971678" cy="1099843"/>
+            <a:chOff x="3635966" y="3558579"/>
+            <a:chExt cx="971678" cy="1099843"/>
+          </a:xfrm>
+        </p:grpSpPr>
+        <p:cxnSp>
+          <p:nvCxnSpPr>
+            <p:cNvPr id="17" name="Straight Arrow Connector 16">
+              <a:extLst>
+                <a:ext uri="{FF2B5EF4-FFF2-40B4-BE49-F238E27FC236}">
+                  <a16:creationId xmlns:a16="http://schemas.microsoft.com/office/drawing/2014/main" id="{9195C71A-9670-471C-B966-AA6C8F5D1D8A}"/>
+                </a:ext>
+              </a:extLst>
+            </p:cNvPr>
+            <p:cNvCxnSpPr>
+              <a:cxnSpLocks/>
+            </p:cNvCxnSpPr>
+            <p:nvPr/>
+          </p:nvCxnSpPr>
+          <p:spPr>
+            <a:xfrm rot="5400000" flipH="1" flipV="1">
+              <a:off x="4313167" y="4355067"/>
+              <a:ext cx="300856" cy="288098"/>
+            </a:xfrm>
+            <a:prstGeom prst="straightConnector1">
+              <a:avLst/>
+            </a:prstGeom>
+            <a:ln>
+              <a:solidFill>
+                <a:schemeClr val="tx1"/>
+              </a:solidFill>
+              <a:headEnd type="triangle"/>
+              <a:tailEnd type="triangle"/>
+            </a:ln>
+          </p:spPr>
+          <p:style>
+            <a:lnRef idx="1">
+              <a:schemeClr val="accent1"/>
+            </a:lnRef>
+            <a:fillRef idx="0">
+              <a:schemeClr val="accent1"/>
+            </a:fillRef>
+            <a:effectRef idx="0">
+              <a:schemeClr val="accent1"/>
+            </a:effectRef>
+            <a:fontRef idx="minor">
+              <a:schemeClr val="tx1"/>
+            </a:fontRef>
+          </p:style>
+        </p:cxnSp>
+        <p:cxnSp>
+          <p:nvCxnSpPr>
+            <p:cNvPr id="18" name="Straight Arrow Connector 17">
+              <a:extLst>
+                <a:ext uri="{FF2B5EF4-FFF2-40B4-BE49-F238E27FC236}">
+                  <a16:creationId xmlns:a16="http://schemas.microsoft.com/office/drawing/2014/main" id="{CCB7B7A7-02EE-4C73-878C-ACA452BE63FD}"/>
+                </a:ext>
+              </a:extLst>
+            </p:cNvPr>
+            <p:cNvCxnSpPr>
+              <a:cxnSpLocks/>
+            </p:cNvCxnSpPr>
+            <p:nvPr/>
+          </p:nvCxnSpPr>
+          <p:spPr>
+            <a:xfrm rot="5400000" flipH="1" flipV="1">
+              <a:off x="3921428" y="3972206"/>
+              <a:ext cx="727411" cy="645021"/>
+            </a:xfrm>
+            <a:prstGeom prst="straightConnector1">
+              <a:avLst/>
+            </a:prstGeom>
+            <a:ln>
+              <a:solidFill>
+                <a:schemeClr val="tx1"/>
+              </a:solidFill>
+              <a:headEnd type="triangle"/>
+              <a:tailEnd type="triangle"/>
+            </a:ln>
+          </p:spPr>
+          <p:style>
+            <a:lnRef idx="1">
+              <a:schemeClr val="accent1"/>
+            </a:lnRef>
+            <a:fillRef idx="0">
+              <a:schemeClr val="accent1"/>
+            </a:fillRef>
+            <a:effectRef idx="0">
+              <a:schemeClr val="accent1"/>
+            </a:effectRef>
+            <a:fontRef idx="minor">
+              <a:schemeClr val="tx1"/>
+            </a:fontRef>
+          </p:style>
+        </p:cxnSp>
+        <p:cxnSp>
+          <p:nvCxnSpPr>
+            <p:cNvPr id="19" name="Straight Arrow Connector 18">
+              <a:extLst>
+                <a:ext uri="{FF2B5EF4-FFF2-40B4-BE49-F238E27FC236}">
+                  <a16:creationId xmlns:a16="http://schemas.microsoft.com/office/drawing/2014/main" id="{06A02FC5-C227-4D63-9F5A-60057EFC10A4}"/>
+                </a:ext>
+              </a:extLst>
+            </p:cNvPr>
+            <p:cNvCxnSpPr>
+              <a:cxnSpLocks/>
+            </p:cNvCxnSpPr>
+            <p:nvPr/>
+          </p:nvCxnSpPr>
+          <p:spPr>
+            <a:xfrm rot="5400000" flipH="1" flipV="1">
+              <a:off x="3576322" y="3618223"/>
+              <a:ext cx="1090965" cy="971677"/>
+            </a:xfrm>
+            <a:prstGeom prst="straightConnector1">
+              <a:avLst/>
+            </a:prstGeom>
+            <a:ln>
+              <a:solidFill>
+                <a:schemeClr val="tx1"/>
+              </a:solidFill>
+              <a:headEnd type="triangle"/>
+              <a:tailEnd type="triangle"/>
+            </a:ln>
+          </p:spPr>
+          <p:style>
+            <a:lnRef idx="1">
+              <a:schemeClr val="accent1"/>
+            </a:lnRef>
+            <a:fillRef idx="0">
+              <a:schemeClr val="accent1"/>
+            </a:fillRef>
+            <a:effectRef idx="0">
+              <a:schemeClr val="accent1"/>
+            </a:effectRef>
+            <a:fontRef idx="minor">
+              <a:schemeClr val="tx1"/>
+            </a:fontRef>
+          </p:style>
+        </p:cxnSp>
+      </p:grpSp>
+      <p:grpSp>
+        <p:nvGrpSpPr>
+          <p:cNvPr id="20" name="Group 19">
+            <a:extLst>
+              <a:ext uri="{FF2B5EF4-FFF2-40B4-BE49-F238E27FC236}">
+                <a16:creationId xmlns:a16="http://schemas.microsoft.com/office/drawing/2014/main" id="{CE215EF2-9108-4061-9D05-AF90F42877C1}"/>
+              </a:ext>
+            </a:extLst>
+          </p:cNvPr>
+          <p:cNvGrpSpPr/>
+          <p:nvPr/>
+        </p:nvGrpSpPr>
+        <p:grpSpPr>
+          <a:xfrm>
+            <a:off x="6065451" y="1374751"/>
+            <a:ext cx="1099843" cy="971678"/>
+            <a:chOff x="10074283" y="117698"/>
+            <a:chExt cx="1099843" cy="971678"/>
+          </a:xfrm>
+        </p:grpSpPr>
+        <p:cxnSp>
+          <p:nvCxnSpPr>
+            <p:cNvPr id="21" name="Straight Arrow Connector 20">
+              <a:extLst>
+                <a:ext uri="{FF2B5EF4-FFF2-40B4-BE49-F238E27FC236}">
+                  <a16:creationId xmlns:a16="http://schemas.microsoft.com/office/drawing/2014/main" id="{3EC73F7F-2862-4E6E-B92E-BDC44AE61FD1}"/>
+                </a:ext>
+              </a:extLst>
+            </p:cNvPr>
+            <p:cNvCxnSpPr>
+              <a:cxnSpLocks/>
+            </p:cNvCxnSpPr>
+            <p:nvPr/>
+          </p:nvCxnSpPr>
+          <p:spPr>
+            <a:xfrm rot="10800000" flipH="1" flipV="1">
+              <a:off x="10083161" y="801278"/>
+              <a:ext cx="300856" cy="288098"/>
+            </a:xfrm>
+            <a:prstGeom prst="straightConnector1">
+              <a:avLst/>
+            </a:prstGeom>
+            <a:ln>
+              <a:solidFill>
+                <a:schemeClr val="tx1"/>
+              </a:solidFill>
+              <a:headEnd type="triangle"/>
+              <a:tailEnd type="triangle"/>
+            </a:ln>
+          </p:spPr>
+          <p:style>
+            <a:lnRef idx="1">
+              <a:schemeClr val="accent1"/>
+            </a:lnRef>
+            <a:fillRef idx="0">
+              <a:schemeClr val="accent1"/>
+            </a:fillRef>
+            <a:effectRef idx="0">
+              <a:schemeClr val="accent1"/>
+            </a:effectRef>
+            <a:fontRef idx="minor">
+              <a:schemeClr val="tx1"/>
+            </a:fontRef>
+          </p:style>
+        </p:cxnSp>
+        <p:cxnSp>
+          <p:nvCxnSpPr>
+            <p:cNvPr id="22" name="Straight Arrow Connector 21">
+              <a:extLst>
+                <a:ext uri="{FF2B5EF4-FFF2-40B4-BE49-F238E27FC236}">
+                  <a16:creationId xmlns:a16="http://schemas.microsoft.com/office/drawing/2014/main" id="{A374BF9D-26CC-4809-BBF5-DFE2E85BB61F}"/>
+                </a:ext>
+              </a:extLst>
+            </p:cNvPr>
+            <p:cNvCxnSpPr>
+              <a:cxnSpLocks/>
+            </p:cNvCxnSpPr>
+            <p:nvPr/>
+          </p:nvCxnSpPr>
+          <p:spPr>
+            <a:xfrm rot="10800000" flipH="1" flipV="1">
+              <a:off x="10074283" y="444355"/>
+              <a:ext cx="727411" cy="645021"/>
+            </a:xfrm>
+            <a:prstGeom prst="straightConnector1">
+              <a:avLst/>
+            </a:prstGeom>
+            <a:ln>
+              <a:solidFill>
+                <a:schemeClr val="tx1"/>
+              </a:solidFill>
+              <a:headEnd type="triangle"/>
+              <a:tailEnd type="triangle"/>
+            </a:ln>
+          </p:spPr>
+          <p:style>
+            <a:lnRef idx="1">
+              <a:schemeClr val="accent1"/>
+            </a:lnRef>
+            <a:fillRef idx="0">
+              <a:schemeClr val="accent1"/>
+            </a:fillRef>
+            <a:effectRef idx="0">
+              <a:schemeClr val="accent1"/>
+            </a:effectRef>
+            <a:fontRef idx="minor">
+              <a:schemeClr val="tx1"/>
+            </a:fontRef>
+          </p:style>
+        </p:cxnSp>
+        <p:cxnSp>
+          <p:nvCxnSpPr>
+            <p:cNvPr id="23" name="Straight Arrow Connector 22">
+              <a:extLst>
+                <a:ext uri="{FF2B5EF4-FFF2-40B4-BE49-F238E27FC236}">
+                  <a16:creationId xmlns:a16="http://schemas.microsoft.com/office/drawing/2014/main" id="{71E0D3C9-732E-418C-896C-E82FA1099C2A}"/>
+                </a:ext>
+              </a:extLst>
+            </p:cNvPr>
+            <p:cNvCxnSpPr>
+              <a:cxnSpLocks/>
+            </p:cNvCxnSpPr>
+            <p:nvPr/>
+          </p:nvCxnSpPr>
+          <p:spPr>
+            <a:xfrm rot="10800000" flipH="1" flipV="1">
+              <a:off x="10083161" y="117698"/>
+              <a:ext cx="1090965" cy="971677"/>
+            </a:xfrm>
+            <a:prstGeom prst="straightConnector1">
+              <a:avLst/>
+            </a:prstGeom>
+            <a:ln>
+              <a:solidFill>
+                <a:schemeClr val="tx1"/>
+              </a:solidFill>
+              <a:headEnd type="triangle"/>
+              <a:tailEnd type="triangle"/>
+            </a:ln>
+          </p:spPr>
+          <p:style>
+            <a:lnRef idx="1">
+              <a:schemeClr val="accent1"/>
+            </a:lnRef>
+            <a:fillRef idx="0">
+              <a:schemeClr val="accent1"/>
+            </a:fillRef>
+            <a:effectRef idx="0">
+              <a:schemeClr val="accent1"/>
+            </a:effectRef>
+            <a:fontRef idx="minor">
+              <a:schemeClr val="tx1"/>
+            </a:fontRef>
+          </p:style>
+        </p:cxnSp>
+      </p:grpSp>
+      <p:sp>
+        <p:nvSpPr>
+          <p:cNvPr id="24" name="TextBox 23">
+            <a:extLst>
+              <a:ext uri="{FF2B5EF4-FFF2-40B4-BE49-F238E27FC236}">
+                <a16:creationId xmlns:a16="http://schemas.microsoft.com/office/drawing/2014/main" id="{B6D4BCE9-057B-4108-B20A-C1A166054DAC}"/>
+              </a:ext>
+            </a:extLst>
+          </p:cNvPr>
+          <p:cNvSpPr txBox="1"/>
+          <p:nvPr/>
+        </p:nvSpPr>
+        <p:spPr>
+          <a:xfrm>
+            <a:off x="221942" y="186431"/>
+            <a:ext cx="2932265" cy="2585323"/>
+          </a:xfrm>
+          <a:prstGeom prst="rect">
+            <a:avLst/>
+          </a:prstGeom>
+          <a:noFill/>
+        </p:spPr>
+        <p:txBody>
+          <a:bodyPr wrap="square" rtlCol="0">
+            <a:spAutoFit/>
+          </a:bodyPr>
+          <a:lstStyle/>
+          <a:p>
+            <a:r>
+              <a:rPr lang="en-US" dirty="0"/>
+              <a:t>UP:</a:t>
+            </a:r>
+          </a:p>
+          <a:p>
+            <a:r>
+              <a:rPr lang="en-US" dirty="0"/>
+              <a:t>Green left:</a:t>
+            </a:r>
+          </a:p>
+          <a:p>
+            <a:pPr marL="285750" indent="-285750">
+              <a:buFont typeface="Arial" panose="020B0604020202020204" pitchFamily="34" charset="0"/>
+              <a:buChar char="•"/>
+            </a:pPr>
+            <a:r>
+              <a:rPr lang="en-US" dirty="0"/>
+              <a:t>0 3 6 12 24 36 45 48 51 </a:t>
+            </a:r>
+            <a:r>
+              <a:rPr lang="en-US" dirty="0" err="1"/>
+              <a:t>shiftUp</a:t>
+            </a:r>
+            <a:r>
+              <a:rPr lang="en-US" dirty="0"/>
+              <a:t> x 3</a:t>
+            </a:r>
+          </a:p>
+          <a:p>
+            <a:pPr marL="285750" indent="-285750">
+              <a:buFont typeface="Arial" panose="020B0604020202020204" pitchFamily="34" charset="0"/>
+              <a:buChar char="•"/>
+            </a:pPr>
+            <a:r>
+              <a:rPr lang="en-US" dirty="0"/>
+              <a:t>9 – 11, 21 – 23, 33 – 35 rotate CCW 90 degrees</a:t>
+            </a:r>
+          </a:p>
+          <a:p>
+            <a:r>
+              <a:rPr lang="en-US" dirty="0"/>
+              <a:t>Green Middle:</a:t>
+            </a:r>
+          </a:p>
+          <a:p>
+            <a:pPr marL="285750" indent="-285750">
+              <a:buFont typeface="Arial" panose="020B0604020202020204" pitchFamily="34" charset="0"/>
+              <a:buChar char="•"/>
+            </a:pPr>
+            <a:r>
+              <a:rPr lang="en-US" dirty="0"/>
+              <a:t>1 4 7 13 25 37 46 49 52 </a:t>
+            </a:r>
+            <a:r>
+              <a:rPr lang="en-US" dirty="0" err="1"/>
+              <a:t>shiftUp</a:t>
+            </a:r>
+            <a:r>
+              <a:rPr lang="en-US" dirty="0"/>
+              <a:t> x 3</a:t>
+            </a:r>
+          </a:p>
+        </p:txBody>
+      </p:sp>
+    </p:spTree>
+    <p:extLst>
+      <p:ext uri="{BB962C8B-B14F-4D97-AF65-F5344CB8AC3E}">
+        <p14:creationId xmlns:p14="http://schemas.microsoft.com/office/powerpoint/2010/main" val="4150192386"/>
+      </p:ext>
+    </p:extLst>
+  </p:cSld>
+  <p:clrMapOvr>
+    <a:masterClrMapping/>
+  </p:clrMapOvr>
+</p:sld>
+</file>
+
 <file path=ppt/theme/theme1.xml><?xml version="1.0" encoding="utf-8"?>
 <a:theme xmlns:a="http://schemas.openxmlformats.org/drawingml/2006/main" name="Office Theme">
   <a:themeElements>
